--- a/TSP.pptx
+++ b/TSP.pptx
@@ -25,40 +25,39 @@
     <p:sldId id="315" r:id="rId19"/>
     <p:sldId id="314" r:id="rId20"/>
     <p:sldId id="316" r:id="rId21"/>
-    <p:sldId id="317" r:id="rId22"/>
-    <p:sldId id="265" r:id="rId23"/>
-    <p:sldId id="275" r:id="rId24"/>
-    <p:sldId id="259" r:id="rId25"/>
-    <p:sldId id="260" r:id="rId26"/>
-    <p:sldId id="261" r:id="rId27"/>
-    <p:sldId id="262" r:id="rId28"/>
-    <p:sldId id="263" r:id="rId29"/>
-    <p:sldId id="264" r:id="rId30"/>
-    <p:sldId id="271" r:id="rId31"/>
-    <p:sldId id="274" r:id="rId32"/>
-    <p:sldId id="286" r:id="rId33"/>
-    <p:sldId id="287" r:id="rId34"/>
-    <p:sldId id="288" r:id="rId35"/>
-    <p:sldId id="289" r:id="rId36"/>
-    <p:sldId id="290" r:id="rId37"/>
-    <p:sldId id="291" r:id="rId38"/>
-    <p:sldId id="292" r:id="rId39"/>
-    <p:sldId id="293" r:id="rId40"/>
-    <p:sldId id="294" r:id="rId41"/>
-    <p:sldId id="295" r:id="rId42"/>
-    <p:sldId id="296" r:id="rId43"/>
-    <p:sldId id="297" r:id="rId44"/>
-    <p:sldId id="298" r:id="rId45"/>
-    <p:sldId id="300" r:id="rId46"/>
-    <p:sldId id="301" r:id="rId47"/>
-    <p:sldId id="304" r:id="rId48"/>
-    <p:sldId id="305" r:id="rId49"/>
-    <p:sldId id="306" r:id="rId50"/>
-    <p:sldId id="302" r:id="rId51"/>
-    <p:sldId id="303" r:id="rId52"/>
-    <p:sldId id="280" r:id="rId53"/>
-    <p:sldId id="281" r:id="rId54"/>
-    <p:sldId id="283" r:id="rId55"/>
+    <p:sldId id="265" r:id="rId22"/>
+    <p:sldId id="275" r:id="rId23"/>
+    <p:sldId id="259" r:id="rId24"/>
+    <p:sldId id="260" r:id="rId25"/>
+    <p:sldId id="261" r:id="rId26"/>
+    <p:sldId id="262" r:id="rId27"/>
+    <p:sldId id="263" r:id="rId28"/>
+    <p:sldId id="264" r:id="rId29"/>
+    <p:sldId id="271" r:id="rId30"/>
+    <p:sldId id="274" r:id="rId31"/>
+    <p:sldId id="286" r:id="rId32"/>
+    <p:sldId id="287" r:id="rId33"/>
+    <p:sldId id="288" r:id="rId34"/>
+    <p:sldId id="289" r:id="rId35"/>
+    <p:sldId id="290" r:id="rId36"/>
+    <p:sldId id="291" r:id="rId37"/>
+    <p:sldId id="292" r:id="rId38"/>
+    <p:sldId id="293" r:id="rId39"/>
+    <p:sldId id="294" r:id="rId40"/>
+    <p:sldId id="295" r:id="rId41"/>
+    <p:sldId id="296" r:id="rId42"/>
+    <p:sldId id="297" r:id="rId43"/>
+    <p:sldId id="298" r:id="rId44"/>
+    <p:sldId id="300" r:id="rId45"/>
+    <p:sldId id="301" r:id="rId46"/>
+    <p:sldId id="304" r:id="rId47"/>
+    <p:sldId id="305" r:id="rId48"/>
+    <p:sldId id="306" r:id="rId49"/>
+    <p:sldId id="302" r:id="rId50"/>
+    <p:sldId id="303" r:id="rId51"/>
+    <p:sldId id="280" r:id="rId52"/>
+    <p:sldId id="281" r:id="rId53"/>
+    <p:sldId id="283" r:id="rId54"/>
   </p:sldIdLst>
   <p:sldSz cx="12192000" cy="6858000"/>
   <p:notesSz cx="6858000" cy="9144000"/>
@@ -415,7 +414,7 @@
             <a:fld id="{B61BEF0D-F0BB-DE4B-95CE-6DB70DBA9567}" type="datetimeFigureOut">
               <a:rPr lang="en-US" dirty="0"/>
               <a:pPr/>
-              <a:t>12/4/2017</a:t>
+              <a:t>12/5/2017</a:t>
             </a:fld>
             <a:endParaRPr lang="en-US" dirty="0"/>
           </a:p>
@@ -674,7 +673,7 @@
             <a:fld id="{B61BEF0D-F0BB-DE4B-95CE-6DB70DBA9567}" type="datetimeFigureOut">
               <a:rPr lang="en-US" dirty="0"/>
               <a:pPr/>
-              <a:t>12/4/2017</a:t>
+              <a:t>12/5/2017</a:t>
             </a:fld>
             <a:endParaRPr lang="en-US" dirty="0"/>
           </a:p>
@@ -906,7 +905,7 @@
             <a:fld id="{B61BEF0D-F0BB-DE4B-95CE-6DB70DBA9567}" type="datetimeFigureOut">
               <a:rPr lang="en-US" dirty="0"/>
               <a:pPr/>
-              <a:t>12/4/2017</a:t>
+              <a:t>12/5/2017</a:t>
             </a:fld>
             <a:endParaRPr lang="en-US" dirty="0"/>
           </a:p>
@@ -1143,7 +1142,7 @@
             <a:fld id="{B61BEF0D-F0BB-DE4B-95CE-6DB70DBA9567}" type="datetimeFigureOut">
               <a:rPr lang="en-US" dirty="0"/>
               <a:pPr/>
-              <a:t>12/4/2017</a:t>
+              <a:t>12/5/2017</a:t>
             </a:fld>
             <a:endParaRPr lang="en-US" dirty="0"/>
           </a:p>
@@ -1447,7 +1446,7 @@
             <a:fld id="{B61BEF0D-F0BB-DE4B-95CE-6DB70DBA9567}" type="datetimeFigureOut">
               <a:rPr lang="en-US" dirty="0"/>
               <a:pPr/>
-              <a:t>12/4/2017</a:t>
+              <a:t>12/5/2017</a:t>
             </a:fld>
             <a:endParaRPr lang="en-US" dirty="0"/>
           </a:p>
@@ -1746,7 +1745,7 @@
             <a:fld id="{B61BEF0D-F0BB-DE4B-95CE-6DB70DBA9567}" type="datetimeFigureOut">
               <a:rPr lang="en-US" dirty="0"/>
               <a:pPr/>
-              <a:t>12/4/2017</a:t>
+              <a:t>12/5/2017</a:t>
             </a:fld>
             <a:endParaRPr lang="en-US" dirty="0"/>
           </a:p>
@@ -2165,7 +2164,7 @@
             <a:fld id="{B61BEF0D-F0BB-DE4B-95CE-6DB70DBA9567}" type="datetimeFigureOut">
               <a:rPr lang="en-US" dirty="0"/>
               <a:pPr/>
-              <a:t>12/4/2017</a:t>
+              <a:t>12/5/2017</a:t>
             </a:fld>
             <a:endParaRPr lang="en-US" dirty="0"/>
           </a:p>
@@ -2324,7 +2323,7 @@
             <a:fld id="{B61BEF0D-F0BB-DE4B-95CE-6DB70DBA9567}" type="datetimeFigureOut">
               <a:rPr lang="en-US" dirty="0"/>
               <a:pPr/>
-              <a:t>12/4/2017</a:t>
+              <a:t>12/5/2017</a:t>
             </a:fld>
             <a:endParaRPr lang="en-US" dirty="0"/>
           </a:p>
@@ -2416,7 +2415,7 @@
             <a:fld id="{B61BEF0D-F0BB-DE4B-95CE-6DB70DBA9567}" type="datetimeFigureOut">
               <a:rPr lang="en-US" dirty="0"/>
               <a:pPr/>
-              <a:t>12/4/2017</a:t>
+              <a:t>12/5/2017</a:t>
             </a:fld>
             <a:endParaRPr lang="en-US" dirty="0"/>
           </a:p>
@@ -2791,7 +2790,7 @@
             <a:fld id="{B61BEF0D-F0BB-DE4B-95CE-6DB70DBA9567}" type="datetimeFigureOut">
               <a:rPr lang="en-US" dirty="0"/>
               <a:pPr/>
-              <a:t>12/4/2017</a:t>
+              <a:t>12/5/2017</a:t>
             </a:fld>
             <a:endParaRPr lang="en-US" dirty="0"/>
           </a:p>
@@ -3077,7 +3076,7 @@
             <a:fld id="{B61BEF0D-F0BB-DE4B-95CE-6DB70DBA9567}" type="datetimeFigureOut">
               <a:rPr lang="en-US" dirty="0"/>
               <a:pPr/>
-              <a:t>12/4/2017</a:t>
+              <a:t>12/5/2017</a:t>
             </a:fld>
             <a:endParaRPr lang="en-US" dirty="0"/>
           </a:p>
@@ -3285,7 +3284,7 @@
             <a:fld id="{B61BEF0D-F0BB-DE4B-95CE-6DB70DBA9567}" type="datetimeFigureOut">
               <a:rPr lang="en-US" dirty="0"/>
               <a:pPr/>
-              <a:t>12/4/2017</a:t>
+              <a:t>12/5/2017</a:t>
             </a:fld>
             <a:endParaRPr lang="en-US" dirty="0"/>
           </a:p>
@@ -5268,7 +5267,7 @@
         </p:spPr>
         <p:txBody>
           <a:bodyPr vert="horz">
-            <a:normAutofit fontScale="92500" lnSpcReduction="10000"/>
+            <a:normAutofit lnSpcReduction="10000"/>
           </a:bodyPr>
           <a:lstStyle/>
           <a:p>
@@ -5280,7 +5279,7 @@
                 <a:latin typeface="Cambria Math" panose="02040503050406030204" pitchFamily="18" charset="0"/>
                 <a:ea typeface="Cambria Math" panose="02040503050406030204" pitchFamily="18" charset="0"/>
               </a:rPr>
-              <a:t>BEST-FIRST-SEARCH(A, v) 			// A is adjacency matrix, v is number of nodes</a:t>
+              <a:t>BEST-FIRST-SEARCH(A, v) 		// A is adjacency matrix, v is number of nodes</a:t>
             </a:r>
             <a:br>
               <a:rPr lang="en-US" dirty="0">
@@ -5367,7 +5366,7 @@
                 <a:latin typeface="Cambria Math" panose="02040503050406030204" pitchFamily="18" charset="0"/>
                 <a:ea typeface="Cambria Math" panose="02040503050406030204" pitchFamily="18" charset="0"/>
               </a:rPr>
-              <a:t> = [0]				// First path is [0], child paths are [0,1],[0,2], … ,[0,v-1]</a:t>
+              <a:t> = [0]	// First path is [0], child paths are [0,1],[0,2], … ,[0,v-1]</a:t>
             </a:r>
             <a:br>
               <a:rPr lang="en-US" dirty="0">
@@ -5681,7 +5680,7 @@
                 <a:latin typeface="Cambria Math" panose="02040503050406030204" pitchFamily="18" charset="0"/>
                 <a:ea typeface="Cambria Math" panose="02040503050406030204" pitchFamily="18" charset="0"/>
               </a:rPr>
-              <a:t>			else					// If leaf is reached, a full path is completed</a:t>
+              <a:t>			else				// If leaf is reached, a full path is completed</a:t>
             </a:r>
             <a:br>
               <a:rPr lang="en-US" dirty="0">
@@ -8482,8 +8481,8 @@
           </a:fontRef>
         </p:style>
       </p:cxnSp>
-      <mc:AlternateContent xmlns:mc="http://schemas.openxmlformats.org/markup-compatibility/2006">
-        <mc:Choice xmlns:a14="http://schemas.microsoft.com/office/drawing/2010/main" Requires="a14">
+      <mc:AlternateContent xmlns:mc="http://schemas.openxmlformats.org/markup-compatibility/2006" xmlns:a14="http://schemas.microsoft.com/office/drawing/2010/main">
+        <mc:Choice Requires="a14">
           <p:sp>
             <p:nvSpPr>
               <p:cNvPr id="19" name="Rectangle 18">
@@ -8695,7 +8694,7 @@
             </p:txBody>
           </p:sp>
         </mc:Choice>
-        <mc:Fallback>
+        <mc:Fallback xmlns="">
           <p:sp>
             <p:nvSpPr>
               <p:cNvPr id="19" name="Rectangle 18">
@@ -17339,2380 +17338,6 @@
       </p:grpSpPr>
       <p:sp>
         <p:nvSpPr>
-          <p:cNvPr id="4" name="Rectangle: Single Corner Snipped 3">
-            <a:extLst>
-              <a:ext uri="{FF2B5EF4-FFF2-40B4-BE49-F238E27FC236}">
-                <a16:creationId xmlns:a16="http://schemas.microsoft.com/office/drawing/2014/main" id="{280C6219-EDB4-422F-B74C-F57C58F218F7}"/>
-              </a:ext>
-            </a:extLst>
-          </p:cNvPr>
-          <p:cNvSpPr/>
-          <p:nvPr/>
-        </p:nvSpPr>
-        <p:spPr>
-          <a:xfrm rot="10800000">
-            <a:off x="7844589" y="624794"/>
-            <a:ext cx="3884956" cy="1088392"/>
-          </a:xfrm>
-          <a:prstGeom prst="snip1Rect">
-            <a:avLst>
-              <a:gd name="adj" fmla="val 50000"/>
-            </a:avLst>
-          </a:prstGeom>
-        </p:spPr>
-        <p:style>
-          <a:lnRef idx="2">
-            <a:schemeClr val="accent1">
-              <a:shade val="50000"/>
-            </a:schemeClr>
-          </a:lnRef>
-          <a:fillRef idx="1">
-            <a:schemeClr val="accent1"/>
-          </a:fillRef>
-          <a:effectRef idx="0">
-            <a:schemeClr val="accent1"/>
-          </a:effectRef>
-          <a:fontRef idx="minor">
-            <a:schemeClr val="lt1"/>
-          </a:fontRef>
-        </p:style>
-        <p:txBody>
-          <a:bodyPr rtlCol="0" anchor="ctr"/>
-          <a:lstStyle/>
-          <a:p>
-            <a:pPr algn="ctr"/>
-            <a:endParaRPr lang="en-US" dirty="0"/>
-          </a:p>
-        </p:txBody>
-      </p:sp>
-      <p:sp>
-        <p:nvSpPr>
-          <p:cNvPr id="6" name="Rectangle: Single Corner Snipped 5">
-            <a:extLst>
-              <a:ext uri="{FF2B5EF4-FFF2-40B4-BE49-F238E27FC236}">
-                <a16:creationId xmlns:a16="http://schemas.microsoft.com/office/drawing/2014/main" id="{E797436E-8E0F-43A3-AB53-C0DDCB7465E7}"/>
-              </a:ext>
-            </a:extLst>
-          </p:cNvPr>
-          <p:cNvSpPr/>
-          <p:nvPr/>
-        </p:nvSpPr>
-        <p:spPr>
-          <a:xfrm flipH="1">
-            <a:off x="10634869" y="797036"/>
-            <a:ext cx="1123121" cy="1013800"/>
-          </a:xfrm>
-          <a:prstGeom prst="snip1Rect">
-            <a:avLst>
-              <a:gd name="adj" fmla="val 38041"/>
-            </a:avLst>
-          </a:prstGeom>
-          <a:solidFill>
-            <a:schemeClr val="bg1"/>
-          </a:solidFill>
-          <a:ln>
-            <a:noFill/>
-          </a:ln>
-        </p:spPr>
-        <p:style>
-          <a:lnRef idx="2">
-            <a:schemeClr val="accent1">
-              <a:shade val="50000"/>
-            </a:schemeClr>
-          </a:lnRef>
-          <a:fillRef idx="1">
-            <a:schemeClr val="accent1"/>
-          </a:fillRef>
-          <a:effectRef idx="0">
-            <a:schemeClr val="accent1"/>
-          </a:effectRef>
-          <a:fontRef idx="minor">
-            <a:schemeClr val="lt1"/>
-          </a:fontRef>
-        </p:style>
-        <p:txBody>
-          <a:bodyPr rtlCol="0" anchor="ctr"/>
-          <a:lstStyle/>
-          <a:p>
-            <a:pPr algn="ctr"/>
-            <a:r>
-              <a:rPr lang="en-US" sz="4400" dirty="0">
-                <a:solidFill>
-                  <a:schemeClr val="accent1"/>
-                </a:solidFill>
-                <a:latin typeface="Arial" panose="020B0604020202020204" pitchFamily="34" charset="0"/>
-                <a:cs typeface="Arial" panose="020B0604020202020204" pitchFamily="34" charset="0"/>
-              </a:rPr>
-              <a:t>10</a:t>
-            </a:r>
-          </a:p>
-        </p:txBody>
-      </p:sp>
-      <p:sp>
-        <p:nvSpPr>
-          <p:cNvPr id="5" name="Title 1">
-            <a:extLst>
-              <a:ext uri="{FF2B5EF4-FFF2-40B4-BE49-F238E27FC236}">
-                <a16:creationId xmlns:a16="http://schemas.microsoft.com/office/drawing/2014/main" id="{A7D5A4ED-021F-4DB1-9A78-465A2C8341EA}"/>
-              </a:ext>
-            </a:extLst>
-          </p:cNvPr>
-          <p:cNvSpPr txBox="1">
-            <a:spLocks/>
-          </p:cNvSpPr>
-          <p:nvPr/>
-        </p:nvSpPr>
-        <p:spPr>
-          <a:xfrm rot="16200000">
-            <a:off x="5867398" y="-5580821"/>
-            <a:ext cx="457201" cy="11618844"/>
-          </a:xfrm>
-          <a:prstGeom prst="rect">
-            <a:avLst/>
-          </a:prstGeom>
-        </p:spPr>
-        <p:txBody>
-          <a:bodyPr vert="eaVert" lIns="91440" tIns="45720" rIns="91440" bIns="45720" rtlCol="0" anchor="b">
-            <a:noAutofit/>
-          </a:bodyPr>
-          <a:lstStyle>
-            <a:lvl1pPr algn="l" defTabSz="457200" rtl="0" eaLnBrk="1" latinLnBrk="0" hangingPunct="1">
-              <a:spcBef>
-                <a:spcPct val="0"/>
-              </a:spcBef>
-              <a:buNone/>
-              <a:defRPr sz="2800" b="0" kern="1200" cap="all">
-                <a:solidFill>
-                  <a:schemeClr val="bg1"/>
-                </a:solidFill>
-                <a:latin typeface="+mj-lt"/>
-                <a:ea typeface="+mj-ea"/>
-                <a:cs typeface="+mj-cs"/>
-              </a:defRPr>
-            </a:lvl1pPr>
-            <a:lvl2pPr eaLnBrk="1" hangingPunct="1">
-              <a:defRPr>
-                <a:solidFill>
-                  <a:schemeClr val="tx2"/>
-                </a:solidFill>
-              </a:defRPr>
-            </a:lvl2pPr>
-            <a:lvl3pPr eaLnBrk="1" hangingPunct="1">
-              <a:defRPr>
-                <a:solidFill>
-                  <a:schemeClr val="tx2"/>
-                </a:solidFill>
-              </a:defRPr>
-            </a:lvl3pPr>
-            <a:lvl4pPr eaLnBrk="1" hangingPunct="1">
-              <a:defRPr>
-                <a:solidFill>
-                  <a:schemeClr val="tx2"/>
-                </a:solidFill>
-              </a:defRPr>
-            </a:lvl4pPr>
-            <a:lvl5pPr eaLnBrk="1" hangingPunct="1">
-              <a:defRPr>
-                <a:solidFill>
-                  <a:schemeClr val="tx2"/>
-                </a:solidFill>
-              </a:defRPr>
-            </a:lvl5pPr>
-            <a:lvl6pPr eaLnBrk="1" hangingPunct="1">
-              <a:defRPr>
-                <a:solidFill>
-                  <a:schemeClr val="tx2"/>
-                </a:solidFill>
-              </a:defRPr>
-            </a:lvl6pPr>
-            <a:lvl7pPr eaLnBrk="1" hangingPunct="1">
-              <a:defRPr>
-                <a:solidFill>
-                  <a:schemeClr val="tx2"/>
-                </a:solidFill>
-              </a:defRPr>
-            </a:lvl7pPr>
-            <a:lvl8pPr eaLnBrk="1" hangingPunct="1">
-              <a:defRPr>
-                <a:solidFill>
-                  <a:schemeClr val="tx2"/>
-                </a:solidFill>
-              </a:defRPr>
-            </a:lvl8pPr>
-            <a:lvl9pPr eaLnBrk="1" hangingPunct="1">
-              <a:defRPr>
-                <a:solidFill>
-                  <a:schemeClr val="tx2"/>
-                </a:solidFill>
-              </a:defRPr>
-            </a:lvl9pPr>
-          </a:lstStyle>
-          <a:p>
-            <a:pPr algn="ctr"/>
-            <a:r>
-              <a:rPr lang="en-US" sz="2000" cap="none" dirty="0">
-                <a:solidFill>
-                  <a:schemeClr val="accent4"/>
-                </a:solidFill>
-              </a:rPr>
-              <a:t>Introducing TSP | Brute force solution | </a:t>
-            </a:r>
-            <a:r>
-              <a:rPr lang="en-US" sz="2000" cap="none" dirty="0">
-                <a:solidFill>
-                  <a:schemeClr val="accent1"/>
-                </a:solidFill>
-              </a:rPr>
-              <a:t>Best first search </a:t>
-            </a:r>
-            <a:r>
-              <a:rPr lang="en-US" sz="2000" cap="none" dirty="0">
-                <a:solidFill>
-                  <a:schemeClr val="accent4"/>
-                </a:solidFill>
-              </a:rPr>
-              <a:t>| Nearest neighbor | Greedy heuristic | Time analysis</a:t>
-            </a:r>
-          </a:p>
-        </p:txBody>
-      </p:sp>
-      <p:grpSp>
-        <p:nvGrpSpPr>
-          <p:cNvPr id="10" name="Group 9">
-            <a:extLst>
-              <a:ext uri="{FF2B5EF4-FFF2-40B4-BE49-F238E27FC236}">
-                <a16:creationId xmlns:a16="http://schemas.microsoft.com/office/drawing/2014/main" id="{82819DD0-6FDC-4270-8DAA-E97BA74262F8}"/>
-              </a:ext>
-            </a:extLst>
-          </p:cNvPr>
-          <p:cNvGrpSpPr/>
-          <p:nvPr/>
-        </p:nvGrpSpPr>
-        <p:grpSpPr>
-          <a:xfrm>
-            <a:off x="5638798" y="809702"/>
-            <a:ext cx="914400" cy="914400"/>
-            <a:chOff x="5638798" y="809702"/>
-            <a:chExt cx="914400" cy="914400"/>
-          </a:xfrm>
-        </p:grpSpPr>
-        <p:sp>
-          <p:nvSpPr>
-            <p:cNvPr id="11" name="Oval 10">
-              <a:extLst>
-                <a:ext uri="{FF2B5EF4-FFF2-40B4-BE49-F238E27FC236}">
-                  <a16:creationId xmlns:a16="http://schemas.microsoft.com/office/drawing/2014/main" id="{A74A293F-173E-4BA2-97FA-FB2D73D0C32D}"/>
-                </a:ext>
-              </a:extLst>
-            </p:cNvPr>
-            <p:cNvSpPr/>
-            <p:nvPr/>
-          </p:nvSpPr>
-          <p:spPr>
-            <a:xfrm>
-              <a:off x="5638798" y="809702"/>
-              <a:ext cx="914400" cy="914400"/>
-            </a:xfrm>
-            <a:prstGeom prst="ellipse">
-              <a:avLst/>
-            </a:prstGeom>
-            <a:solidFill>
-              <a:schemeClr val="accent2">
-                <a:lumMod val="20000"/>
-                <a:lumOff val="80000"/>
-              </a:schemeClr>
-            </a:solidFill>
-          </p:spPr>
-          <p:style>
-            <a:lnRef idx="2">
-              <a:schemeClr val="accent1">
-                <a:shade val="50000"/>
-              </a:schemeClr>
-            </a:lnRef>
-            <a:fillRef idx="1">
-              <a:schemeClr val="accent1"/>
-            </a:fillRef>
-            <a:effectRef idx="0">
-              <a:schemeClr val="accent1"/>
-            </a:effectRef>
-            <a:fontRef idx="minor">
-              <a:schemeClr val="lt1"/>
-            </a:fontRef>
-          </p:style>
-          <p:txBody>
-            <a:bodyPr rtlCol="0" anchor="ctr"/>
-            <a:lstStyle/>
-            <a:p>
-              <a:pPr algn="ctr"/>
-              <a:endParaRPr lang="en-UG"/>
-            </a:p>
-          </p:txBody>
-        </p:sp>
-        <p:sp>
-          <p:nvSpPr>
-            <p:cNvPr id="12" name="TextBox 11">
-              <a:extLst>
-                <a:ext uri="{FF2B5EF4-FFF2-40B4-BE49-F238E27FC236}">
-                  <a16:creationId xmlns:a16="http://schemas.microsoft.com/office/drawing/2014/main" id="{13057117-2F97-424B-BA43-6A28D6C7648A}"/>
-                </a:ext>
-              </a:extLst>
-            </p:cNvPr>
-            <p:cNvSpPr txBox="1"/>
-            <p:nvPr/>
-          </p:nvSpPr>
-          <p:spPr>
-            <a:xfrm>
-              <a:off x="5638798" y="989487"/>
-              <a:ext cx="914400" cy="646331"/>
-            </a:xfrm>
-            <a:prstGeom prst="rect">
-              <a:avLst/>
-            </a:prstGeom>
-            <a:noFill/>
-          </p:spPr>
-          <p:txBody>
-            <a:bodyPr wrap="square" rtlCol="0">
-              <a:spAutoFit/>
-            </a:bodyPr>
-            <a:lstStyle/>
-            <a:p>
-              <a:pPr algn="ctr"/>
-              <a:r>
-                <a:rPr lang="en-US" dirty="0">
-                  <a:latin typeface="Cambria Math" panose="02040503050406030204" pitchFamily="18" charset="0"/>
-                  <a:ea typeface="Cambria Math" panose="02040503050406030204" pitchFamily="18" charset="0"/>
-                </a:rPr>
-                <a:t>[0]</a:t>
-              </a:r>
-            </a:p>
-            <a:p>
-              <a:pPr algn="ctr"/>
-              <a:r>
-                <a:rPr lang="en-US" dirty="0">
-                  <a:latin typeface="Cambria Math" panose="02040503050406030204" pitchFamily="18" charset="0"/>
-                  <a:ea typeface="Cambria Math" panose="02040503050406030204" pitchFamily="18" charset="0"/>
-                </a:rPr>
-                <a:t>10</a:t>
-              </a:r>
-            </a:p>
-          </p:txBody>
-        </p:sp>
-      </p:grpSp>
-      <p:cxnSp>
-        <p:nvCxnSpPr>
-          <p:cNvPr id="13" name="Straight Arrow Connector 12">
-            <a:extLst>
-              <a:ext uri="{FF2B5EF4-FFF2-40B4-BE49-F238E27FC236}">
-                <a16:creationId xmlns:a16="http://schemas.microsoft.com/office/drawing/2014/main" id="{AF5BAEA8-0BF1-43B2-8920-AF2332696C33}"/>
-              </a:ext>
-            </a:extLst>
-          </p:cNvPr>
-          <p:cNvCxnSpPr>
-            <a:cxnSpLocks/>
-            <a:endCxn id="17" idx="0"/>
-          </p:cNvCxnSpPr>
-          <p:nvPr/>
-        </p:nvCxnSpPr>
-        <p:spPr>
-          <a:xfrm flipH="1">
-            <a:off x="3627256" y="1735245"/>
-            <a:ext cx="2419760" cy="367658"/>
-          </a:xfrm>
-          <a:prstGeom prst="straightConnector1">
-            <a:avLst/>
-          </a:prstGeom>
-          <a:ln>
-            <a:tailEnd type="triangle"/>
-          </a:ln>
-        </p:spPr>
-        <p:style>
-          <a:lnRef idx="1">
-            <a:schemeClr val="accent1"/>
-          </a:lnRef>
-          <a:fillRef idx="0">
-            <a:schemeClr val="accent1"/>
-          </a:fillRef>
-          <a:effectRef idx="0">
-            <a:schemeClr val="accent1"/>
-          </a:effectRef>
-          <a:fontRef idx="minor">
-            <a:schemeClr val="tx1"/>
-          </a:fontRef>
-        </p:style>
-      </p:cxnSp>
-      <p:cxnSp>
-        <p:nvCxnSpPr>
-          <p:cNvPr id="14" name="Straight Arrow Connector 13">
-            <a:extLst>
-              <a:ext uri="{FF2B5EF4-FFF2-40B4-BE49-F238E27FC236}">
-                <a16:creationId xmlns:a16="http://schemas.microsoft.com/office/drawing/2014/main" id="{DF62D1C6-3449-4B92-843F-3B74547B07B4}"/>
-              </a:ext>
-            </a:extLst>
-          </p:cNvPr>
-          <p:cNvCxnSpPr>
-            <a:cxnSpLocks/>
-            <a:stCxn id="11" idx="4"/>
-            <a:endCxn id="20" idx="0"/>
-          </p:cNvCxnSpPr>
-          <p:nvPr/>
-        </p:nvCxnSpPr>
-        <p:spPr>
-          <a:xfrm>
-            <a:off x="6095998" y="1724102"/>
-            <a:ext cx="0" cy="398588"/>
-          </a:xfrm>
-          <a:prstGeom prst="straightConnector1">
-            <a:avLst/>
-          </a:prstGeom>
-          <a:ln>
-            <a:tailEnd type="triangle"/>
-          </a:ln>
-        </p:spPr>
-        <p:style>
-          <a:lnRef idx="1">
-            <a:schemeClr val="accent1"/>
-          </a:lnRef>
-          <a:fillRef idx="0">
-            <a:schemeClr val="accent1"/>
-          </a:fillRef>
-          <a:effectRef idx="0">
-            <a:schemeClr val="accent1"/>
-          </a:effectRef>
-          <a:fontRef idx="minor">
-            <a:schemeClr val="tx1"/>
-          </a:fontRef>
-        </p:style>
-      </p:cxnSp>
-      <p:cxnSp>
-        <p:nvCxnSpPr>
-          <p:cNvPr id="15" name="Straight Arrow Connector 14">
-            <a:extLst>
-              <a:ext uri="{FF2B5EF4-FFF2-40B4-BE49-F238E27FC236}">
-                <a16:creationId xmlns:a16="http://schemas.microsoft.com/office/drawing/2014/main" id="{EA592100-E4B8-4A35-9A7A-960909C5DCA5}"/>
-              </a:ext>
-            </a:extLst>
-          </p:cNvPr>
-          <p:cNvCxnSpPr>
-            <a:cxnSpLocks/>
-            <a:stCxn id="11" idx="4"/>
-            <a:endCxn id="23" idx="0"/>
-          </p:cNvCxnSpPr>
-          <p:nvPr/>
-        </p:nvCxnSpPr>
-        <p:spPr>
-          <a:xfrm>
-            <a:off x="6095998" y="1724102"/>
-            <a:ext cx="2242456" cy="379215"/>
-          </a:xfrm>
-          <a:prstGeom prst="straightConnector1">
-            <a:avLst/>
-          </a:prstGeom>
-          <a:ln>
-            <a:tailEnd type="triangle"/>
-          </a:ln>
-        </p:spPr>
-        <p:style>
-          <a:lnRef idx="1">
-            <a:schemeClr val="accent1"/>
-          </a:lnRef>
-          <a:fillRef idx="0">
-            <a:schemeClr val="accent1"/>
-          </a:fillRef>
-          <a:effectRef idx="0">
-            <a:schemeClr val="accent1"/>
-          </a:effectRef>
-          <a:fontRef idx="minor">
-            <a:schemeClr val="tx1"/>
-          </a:fontRef>
-        </p:style>
-      </p:cxnSp>
-      <p:grpSp>
-        <p:nvGrpSpPr>
-          <p:cNvPr id="16" name="Group 15">
-            <a:extLst>
-              <a:ext uri="{FF2B5EF4-FFF2-40B4-BE49-F238E27FC236}">
-                <a16:creationId xmlns:a16="http://schemas.microsoft.com/office/drawing/2014/main" id="{A806E80D-D2E8-4FE0-9E7A-A3175D6D25DB}"/>
-              </a:ext>
-            </a:extLst>
-          </p:cNvPr>
-          <p:cNvGrpSpPr/>
-          <p:nvPr/>
-        </p:nvGrpSpPr>
-        <p:grpSpPr>
-          <a:xfrm>
-            <a:off x="3170056" y="2102903"/>
-            <a:ext cx="914400" cy="914400"/>
-            <a:chOff x="5638798" y="809702"/>
-            <a:chExt cx="914400" cy="914400"/>
-          </a:xfrm>
-        </p:grpSpPr>
-        <p:sp>
-          <p:nvSpPr>
-            <p:cNvPr id="17" name="Oval 16">
-              <a:extLst>
-                <a:ext uri="{FF2B5EF4-FFF2-40B4-BE49-F238E27FC236}">
-                  <a16:creationId xmlns:a16="http://schemas.microsoft.com/office/drawing/2014/main" id="{43ADC54C-E1F4-4352-8E9D-F11BE2B84BFC}"/>
-                </a:ext>
-              </a:extLst>
-            </p:cNvPr>
-            <p:cNvSpPr/>
-            <p:nvPr/>
-          </p:nvSpPr>
-          <p:spPr>
-            <a:xfrm>
-              <a:off x="5638798" y="809702"/>
-              <a:ext cx="914400" cy="914400"/>
-            </a:xfrm>
-            <a:prstGeom prst="ellipse">
-              <a:avLst/>
-            </a:prstGeom>
-            <a:solidFill>
-              <a:schemeClr val="accent2">
-                <a:lumMod val="20000"/>
-                <a:lumOff val="80000"/>
-              </a:schemeClr>
-            </a:solidFill>
-          </p:spPr>
-          <p:style>
-            <a:lnRef idx="2">
-              <a:schemeClr val="accent1">
-                <a:shade val="50000"/>
-              </a:schemeClr>
-            </a:lnRef>
-            <a:fillRef idx="1">
-              <a:schemeClr val="accent1"/>
-            </a:fillRef>
-            <a:effectRef idx="0">
-              <a:schemeClr val="accent1"/>
-            </a:effectRef>
-            <a:fontRef idx="minor">
-              <a:schemeClr val="lt1"/>
-            </a:fontRef>
-          </p:style>
-          <p:txBody>
-            <a:bodyPr rtlCol="0" anchor="ctr"/>
-            <a:lstStyle/>
-            <a:p>
-              <a:pPr algn="ctr"/>
-              <a:endParaRPr lang="en-UG"/>
-            </a:p>
-          </p:txBody>
-        </p:sp>
-        <p:sp>
-          <p:nvSpPr>
-            <p:cNvPr id="18" name="TextBox 17">
-              <a:extLst>
-                <a:ext uri="{FF2B5EF4-FFF2-40B4-BE49-F238E27FC236}">
-                  <a16:creationId xmlns:a16="http://schemas.microsoft.com/office/drawing/2014/main" id="{5AEE0A16-405F-4B38-86D0-8DAA50D9146C}"/>
-                </a:ext>
-              </a:extLst>
-            </p:cNvPr>
-            <p:cNvSpPr txBox="1"/>
-            <p:nvPr/>
-          </p:nvSpPr>
-          <p:spPr>
-            <a:xfrm>
-              <a:off x="5638798" y="989487"/>
-              <a:ext cx="914400" cy="646331"/>
-            </a:xfrm>
-            <a:prstGeom prst="rect">
-              <a:avLst/>
-            </a:prstGeom>
-            <a:noFill/>
-          </p:spPr>
-          <p:txBody>
-            <a:bodyPr wrap="square" rtlCol="0">
-              <a:spAutoFit/>
-            </a:bodyPr>
-            <a:lstStyle/>
-            <a:p>
-              <a:pPr algn="ctr"/>
-              <a:r>
-                <a:rPr lang="en-US" dirty="0">
-                  <a:latin typeface="Cambria Math" panose="02040503050406030204" pitchFamily="18" charset="0"/>
-                  <a:ea typeface="Cambria Math" panose="02040503050406030204" pitchFamily="18" charset="0"/>
-                </a:rPr>
-                <a:t>[0, 1]</a:t>
-              </a:r>
-            </a:p>
-            <a:p>
-              <a:pPr algn="ctr"/>
-              <a:r>
-                <a:rPr lang="en-US" dirty="0">
-                  <a:latin typeface="Cambria Math" panose="02040503050406030204" pitchFamily="18" charset="0"/>
-                  <a:ea typeface="Cambria Math" panose="02040503050406030204" pitchFamily="18" charset="0"/>
-                </a:rPr>
-                <a:t>12</a:t>
-              </a:r>
-            </a:p>
-          </p:txBody>
-        </p:sp>
-      </p:grpSp>
-      <p:grpSp>
-        <p:nvGrpSpPr>
-          <p:cNvPr id="19" name="Group 18">
-            <a:extLst>
-              <a:ext uri="{FF2B5EF4-FFF2-40B4-BE49-F238E27FC236}">
-                <a16:creationId xmlns:a16="http://schemas.microsoft.com/office/drawing/2014/main" id="{184E5371-748D-41E0-8377-DD55B431550C}"/>
-              </a:ext>
-            </a:extLst>
-          </p:cNvPr>
-          <p:cNvGrpSpPr/>
-          <p:nvPr/>
-        </p:nvGrpSpPr>
-        <p:grpSpPr>
-          <a:xfrm>
-            <a:off x="5638798" y="2122690"/>
-            <a:ext cx="914400" cy="914400"/>
-            <a:chOff x="5638798" y="809702"/>
-            <a:chExt cx="914400" cy="914400"/>
-          </a:xfrm>
-        </p:grpSpPr>
-        <p:sp>
-          <p:nvSpPr>
-            <p:cNvPr id="20" name="Oval 19">
-              <a:extLst>
-                <a:ext uri="{FF2B5EF4-FFF2-40B4-BE49-F238E27FC236}">
-                  <a16:creationId xmlns:a16="http://schemas.microsoft.com/office/drawing/2014/main" id="{6B4117CB-A067-49A8-AD2D-9D3AF2E848A2}"/>
-                </a:ext>
-              </a:extLst>
-            </p:cNvPr>
-            <p:cNvSpPr/>
-            <p:nvPr/>
-          </p:nvSpPr>
-          <p:spPr>
-            <a:xfrm>
-              <a:off x="5638798" y="809702"/>
-              <a:ext cx="914400" cy="914400"/>
-            </a:xfrm>
-            <a:prstGeom prst="ellipse">
-              <a:avLst/>
-            </a:prstGeom>
-            <a:solidFill>
-              <a:schemeClr val="accent2">
-                <a:lumMod val="20000"/>
-                <a:lumOff val="80000"/>
-              </a:schemeClr>
-            </a:solidFill>
-          </p:spPr>
-          <p:style>
-            <a:lnRef idx="2">
-              <a:schemeClr val="accent1">
-                <a:shade val="50000"/>
-              </a:schemeClr>
-            </a:lnRef>
-            <a:fillRef idx="1">
-              <a:schemeClr val="accent1"/>
-            </a:fillRef>
-            <a:effectRef idx="0">
-              <a:schemeClr val="accent1"/>
-            </a:effectRef>
-            <a:fontRef idx="minor">
-              <a:schemeClr val="lt1"/>
-            </a:fontRef>
-          </p:style>
-          <p:txBody>
-            <a:bodyPr rtlCol="0" anchor="ctr"/>
-            <a:lstStyle/>
-            <a:p>
-              <a:pPr algn="ctr"/>
-              <a:endParaRPr lang="en-UG"/>
-            </a:p>
-          </p:txBody>
-        </p:sp>
-        <p:sp>
-          <p:nvSpPr>
-            <p:cNvPr id="21" name="TextBox 20">
-              <a:extLst>
-                <a:ext uri="{FF2B5EF4-FFF2-40B4-BE49-F238E27FC236}">
-                  <a16:creationId xmlns:a16="http://schemas.microsoft.com/office/drawing/2014/main" id="{4C0782A1-2B21-4BC8-960C-1D078D60BC97}"/>
-                </a:ext>
-              </a:extLst>
-            </p:cNvPr>
-            <p:cNvSpPr txBox="1"/>
-            <p:nvPr/>
-          </p:nvSpPr>
-          <p:spPr>
-            <a:xfrm>
-              <a:off x="5638798" y="989487"/>
-              <a:ext cx="914400" cy="646331"/>
-            </a:xfrm>
-            <a:prstGeom prst="rect">
-              <a:avLst/>
-            </a:prstGeom>
-            <a:noFill/>
-          </p:spPr>
-          <p:txBody>
-            <a:bodyPr wrap="square" rtlCol="0">
-              <a:spAutoFit/>
-            </a:bodyPr>
-            <a:lstStyle/>
-            <a:p>
-              <a:pPr algn="ctr"/>
-              <a:r>
-                <a:rPr lang="en-US" dirty="0">
-                  <a:latin typeface="Cambria Math" panose="02040503050406030204" pitchFamily="18" charset="0"/>
-                  <a:ea typeface="Cambria Math" panose="02040503050406030204" pitchFamily="18" charset="0"/>
-                </a:rPr>
-                <a:t>[0, 2]</a:t>
-              </a:r>
-            </a:p>
-            <a:p>
-              <a:pPr algn="ctr"/>
-              <a:r>
-                <a:rPr lang="en-US" dirty="0">
-                  <a:latin typeface="Cambria Math" panose="02040503050406030204" pitchFamily="18" charset="0"/>
-                  <a:ea typeface="Cambria Math" panose="02040503050406030204" pitchFamily="18" charset="0"/>
-                </a:rPr>
-                <a:t>10</a:t>
-              </a:r>
-            </a:p>
-          </p:txBody>
-        </p:sp>
-      </p:grpSp>
-      <p:grpSp>
-        <p:nvGrpSpPr>
-          <p:cNvPr id="22" name="Group 21">
-            <a:extLst>
-              <a:ext uri="{FF2B5EF4-FFF2-40B4-BE49-F238E27FC236}">
-                <a16:creationId xmlns:a16="http://schemas.microsoft.com/office/drawing/2014/main" id="{F30249CC-A1B4-451A-9CD2-6F54C1D389E8}"/>
-              </a:ext>
-            </a:extLst>
-          </p:cNvPr>
-          <p:cNvGrpSpPr/>
-          <p:nvPr/>
-        </p:nvGrpSpPr>
-        <p:grpSpPr>
-          <a:xfrm>
-            <a:off x="7881254" y="2103317"/>
-            <a:ext cx="914400" cy="914400"/>
-            <a:chOff x="5638798" y="809702"/>
-            <a:chExt cx="914400" cy="914400"/>
-          </a:xfrm>
-        </p:grpSpPr>
-        <p:sp>
-          <p:nvSpPr>
-            <p:cNvPr id="23" name="Oval 22">
-              <a:extLst>
-                <a:ext uri="{FF2B5EF4-FFF2-40B4-BE49-F238E27FC236}">
-                  <a16:creationId xmlns:a16="http://schemas.microsoft.com/office/drawing/2014/main" id="{DCB8AE93-F578-4EF4-BDEE-E6DAFAB32CBA}"/>
-                </a:ext>
-              </a:extLst>
-            </p:cNvPr>
-            <p:cNvSpPr/>
-            <p:nvPr/>
-          </p:nvSpPr>
-          <p:spPr>
-            <a:xfrm>
-              <a:off x="5638798" y="809702"/>
-              <a:ext cx="914400" cy="914400"/>
-            </a:xfrm>
-            <a:prstGeom prst="ellipse">
-              <a:avLst/>
-            </a:prstGeom>
-            <a:solidFill>
-              <a:schemeClr val="accent2">
-                <a:lumMod val="20000"/>
-                <a:lumOff val="80000"/>
-              </a:schemeClr>
-            </a:solidFill>
-          </p:spPr>
-          <p:style>
-            <a:lnRef idx="2">
-              <a:schemeClr val="accent1">
-                <a:shade val="50000"/>
-              </a:schemeClr>
-            </a:lnRef>
-            <a:fillRef idx="1">
-              <a:schemeClr val="accent1"/>
-            </a:fillRef>
-            <a:effectRef idx="0">
-              <a:schemeClr val="accent1"/>
-            </a:effectRef>
-            <a:fontRef idx="minor">
-              <a:schemeClr val="lt1"/>
-            </a:fontRef>
-          </p:style>
-          <p:txBody>
-            <a:bodyPr rtlCol="0" anchor="ctr"/>
-            <a:lstStyle/>
-            <a:p>
-              <a:pPr algn="ctr"/>
-              <a:endParaRPr lang="en-UG"/>
-            </a:p>
-          </p:txBody>
-        </p:sp>
-        <p:sp>
-          <p:nvSpPr>
-            <p:cNvPr id="24" name="TextBox 23">
-              <a:extLst>
-                <a:ext uri="{FF2B5EF4-FFF2-40B4-BE49-F238E27FC236}">
-                  <a16:creationId xmlns:a16="http://schemas.microsoft.com/office/drawing/2014/main" id="{4D48DF26-93C3-4CBB-A7BE-1B5BF943EC6C}"/>
-                </a:ext>
-              </a:extLst>
-            </p:cNvPr>
-            <p:cNvSpPr txBox="1"/>
-            <p:nvPr/>
-          </p:nvSpPr>
-          <p:spPr>
-            <a:xfrm>
-              <a:off x="5638798" y="989487"/>
-              <a:ext cx="914400" cy="646331"/>
-            </a:xfrm>
-            <a:prstGeom prst="rect">
-              <a:avLst/>
-            </a:prstGeom>
-            <a:noFill/>
-          </p:spPr>
-          <p:txBody>
-            <a:bodyPr wrap="square" rtlCol="0">
-              <a:spAutoFit/>
-            </a:bodyPr>
-            <a:lstStyle/>
-            <a:p>
-              <a:pPr algn="ctr"/>
-              <a:r>
-                <a:rPr lang="en-US" dirty="0">
-                  <a:latin typeface="Cambria Math" panose="02040503050406030204" pitchFamily="18" charset="0"/>
-                  <a:ea typeface="Cambria Math" panose="02040503050406030204" pitchFamily="18" charset="0"/>
-                </a:rPr>
-                <a:t>[0, 3]</a:t>
-              </a:r>
-            </a:p>
-            <a:p>
-              <a:pPr algn="ctr"/>
-              <a:r>
-                <a:rPr lang="en-US" dirty="0">
-                  <a:latin typeface="Cambria Math" panose="02040503050406030204" pitchFamily="18" charset="0"/>
-                  <a:ea typeface="Cambria Math" panose="02040503050406030204" pitchFamily="18" charset="0"/>
-                </a:rPr>
-                <a:t>21</a:t>
-              </a:r>
-            </a:p>
-          </p:txBody>
-        </p:sp>
-      </p:grpSp>
-      <p:grpSp>
-        <p:nvGrpSpPr>
-          <p:cNvPr id="25" name="Group 24">
-            <a:extLst>
-              <a:ext uri="{FF2B5EF4-FFF2-40B4-BE49-F238E27FC236}">
-                <a16:creationId xmlns:a16="http://schemas.microsoft.com/office/drawing/2014/main" id="{0C609098-7FD1-4CDD-996A-42835DE3A224}"/>
-              </a:ext>
-            </a:extLst>
-          </p:cNvPr>
-          <p:cNvGrpSpPr/>
-          <p:nvPr/>
-        </p:nvGrpSpPr>
-        <p:grpSpPr>
-          <a:xfrm>
-            <a:off x="2354660" y="3380946"/>
-            <a:ext cx="1253721" cy="914400"/>
-            <a:chOff x="5484983" y="809702"/>
-            <a:chExt cx="1253721" cy="914400"/>
-          </a:xfrm>
-        </p:grpSpPr>
-        <p:sp>
-          <p:nvSpPr>
-            <p:cNvPr id="26" name="Oval 25">
-              <a:extLst>
-                <a:ext uri="{FF2B5EF4-FFF2-40B4-BE49-F238E27FC236}">
-                  <a16:creationId xmlns:a16="http://schemas.microsoft.com/office/drawing/2014/main" id="{0D4B0FCD-DB70-4116-8D67-13404E346F1F}"/>
-                </a:ext>
-              </a:extLst>
-            </p:cNvPr>
-            <p:cNvSpPr/>
-            <p:nvPr/>
-          </p:nvSpPr>
-          <p:spPr>
-            <a:xfrm>
-              <a:off x="5638798" y="809702"/>
-              <a:ext cx="914400" cy="914400"/>
-            </a:xfrm>
-            <a:prstGeom prst="ellipse">
-              <a:avLst/>
-            </a:prstGeom>
-            <a:solidFill>
-              <a:schemeClr val="accent2">
-                <a:lumMod val="20000"/>
-                <a:lumOff val="80000"/>
-              </a:schemeClr>
-            </a:solidFill>
-          </p:spPr>
-          <p:style>
-            <a:lnRef idx="2">
-              <a:schemeClr val="accent1">
-                <a:shade val="50000"/>
-              </a:schemeClr>
-            </a:lnRef>
-            <a:fillRef idx="1">
-              <a:schemeClr val="accent1"/>
-            </a:fillRef>
-            <a:effectRef idx="0">
-              <a:schemeClr val="accent1"/>
-            </a:effectRef>
-            <a:fontRef idx="minor">
-              <a:schemeClr val="lt1"/>
-            </a:fontRef>
-          </p:style>
-          <p:txBody>
-            <a:bodyPr rtlCol="0" anchor="ctr"/>
-            <a:lstStyle/>
-            <a:p>
-              <a:pPr algn="ctr"/>
-              <a:endParaRPr lang="en-UG"/>
-            </a:p>
-          </p:txBody>
-        </p:sp>
-        <p:sp>
-          <p:nvSpPr>
-            <p:cNvPr id="27" name="TextBox 26">
-              <a:extLst>
-                <a:ext uri="{FF2B5EF4-FFF2-40B4-BE49-F238E27FC236}">
-                  <a16:creationId xmlns:a16="http://schemas.microsoft.com/office/drawing/2014/main" id="{22B2705A-5B54-44D2-9D98-C025B0586ADD}"/>
-                </a:ext>
-              </a:extLst>
-            </p:cNvPr>
-            <p:cNvSpPr txBox="1"/>
-            <p:nvPr/>
-          </p:nvSpPr>
-          <p:spPr>
-            <a:xfrm>
-              <a:off x="5484983" y="989487"/>
-              <a:ext cx="1253721" cy="646331"/>
-            </a:xfrm>
-            <a:prstGeom prst="rect">
-              <a:avLst/>
-            </a:prstGeom>
-            <a:noFill/>
-          </p:spPr>
-          <p:txBody>
-            <a:bodyPr wrap="square" rtlCol="0">
-              <a:spAutoFit/>
-            </a:bodyPr>
-            <a:lstStyle/>
-            <a:p>
-              <a:pPr algn="ctr"/>
-              <a:r>
-                <a:rPr lang="en-US" dirty="0">
-                  <a:latin typeface="Cambria Math" panose="02040503050406030204" pitchFamily="18" charset="0"/>
-                  <a:ea typeface="Cambria Math" panose="02040503050406030204" pitchFamily="18" charset="0"/>
-                </a:rPr>
-                <a:t>[0,1,2,3]</a:t>
-              </a:r>
-            </a:p>
-            <a:p>
-              <a:pPr algn="ctr"/>
-              <a:r>
-                <a:rPr lang="en-US" dirty="0">
-                  <a:latin typeface="Cambria Math" panose="02040503050406030204" pitchFamily="18" charset="0"/>
-                  <a:ea typeface="Cambria Math" panose="02040503050406030204" pitchFamily="18" charset="0"/>
-                </a:rPr>
-                <a:t>25</a:t>
-              </a:r>
-            </a:p>
-          </p:txBody>
-        </p:sp>
-      </p:grpSp>
-      <p:grpSp>
-        <p:nvGrpSpPr>
-          <p:cNvPr id="28" name="Group 27">
-            <a:extLst>
-              <a:ext uri="{FF2B5EF4-FFF2-40B4-BE49-F238E27FC236}">
-                <a16:creationId xmlns:a16="http://schemas.microsoft.com/office/drawing/2014/main" id="{31E8603F-0B37-4C22-A8B2-C2CD9FF5AE7D}"/>
-              </a:ext>
-            </a:extLst>
-          </p:cNvPr>
-          <p:cNvGrpSpPr/>
-          <p:nvPr/>
-        </p:nvGrpSpPr>
-        <p:grpSpPr>
-          <a:xfrm>
-            <a:off x="3651072" y="3380946"/>
-            <a:ext cx="1054826" cy="914400"/>
-            <a:chOff x="5572754" y="809702"/>
-            <a:chExt cx="1054826" cy="914400"/>
-          </a:xfrm>
-        </p:grpSpPr>
-        <p:sp>
-          <p:nvSpPr>
-            <p:cNvPr id="29" name="Oval 28">
-              <a:extLst>
-                <a:ext uri="{FF2B5EF4-FFF2-40B4-BE49-F238E27FC236}">
-                  <a16:creationId xmlns:a16="http://schemas.microsoft.com/office/drawing/2014/main" id="{020915DB-E287-436F-9D7C-DCC8ED2EE3AB}"/>
-                </a:ext>
-              </a:extLst>
-            </p:cNvPr>
-            <p:cNvSpPr/>
-            <p:nvPr/>
-          </p:nvSpPr>
-          <p:spPr>
-            <a:xfrm>
-              <a:off x="5638798" y="809702"/>
-              <a:ext cx="914400" cy="914400"/>
-            </a:xfrm>
-            <a:prstGeom prst="ellipse">
-              <a:avLst/>
-            </a:prstGeom>
-            <a:solidFill>
-              <a:schemeClr val="accent2">
-                <a:lumMod val="20000"/>
-                <a:lumOff val="80000"/>
-              </a:schemeClr>
-            </a:solidFill>
-          </p:spPr>
-          <p:style>
-            <a:lnRef idx="2">
-              <a:schemeClr val="accent1">
-                <a:shade val="50000"/>
-              </a:schemeClr>
-            </a:lnRef>
-            <a:fillRef idx="1">
-              <a:schemeClr val="accent1"/>
-            </a:fillRef>
-            <a:effectRef idx="0">
-              <a:schemeClr val="accent1"/>
-            </a:effectRef>
-            <a:fontRef idx="minor">
-              <a:schemeClr val="lt1"/>
-            </a:fontRef>
-          </p:style>
-          <p:txBody>
-            <a:bodyPr rtlCol="0" anchor="ctr"/>
-            <a:lstStyle/>
-            <a:p>
-              <a:pPr algn="ctr"/>
-              <a:endParaRPr lang="en-UG"/>
-            </a:p>
-          </p:txBody>
-        </p:sp>
-        <p:sp>
-          <p:nvSpPr>
-            <p:cNvPr id="30" name="TextBox 29">
-              <a:extLst>
-                <a:ext uri="{FF2B5EF4-FFF2-40B4-BE49-F238E27FC236}">
-                  <a16:creationId xmlns:a16="http://schemas.microsoft.com/office/drawing/2014/main" id="{6FC47C71-4EB1-4FE2-A759-29B4CDA0D70D}"/>
-                </a:ext>
-              </a:extLst>
-            </p:cNvPr>
-            <p:cNvSpPr txBox="1"/>
-            <p:nvPr/>
-          </p:nvSpPr>
-          <p:spPr>
-            <a:xfrm>
-              <a:off x="5572754" y="989487"/>
-              <a:ext cx="1054826" cy="646331"/>
-            </a:xfrm>
-            <a:prstGeom prst="rect">
-              <a:avLst/>
-            </a:prstGeom>
-            <a:noFill/>
-          </p:spPr>
-          <p:txBody>
-            <a:bodyPr wrap="square" rtlCol="0">
-              <a:spAutoFit/>
-            </a:bodyPr>
-            <a:lstStyle/>
-            <a:p>
-              <a:pPr algn="ctr"/>
-              <a:r>
-                <a:rPr lang="en-US" dirty="0">
-                  <a:latin typeface="Cambria Math" panose="02040503050406030204" pitchFamily="18" charset="0"/>
-                  <a:ea typeface="Cambria Math" panose="02040503050406030204" pitchFamily="18" charset="0"/>
-                </a:rPr>
-                <a:t>[0,1,3,2]</a:t>
-              </a:r>
-            </a:p>
-            <a:p>
-              <a:pPr algn="ctr"/>
-              <a:r>
-                <a:rPr lang="en-US" dirty="0">
-                  <a:latin typeface="Cambria Math" panose="02040503050406030204" pitchFamily="18" charset="0"/>
-                  <a:ea typeface="Cambria Math" panose="02040503050406030204" pitchFamily="18" charset="0"/>
-                </a:rPr>
-                <a:t>10</a:t>
-              </a:r>
-            </a:p>
-          </p:txBody>
-        </p:sp>
-      </p:grpSp>
-      <p:grpSp>
-        <p:nvGrpSpPr>
-          <p:cNvPr id="31" name="Group 30">
-            <a:extLst>
-              <a:ext uri="{FF2B5EF4-FFF2-40B4-BE49-F238E27FC236}">
-                <a16:creationId xmlns:a16="http://schemas.microsoft.com/office/drawing/2014/main" id="{38C38545-FC13-4626-A7B0-A14FEEADF01A}"/>
-              </a:ext>
-            </a:extLst>
-          </p:cNvPr>
-          <p:cNvGrpSpPr/>
-          <p:nvPr/>
-        </p:nvGrpSpPr>
-        <p:grpSpPr>
-          <a:xfrm>
-            <a:off x="5032425" y="3380946"/>
-            <a:ext cx="1014591" cy="914400"/>
-            <a:chOff x="5570893" y="809702"/>
-            <a:chExt cx="1014591" cy="914400"/>
-          </a:xfrm>
-        </p:grpSpPr>
-        <p:sp>
-          <p:nvSpPr>
-            <p:cNvPr id="32" name="Oval 31">
-              <a:extLst>
-                <a:ext uri="{FF2B5EF4-FFF2-40B4-BE49-F238E27FC236}">
-                  <a16:creationId xmlns:a16="http://schemas.microsoft.com/office/drawing/2014/main" id="{70D12D3F-7F06-4CE1-B7E3-2E39EFE5C85D}"/>
-                </a:ext>
-              </a:extLst>
-            </p:cNvPr>
-            <p:cNvSpPr/>
-            <p:nvPr/>
-          </p:nvSpPr>
-          <p:spPr>
-            <a:xfrm>
-              <a:off x="5638798" y="809702"/>
-              <a:ext cx="914400" cy="914400"/>
-            </a:xfrm>
-            <a:prstGeom prst="ellipse">
-              <a:avLst/>
-            </a:prstGeom>
-            <a:solidFill>
-              <a:schemeClr val="accent2">
-                <a:lumMod val="20000"/>
-                <a:lumOff val="80000"/>
-              </a:schemeClr>
-            </a:solidFill>
-          </p:spPr>
-          <p:style>
-            <a:lnRef idx="2">
-              <a:schemeClr val="accent1">
-                <a:shade val="50000"/>
-              </a:schemeClr>
-            </a:lnRef>
-            <a:fillRef idx="1">
-              <a:schemeClr val="accent1"/>
-            </a:fillRef>
-            <a:effectRef idx="0">
-              <a:schemeClr val="accent1"/>
-            </a:effectRef>
-            <a:fontRef idx="minor">
-              <a:schemeClr val="lt1"/>
-            </a:fontRef>
-          </p:style>
-          <p:txBody>
-            <a:bodyPr rtlCol="0" anchor="ctr"/>
-            <a:lstStyle/>
-            <a:p>
-              <a:pPr algn="ctr"/>
-              <a:endParaRPr lang="en-UG"/>
-            </a:p>
-          </p:txBody>
-        </p:sp>
-        <p:sp>
-          <p:nvSpPr>
-            <p:cNvPr id="33" name="TextBox 32">
-              <a:extLst>
-                <a:ext uri="{FF2B5EF4-FFF2-40B4-BE49-F238E27FC236}">
-                  <a16:creationId xmlns:a16="http://schemas.microsoft.com/office/drawing/2014/main" id="{EFF83A72-6DB7-48CC-B32A-F3A16E48BA11}"/>
-                </a:ext>
-              </a:extLst>
-            </p:cNvPr>
-            <p:cNvSpPr txBox="1"/>
-            <p:nvPr/>
-          </p:nvSpPr>
-          <p:spPr>
-            <a:xfrm>
-              <a:off x="5570893" y="989487"/>
-              <a:ext cx="1014591" cy="646331"/>
-            </a:xfrm>
-            <a:prstGeom prst="rect">
-              <a:avLst/>
-            </a:prstGeom>
-            <a:noFill/>
-          </p:spPr>
-          <p:txBody>
-            <a:bodyPr wrap="square" rtlCol="0">
-              <a:spAutoFit/>
-            </a:bodyPr>
-            <a:lstStyle/>
-            <a:p>
-              <a:pPr algn="ctr"/>
-              <a:r>
-                <a:rPr lang="en-US" dirty="0">
-                  <a:latin typeface="Cambria Math" panose="02040503050406030204" pitchFamily="18" charset="0"/>
-                  <a:ea typeface="Cambria Math" panose="02040503050406030204" pitchFamily="18" charset="0"/>
-                </a:rPr>
-                <a:t>[0,2,1,3]</a:t>
-              </a:r>
-            </a:p>
-            <a:p>
-              <a:pPr algn="ctr"/>
-              <a:r>
-                <a:rPr lang="en-US" dirty="0">
-                  <a:latin typeface="Cambria Math" panose="02040503050406030204" pitchFamily="18" charset="0"/>
-                  <a:ea typeface="Cambria Math" panose="02040503050406030204" pitchFamily="18" charset="0"/>
-                </a:rPr>
-                <a:t>19</a:t>
-              </a:r>
-            </a:p>
-          </p:txBody>
-        </p:sp>
-      </p:grpSp>
-      <p:grpSp>
-        <p:nvGrpSpPr>
-          <p:cNvPr id="34" name="Group 33">
-            <a:extLst>
-              <a:ext uri="{FF2B5EF4-FFF2-40B4-BE49-F238E27FC236}">
-                <a16:creationId xmlns:a16="http://schemas.microsoft.com/office/drawing/2014/main" id="{6A1AA91C-FDA8-421D-BECB-3C339D9971A2}"/>
-              </a:ext>
-            </a:extLst>
-          </p:cNvPr>
-          <p:cNvGrpSpPr/>
-          <p:nvPr/>
-        </p:nvGrpSpPr>
-        <p:grpSpPr>
-          <a:xfrm>
-            <a:off x="6224339" y="3383077"/>
-            <a:ext cx="1021572" cy="914400"/>
-            <a:chOff x="5585212" y="809702"/>
-            <a:chExt cx="1021572" cy="914400"/>
-          </a:xfrm>
-        </p:grpSpPr>
-        <p:sp>
-          <p:nvSpPr>
-            <p:cNvPr id="35" name="Oval 34">
-              <a:extLst>
-                <a:ext uri="{FF2B5EF4-FFF2-40B4-BE49-F238E27FC236}">
-                  <a16:creationId xmlns:a16="http://schemas.microsoft.com/office/drawing/2014/main" id="{691D95BF-B216-4779-88F1-CBE03F5625E2}"/>
-                </a:ext>
-              </a:extLst>
-            </p:cNvPr>
-            <p:cNvSpPr/>
-            <p:nvPr/>
-          </p:nvSpPr>
-          <p:spPr>
-            <a:xfrm>
-              <a:off x="5638798" y="809702"/>
-              <a:ext cx="914400" cy="914400"/>
-            </a:xfrm>
-            <a:prstGeom prst="ellipse">
-              <a:avLst/>
-            </a:prstGeom>
-            <a:solidFill>
-              <a:schemeClr val="accent2">
-                <a:lumMod val="20000"/>
-                <a:lumOff val="80000"/>
-              </a:schemeClr>
-            </a:solidFill>
-          </p:spPr>
-          <p:style>
-            <a:lnRef idx="2">
-              <a:schemeClr val="accent1">
-                <a:shade val="50000"/>
-              </a:schemeClr>
-            </a:lnRef>
-            <a:fillRef idx="1">
-              <a:schemeClr val="accent1"/>
-            </a:fillRef>
-            <a:effectRef idx="0">
-              <a:schemeClr val="accent1"/>
-            </a:effectRef>
-            <a:fontRef idx="minor">
-              <a:schemeClr val="lt1"/>
-            </a:fontRef>
-          </p:style>
-          <p:txBody>
-            <a:bodyPr rtlCol="0" anchor="ctr"/>
-            <a:lstStyle/>
-            <a:p>
-              <a:pPr algn="ctr"/>
-              <a:endParaRPr lang="en-UG"/>
-            </a:p>
-          </p:txBody>
-        </p:sp>
-        <p:sp>
-          <p:nvSpPr>
-            <p:cNvPr id="36" name="TextBox 35">
-              <a:extLst>
-                <a:ext uri="{FF2B5EF4-FFF2-40B4-BE49-F238E27FC236}">
-                  <a16:creationId xmlns:a16="http://schemas.microsoft.com/office/drawing/2014/main" id="{597FB25E-A6DD-4743-AF33-EB14ECF83DD5}"/>
-                </a:ext>
-              </a:extLst>
-            </p:cNvPr>
-            <p:cNvSpPr txBox="1"/>
-            <p:nvPr/>
-          </p:nvSpPr>
-          <p:spPr>
-            <a:xfrm>
-              <a:off x="5585212" y="976626"/>
-              <a:ext cx="1021572" cy="646331"/>
-            </a:xfrm>
-            <a:prstGeom prst="rect">
-              <a:avLst/>
-            </a:prstGeom>
-            <a:noFill/>
-          </p:spPr>
-          <p:txBody>
-            <a:bodyPr wrap="square" rtlCol="0">
-              <a:spAutoFit/>
-            </a:bodyPr>
-            <a:lstStyle/>
-            <a:p>
-              <a:pPr algn="ctr"/>
-              <a:r>
-                <a:rPr lang="en-US" dirty="0">
-                  <a:latin typeface="Cambria Math" panose="02040503050406030204" pitchFamily="18" charset="0"/>
-                  <a:ea typeface="Cambria Math" panose="02040503050406030204" pitchFamily="18" charset="0"/>
-                </a:rPr>
-                <a:t>[0,2,3,1]</a:t>
-              </a:r>
-            </a:p>
-            <a:p>
-              <a:pPr algn="ctr"/>
-              <a:r>
-                <a:rPr lang="en-US" dirty="0">
-                  <a:latin typeface="Cambria Math" panose="02040503050406030204" pitchFamily="18" charset="0"/>
-                  <a:ea typeface="Cambria Math" panose="02040503050406030204" pitchFamily="18" charset="0"/>
-                </a:rPr>
-                <a:t>18</a:t>
-              </a:r>
-            </a:p>
-          </p:txBody>
-        </p:sp>
-      </p:grpSp>
-      <p:grpSp>
-        <p:nvGrpSpPr>
-          <p:cNvPr id="37" name="Group 36">
-            <a:extLst>
-              <a:ext uri="{FF2B5EF4-FFF2-40B4-BE49-F238E27FC236}">
-                <a16:creationId xmlns:a16="http://schemas.microsoft.com/office/drawing/2014/main" id="{64C7FC27-069D-4D70-A483-EA4D3DF29097}"/>
-              </a:ext>
-            </a:extLst>
-          </p:cNvPr>
-          <p:cNvGrpSpPr/>
-          <p:nvPr/>
-        </p:nvGrpSpPr>
-        <p:grpSpPr>
-          <a:xfrm>
-            <a:off x="8677798" y="3380946"/>
-            <a:ext cx="1097053" cy="914400"/>
-            <a:chOff x="5547471" y="809702"/>
-            <a:chExt cx="1097053" cy="914400"/>
-          </a:xfrm>
-        </p:grpSpPr>
-        <p:sp>
-          <p:nvSpPr>
-            <p:cNvPr id="38" name="Oval 37">
-              <a:extLst>
-                <a:ext uri="{FF2B5EF4-FFF2-40B4-BE49-F238E27FC236}">
-                  <a16:creationId xmlns:a16="http://schemas.microsoft.com/office/drawing/2014/main" id="{B58C7D4A-6390-430F-A7BA-BDA44FE9FDEC}"/>
-                </a:ext>
-              </a:extLst>
-            </p:cNvPr>
-            <p:cNvSpPr/>
-            <p:nvPr/>
-          </p:nvSpPr>
-          <p:spPr>
-            <a:xfrm>
-              <a:off x="5638798" y="809702"/>
-              <a:ext cx="914400" cy="914400"/>
-            </a:xfrm>
-            <a:prstGeom prst="ellipse">
-              <a:avLst/>
-            </a:prstGeom>
-            <a:solidFill>
-              <a:schemeClr val="accent2">
-                <a:lumMod val="20000"/>
-                <a:lumOff val="80000"/>
-              </a:schemeClr>
-            </a:solidFill>
-          </p:spPr>
-          <p:style>
-            <a:lnRef idx="2">
-              <a:schemeClr val="accent1">
-                <a:shade val="50000"/>
-              </a:schemeClr>
-            </a:lnRef>
-            <a:fillRef idx="1">
-              <a:schemeClr val="accent1"/>
-            </a:fillRef>
-            <a:effectRef idx="0">
-              <a:schemeClr val="accent1"/>
-            </a:effectRef>
-            <a:fontRef idx="minor">
-              <a:schemeClr val="lt1"/>
-            </a:fontRef>
-          </p:style>
-          <p:txBody>
-            <a:bodyPr rtlCol="0" anchor="ctr"/>
-            <a:lstStyle/>
-            <a:p>
-              <a:pPr algn="ctr"/>
-              <a:endParaRPr lang="en-UG"/>
-            </a:p>
-          </p:txBody>
-        </p:sp>
-        <p:sp>
-          <p:nvSpPr>
-            <p:cNvPr id="39" name="TextBox 38">
-              <a:extLst>
-                <a:ext uri="{FF2B5EF4-FFF2-40B4-BE49-F238E27FC236}">
-                  <a16:creationId xmlns:a16="http://schemas.microsoft.com/office/drawing/2014/main" id="{613E7AD1-B283-4530-B78B-F40C8ECBE72F}"/>
-                </a:ext>
-              </a:extLst>
-            </p:cNvPr>
-            <p:cNvSpPr txBox="1"/>
-            <p:nvPr/>
-          </p:nvSpPr>
-          <p:spPr>
-            <a:xfrm>
-              <a:off x="5547471" y="989486"/>
-              <a:ext cx="1097053" cy="646331"/>
-            </a:xfrm>
-            <a:prstGeom prst="rect">
-              <a:avLst/>
-            </a:prstGeom>
-            <a:noFill/>
-          </p:spPr>
-          <p:txBody>
-            <a:bodyPr wrap="square" rtlCol="0">
-              <a:spAutoFit/>
-            </a:bodyPr>
-            <a:lstStyle/>
-            <a:p>
-              <a:pPr algn="ctr"/>
-              <a:r>
-                <a:rPr lang="en-US" dirty="0">
-                  <a:latin typeface="Cambria Math" panose="02040503050406030204" pitchFamily="18" charset="0"/>
-                  <a:ea typeface="Cambria Math" panose="02040503050406030204" pitchFamily="18" charset="0"/>
-                </a:rPr>
-                <a:t>[0,3,2,1]</a:t>
-              </a:r>
-            </a:p>
-            <a:p>
-              <a:pPr algn="ctr"/>
-              <a:r>
-                <a:rPr lang="en-US" dirty="0">
-                  <a:latin typeface="Cambria Math" panose="02040503050406030204" pitchFamily="18" charset="0"/>
-                  <a:ea typeface="Cambria Math" panose="02040503050406030204" pitchFamily="18" charset="0"/>
-                </a:rPr>
-                <a:t>22</a:t>
-              </a:r>
-            </a:p>
-          </p:txBody>
-        </p:sp>
-      </p:grpSp>
-      <p:grpSp>
-        <p:nvGrpSpPr>
-          <p:cNvPr id="40" name="Group 39">
-            <a:extLst>
-              <a:ext uri="{FF2B5EF4-FFF2-40B4-BE49-F238E27FC236}">
-                <a16:creationId xmlns:a16="http://schemas.microsoft.com/office/drawing/2014/main" id="{C860D960-2C3C-4B74-951C-C913B4EFE7E5}"/>
-              </a:ext>
-            </a:extLst>
-          </p:cNvPr>
-          <p:cNvGrpSpPr/>
-          <p:nvPr/>
-        </p:nvGrpSpPr>
-        <p:grpSpPr>
-          <a:xfrm>
-            <a:off x="7509106" y="3370217"/>
-            <a:ext cx="1021572" cy="914400"/>
-            <a:chOff x="5585212" y="809702"/>
-            <a:chExt cx="1021572" cy="914400"/>
-          </a:xfrm>
-        </p:grpSpPr>
-        <p:sp>
-          <p:nvSpPr>
-            <p:cNvPr id="41" name="Oval 40">
-              <a:extLst>
-                <a:ext uri="{FF2B5EF4-FFF2-40B4-BE49-F238E27FC236}">
-                  <a16:creationId xmlns:a16="http://schemas.microsoft.com/office/drawing/2014/main" id="{4CDCFD96-3EA2-4597-863C-F228EB25E696}"/>
-                </a:ext>
-              </a:extLst>
-            </p:cNvPr>
-            <p:cNvSpPr/>
-            <p:nvPr/>
-          </p:nvSpPr>
-          <p:spPr>
-            <a:xfrm>
-              <a:off x="5638798" y="809702"/>
-              <a:ext cx="914400" cy="914400"/>
-            </a:xfrm>
-            <a:prstGeom prst="ellipse">
-              <a:avLst/>
-            </a:prstGeom>
-            <a:solidFill>
-              <a:schemeClr val="accent2">
-                <a:lumMod val="20000"/>
-                <a:lumOff val="80000"/>
-              </a:schemeClr>
-            </a:solidFill>
-          </p:spPr>
-          <p:style>
-            <a:lnRef idx="2">
-              <a:schemeClr val="accent1">
-                <a:shade val="50000"/>
-              </a:schemeClr>
-            </a:lnRef>
-            <a:fillRef idx="1">
-              <a:schemeClr val="accent1"/>
-            </a:fillRef>
-            <a:effectRef idx="0">
-              <a:schemeClr val="accent1"/>
-            </a:effectRef>
-            <a:fontRef idx="minor">
-              <a:schemeClr val="lt1"/>
-            </a:fontRef>
-          </p:style>
-          <p:txBody>
-            <a:bodyPr rtlCol="0" anchor="ctr"/>
-            <a:lstStyle/>
-            <a:p>
-              <a:pPr algn="ctr"/>
-              <a:endParaRPr lang="en-UG"/>
-            </a:p>
-          </p:txBody>
-        </p:sp>
-        <p:sp>
-          <p:nvSpPr>
-            <p:cNvPr id="42" name="TextBox 41">
-              <a:extLst>
-                <a:ext uri="{FF2B5EF4-FFF2-40B4-BE49-F238E27FC236}">
-                  <a16:creationId xmlns:a16="http://schemas.microsoft.com/office/drawing/2014/main" id="{98D2B632-E083-432E-AE02-F226EC6F9960}"/>
-                </a:ext>
-              </a:extLst>
-            </p:cNvPr>
-            <p:cNvSpPr txBox="1"/>
-            <p:nvPr/>
-          </p:nvSpPr>
-          <p:spPr>
-            <a:xfrm>
-              <a:off x="5585212" y="941786"/>
-              <a:ext cx="1021572" cy="646331"/>
-            </a:xfrm>
-            <a:prstGeom prst="rect">
-              <a:avLst/>
-            </a:prstGeom>
-            <a:noFill/>
-          </p:spPr>
-          <p:txBody>
-            <a:bodyPr wrap="square" rtlCol="0">
-              <a:spAutoFit/>
-            </a:bodyPr>
-            <a:lstStyle/>
-            <a:p>
-              <a:pPr algn="ctr"/>
-              <a:r>
-                <a:rPr lang="en-US" dirty="0">
-                  <a:latin typeface="Cambria Math" panose="02040503050406030204" pitchFamily="18" charset="0"/>
-                  <a:ea typeface="Cambria Math" panose="02040503050406030204" pitchFamily="18" charset="0"/>
-                </a:rPr>
-                <a:t>[0,3,1,2]</a:t>
-              </a:r>
-            </a:p>
-            <a:p>
-              <a:pPr algn="ctr"/>
-              <a:r>
-                <a:rPr lang="en-US" dirty="0">
-                  <a:latin typeface="Cambria Math" panose="02040503050406030204" pitchFamily="18" charset="0"/>
-                  <a:ea typeface="Cambria Math" panose="02040503050406030204" pitchFamily="18" charset="0"/>
-                </a:rPr>
-                <a:t>24</a:t>
-              </a:r>
-            </a:p>
-          </p:txBody>
-        </p:sp>
-      </p:grpSp>
-      <p:cxnSp>
-        <p:nvCxnSpPr>
-          <p:cNvPr id="43" name="Straight Arrow Connector 42">
-            <a:extLst>
-              <a:ext uri="{FF2B5EF4-FFF2-40B4-BE49-F238E27FC236}">
-                <a16:creationId xmlns:a16="http://schemas.microsoft.com/office/drawing/2014/main" id="{2616BAB7-FD3E-4C19-B222-EFED34D76388}"/>
-              </a:ext>
-            </a:extLst>
-          </p:cNvPr>
-          <p:cNvCxnSpPr>
-            <a:stCxn id="17" idx="4"/>
-            <a:endCxn id="26" idx="0"/>
-          </p:cNvCxnSpPr>
-          <p:nvPr/>
-        </p:nvCxnSpPr>
-        <p:spPr>
-          <a:xfrm flipH="1">
-            <a:off x="2965675" y="3017303"/>
-            <a:ext cx="661581" cy="363643"/>
-          </a:xfrm>
-          <a:prstGeom prst="straightConnector1">
-            <a:avLst/>
-          </a:prstGeom>
-          <a:ln>
-            <a:tailEnd type="triangle"/>
-          </a:ln>
-        </p:spPr>
-        <p:style>
-          <a:lnRef idx="1">
-            <a:schemeClr val="accent1"/>
-          </a:lnRef>
-          <a:fillRef idx="0">
-            <a:schemeClr val="accent1"/>
-          </a:fillRef>
-          <a:effectRef idx="0">
-            <a:schemeClr val="accent1"/>
-          </a:effectRef>
-          <a:fontRef idx="minor">
-            <a:schemeClr val="tx1"/>
-          </a:fontRef>
-        </p:style>
-      </p:cxnSp>
-      <p:cxnSp>
-        <p:nvCxnSpPr>
-          <p:cNvPr id="44" name="Straight Arrow Connector 43">
-            <a:extLst>
-              <a:ext uri="{FF2B5EF4-FFF2-40B4-BE49-F238E27FC236}">
-                <a16:creationId xmlns:a16="http://schemas.microsoft.com/office/drawing/2014/main" id="{E0AE534C-5E9D-4996-AF38-C5A52FEF1789}"/>
-              </a:ext>
-            </a:extLst>
-          </p:cNvPr>
-          <p:cNvCxnSpPr>
-            <a:stCxn id="17" idx="4"/>
-            <a:endCxn id="29" idx="0"/>
-          </p:cNvCxnSpPr>
-          <p:nvPr/>
-        </p:nvCxnSpPr>
-        <p:spPr>
-          <a:xfrm>
-            <a:off x="3627256" y="3017303"/>
-            <a:ext cx="547060" cy="363643"/>
-          </a:xfrm>
-          <a:prstGeom prst="straightConnector1">
-            <a:avLst/>
-          </a:prstGeom>
-          <a:ln>
-            <a:tailEnd type="triangle"/>
-          </a:ln>
-        </p:spPr>
-        <p:style>
-          <a:lnRef idx="1">
-            <a:schemeClr val="accent1"/>
-          </a:lnRef>
-          <a:fillRef idx="0">
-            <a:schemeClr val="accent1"/>
-          </a:fillRef>
-          <a:effectRef idx="0">
-            <a:schemeClr val="accent1"/>
-          </a:effectRef>
-          <a:fontRef idx="minor">
-            <a:schemeClr val="tx1"/>
-          </a:fontRef>
-        </p:style>
-      </p:cxnSp>
-      <p:cxnSp>
-        <p:nvCxnSpPr>
-          <p:cNvPr id="45" name="Straight Arrow Connector 44">
-            <a:extLst>
-              <a:ext uri="{FF2B5EF4-FFF2-40B4-BE49-F238E27FC236}">
-                <a16:creationId xmlns:a16="http://schemas.microsoft.com/office/drawing/2014/main" id="{8C95B5EF-5796-4D1F-93E7-93522D97E2D8}"/>
-              </a:ext>
-            </a:extLst>
-          </p:cNvPr>
-          <p:cNvCxnSpPr>
-            <a:stCxn id="20" idx="4"/>
-            <a:endCxn id="32" idx="0"/>
-          </p:cNvCxnSpPr>
-          <p:nvPr/>
-        </p:nvCxnSpPr>
-        <p:spPr>
-          <a:xfrm flipH="1">
-            <a:off x="5557530" y="3037090"/>
-            <a:ext cx="538468" cy="343856"/>
-          </a:xfrm>
-          <a:prstGeom prst="straightConnector1">
-            <a:avLst/>
-          </a:prstGeom>
-          <a:ln>
-            <a:tailEnd type="triangle"/>
-          </a:ln>
-        </p:spPr>
-        <p:style>
-          <a:lnRef idx="1">
-            <a:schemeClr val="accent1"/>
-          </a:lnRef>
-          <a:fillRef idx="0">
-            <a:schemeClr val="accent1"/>
-          </a:fillRef>
-          <a:effectRef idx="0">
-            <a:schemeClr val="accent1"/>
-          </a:effectRef>
-          <a:fontRef idx="minor">
-            <a:schemeClr val="tx1"/>
-          </a:fontRef>
-        </p:style>
-      </p:cxnSp>
-      <p:cxnSp>
-        <p:nvCxnSpPr>
-          <p:cNvPr id="46" name="Straight Arrow Connector 45">
-            <a:extLst>
-              <a:ext uri="{FF2B5EF4-FFF2-40B4-BE49-F238E27FC236}">
-                <a16:creationId xmlns:a16="http://schemas.microsoft.com/office/drawing/2014/main" id="{8FB368D2-8AF1-418F-B14E-56620BC4EA8C}"/>
-              </a:ext>
-            </a:extLst>
-          </p:cNvPr>
-          <p:cNvCxnSpPr>
-            <a:cxnSpLocks/>
-            <a:stCxn id="20" idx="4"/>
-            <a:endCxn id="35" idx="0"/>
-          </p:cNvCxnSpPr>
-          <p:nvPr/>
-        </p:nvCxnSpPr>
-        <p:spPr>
-          <a:xfrm>
-            <a:off x="6095998" y="3037090"/>
-            <a:ext cx="639127" cy="345987"/>
-          </a:xfrm>
-          <a:prstGeom prst="straightConnector1">
-            <a:avLst/>
-          </a:prstGeom>
-          <a:ln>
-            <a:tailEnd type="triangle"/>
-          </a:ln>
-        </p:spPr>
-        <p:style>
-          <a:lnRef idx="1">
-            <a:schemeClr val="accent1"/>
-          </a:lnRef>
-          <a:fillRef idx="0">
-            <a:schemeClr val="accent1"/>
-          </a:fillRef>
-          <a:effectRef idx="0">
-            <a:schemeClr val="accent1"/>
-          </a:effectRef>
-          <a:fontRef idx="minor">
-            <a:schemeClr val="tx1"/>
-          </a:fontRef>
-        </p:style>
-      </p:cxnSp>
-      <p:cxnSp>
-        <p:nvCxnSpPr>
-          <p:cNvPr id="47" name="Straight Arrow Connector 46">
-            <a:extLst>
-              <a:ext uri="{FF2B5EF4-FFF2-40B4-BE49-F238E27FC236}">
-                <a16:creationId xmlns:a16="http://schemas.microsoft.com/office/drawing/2014/main" id="{8BF4DAB1-1C75-41DB-9082-894199CB9D1E}"/>
-              </a:ext>
-            </a:extLst>
-          </p:cNvPr>
-          <p:cNvCxnSpPr>
-            <a:stCxn id="23" idx="4"/>
-            <a:endCxn id="41" idx="0"/>
-          </p:cNvCxnSpPr>
-          <p:nvPr/>
-        </p:nvCxnSpPr>
-        <p:spPr>
-          <a:xfrm flipH="1">
-            <a:off x="8019892" y="3017717"/>
-            <a:ext cx="318562" cy="352500"/>
-          </a:xfrm>
-          <a:prstGeom prst="straightConnector1">
-            <a:avLst/>
-          </a:prstGeom>
-          <a:ln>
-            <a:tailEnd type="triangle"/>
-          </a:ln>
-        </p:spPr>
-        <p:style>
-          <a:lnRef idx="1">
-            <a:schemeClr val="accent1"/>
-          </a:lnRef>
-          <a:fillRef idx="0">
-            <a:schemeClr val="accent1"/>
-          </a:fillRef>
-          <a:effectRef idx="0">
-            <a:schemeClr val="accent1"/>
-          </a:effectRef>
-          <a:fontRef idx="minor">
-            <a:schemeClr val="tx1"/>
-          </a:fontRef>
-        </p:style>
-      </p:cxnSp>
-      <p:cxnSp>
-        <p:nvCxnSpPr>
-          <p:cNvPr id="48" name="Straight Arrow Connector 47">
-            <a:extLst>
-              <a:ext uri="{FF2B5EF4-FFF2-40B4-BE49-F238E27FC236}">
-                <a16:creationId xmlns:a16="http://schemas.microsoft.com/office/drawing/2014/main" id="{8C86C5F8-C577-4CA2-A09B-902C8907B416}"/>
-              </a:ext>
-            </a:extLst>
-          </p:cNvPr>
-          <p:cNvCxnSpPr>
-            <a:cxnSpLocks/>
-            <a:stCxn id="23" idx="4"/>
-            <a:endCxn id="38" idx="0"/>
-          </p:cNvCxnSpPr>
-          <p:nvPr/>
-        </p:nvCxnSpPr>
-        <p:spPr>
-          <a:xfrm>
-            <a:off x="8338454" y="3017717"/>
-            <a:ext cx="887871" cy="363229"/>
-          </a:xfrm>
-          <a:prstGeom prst="straightConnector1">
-            <a:avLst/>
-          </a:prstGeom>
-          <a:ln>
-            <a:tailEnd type="triangle"/>
-          </a:ln>
-        </p:spPr>
-        <p:style>
-          <a:lnRef idx="1">
-            <a:schemeClr val="accent1"/>
-          </a:lnRef>
-          <a:fillRef idx="0">
-            <a:schemeClr val="accent1"/>
-          </a:fillRef>
-          <a:effectRef idx="0">
-            <a:schemeClr val="accent1"/>
-          </a:effectRef>
-          <a:fontRef idx="minor">
-            <a:schemeClr val="tx1"/>
-          </a:fontRef>
-        </p:style>
-      </p:cxnSp>
-      <p:grpSp>
-        <p:nvGrpSpPr>
-          <p:cNvPr id="49" name="Group 48">
-            <a:extLst>
-              <a:ext uri="{FF2B5EF4-FFF2-40B4-BE49-F238E27FC236}">
-                <a16:creationId xmlns:a16="http://schemas.microsoft.com/office/drawing/2014/main" id="{5FD285A2-3429-4DDE-94E0-B782CD88E047}"/>
-              </a:ext>
-            </a:extLst>
-          </p:cNvPr>
-          <p:cNvGrpSpPr/>
-          <p:nvPr/>
-        </p:nvGrpSpPr>
-        <p:grpSpPr>
-          <a:xfrm>
-            <a:off x="4585792" y="4494918"/>
-            <a:ext cx="2481943" cy="1993102"/>
-            <a:chOff x="2286000" y="4353501"/>
-            <a:chExt cx="2481943" cy="1993102"/>
-          </a:xfrm>
-        </p:grpSpPr>
-        <mc:AlternateContent xmlns:mc="http://schemas.openxmlformats.org/markup-compatibility/2006" xmlns:a14="http://schemas.microsoft.com/office/drawing/2010/main">
-          <mc:Choice Requires="a14">
-            <p:sp>
-              <p:nvSpPr>
-                <p:cNvPr id="50" name="Rectangle 49">
-                  <a:extLst>
-                    <a:ext uri="{FF2B5EF4-FFF2-40B4-BE49-F238E27FC236}">
-                      <a16:creationId xmlns:a16="http://schemas.microsoft.com/office/drawing/2014/main" id="{91F0BCDE-57AF-491C-96C9-8376529A9FB8}"/>
-                    </a:ext>
-                  </a:extLst>
-                </p:cNvPr>
-                <p:cNvSpPr/>
-                <p:nvPr/>
-              </p:nvSpPr>
-              <p:spPr>
-                <a:xfrm>
-                  <a:off x="2826679" y="4776943"/>
-                  <a:ext cx="1648785" cy="1452962"/>
-                </a:xfrm>
-                <a:prstGeom prst="rect">
-                  <a:avLst/>
-                </a:prstGeom>
-              </p:spPr>
-              <p:txBody>
-                <a:bodyPr wrap="square">
-                  <a:spAutoFit/>
-                </a:bodyPr>
-                <a:lstStyle/>
-                <a:p>
-                  <a:pPr/>
-                  <a14:m>
-                    <m:oMathPara xmlns:m="http://schemas.openxmlformats.org/officeDocument/2006/math">
-                      <m:oMathParaPr>
-                        <m:jc m:val="centerGroup"/>
-                      </m:oMathParaPr>
-                      <m:oMath xmlns:m="http://schemas.openxmlformats.org/officeDocument/2006/math">
-                        <m:d>
-                          <m:dPr>
-                            <m:begChr m:val="["/>
-                            <m:endChr m:val="]"/>
-                            <m:ctrlPr>
-                              <a:rPr lang="en-US" sz="2400" i="1" smtClean="0">
-                                <a:latin typeface="Cambria Math" panose="02040503050406030204" pitchFamily="18" charset="0"/>
-                              </a:rPr>
-                            </m:ctrlPr>
-                          </m:dPr>
-                          <m:e>
-                            <m:m>
-                              <m:mPr>
-                                <m:mcs>
-                                  <m:mc>
-                                    <m:mcPr>
-                                      <m:count m:val="4"/>
-                                      <m:mcJc m:val="center"/>
-                                    </m:mcPr>
-                                  </m:mc>
-                                </m:mcs>
-                                <m:ctrlPr>
-                                  <a:rPr lang="en-US" sz="2400" i="1" smtClean="0">
-                                    <a:latin typeface="Cambria Math" panose="02040503050406030204" pitchFamily="18" charset="0"/>
-                                  </a:rPr>
-                                </m:ctrlPr>
-                              </m:mPr>
-                              <m:mr>
-                                <m:e>
-                                  <m:r>
-                                    <m:rPr>
-                                      <m:brk m:alnAt="7"/>
-                                    </m:rPr>
-                                    <a:rPr lang="en-US" sz="2400" i="1">
-                                      <a:latin typeface="Cambria Math" panose="02040503050406030204" pitchFamily="18" charset="0"/>
-                                    </a:rPr>
-                                    <m:t>0</m:t>
-                                  </m:r>
-                                </m:e>
-                                <m:e>
-                                  <m:r>
-                                    <a:rPr lang="en-US" sz="2400" b="0" i="1" smtClean="0">
-                                      <a:latin typeface="Cambria Math" panose="02040503050406030204" pitchFamily="18" charset="0"/>
-                                    </a:rPr>
-                                    <m:t>2</m:t>
-                                  </m:r>
-                                </m:e>
-                                <m:e>
-                                  <m:r>
-                                    <a:rPr lang="en-US" sz="2400" b="0" i="1" smtClean="0">
-                                      <a:latin typeface="Cambria Math" panose="02040503050406030204" pitchFamily="18" charset="0"/>
-                                    </a:rPr>
-                                    <m:t>4</m:t>
-                                  </m:r>
-                                </m:e>
-                                <m:e>
-                                  <m:r>
-                                    <a:rPr lang="en-US" sz="2400" b="0" i="1" smtClean="0">
-                                      <a:latin typeface="Cambria Math" panose="02040503050406030204" pitchFamily="18" charset="0"/>
-                                    </a:rPr>
-                                    <m:t>5</m:t>
-                                  </m:r>
-                                </m:e>
-                              </m:mr>
-                              <m:mr>
-                                <m:e>
-                                  <m:r>
-                                    <a:rPr lang="en-US" sz="2400" b="0" i="1" smtClean="0">
-                                      <a:latin typeface="Cambria Math" panose="02040503050406030204" pitchFamily="18" charset="0"/>
-                                    </a:rPr>
-                                    <m:t>1</m:t>
-                                  </m:r>
-                                </m:e>
-                                <m:e>
-                                  <m:r>
-                                    <a:rPr lang="en-US" sz="2400" i="1">
-                                      <a:latin typeface="Cambria Math" panose="02040503050406030204" pitchFamily="18" charset="0"/>
-                                    </a:rPr>
-                                    <m:t>0</m:t>
-                                  </m:r>
-                                </m:e>
-                                <m:e>
-                                  <m:r>
-                                    <a:rPr lang="en-US" sz="2400" b="0" i="1" smtClean="0">
-                                      <a:latin typeface="Cambria Math" panose="02040503050406030204" pitchFamily="18" charset="0"/>
-                                    </a:rPr>
-                                    <m:t>3</m:t>
-                                  </m:r>
-                                </m:e>
-                                <m:e>
-                                  <m:r>
-                                    <a:rPr lang="en-US" sz="2400" i="1">
-                                      <a:latin typeface="Cambria Math" panose="02040503050406030204" pitchFamily="18" charset="0"/>
-                                    </a:rPr>
-                                    <m:t>6</m:t>
-                                  </m:r>
-                                </m:e>
-                              </m:mr>
-                              <m:mr>
-                                <m:e>
-                                  <m:r>
-                                    <a:rPr lang="en-US" sz="2400" b="0" i="1" smtClean="0">
-                                      <a:latin typeface="Cambria Math" panose="02040503050406030204" pitchFamily="18" charset="0"/>
-                                    </a:rPr>
-                                    <m:t>8</m:t>
-                                  </m:r>
-                                </m:e>
-                                <m:e>
-                                  <m:r>
-                                    <a:rPr lang="en-US" sz="2400" b="0" i="1" smtClean="0">
-                                      <a:latin typeface="Cambria Math" panose="02040503050406030204" pitchFamily="18" charset="0"/>
-                                    </a:rPr>
-                                    <m:t>7</m:t>
-                                  </m:r>
-                                </m:e>
-                                <m:e>
-                                  <m:r>
-                                    <a:rPr lang="en-US" sz="2400" i="1">
-                                      <a:latin typeface="Cambria Math" panose="02040503050406030204" pitchFamily="18" charset="0"/>
-                                    </a:rPr>
-                                    <m:t>0</m:t>
-                                  </m:r>
-                                </m:e>
-                                <m:e>
-                                  <m:r>
-                                    <a:rPr lang="en-US" sz="2400" i="1">
-                                      <a:latin typeface="Cambria Math" panose="02040503050406030204" pitchFamily="18" charset="0"/>
-                                    </a:rPr>
-                                    <m:t>5</m:t>
-                                  </m:r>
-                                </m:e>
-                              </m:mr>
-                              <m:mr>
-                                <m:e>
-                                  <m:r>
-                                    <a:rPr lang="en-US" sz="2400" i="1">
-                                      <a:latin typeface="Cambria Math" panose="02040503050406030204" pitchFamily="18" charset="0"/>
-                                    </a:rPr>
-                                    <m:t>2</m:t>
-                                  </m:r>
-                                </m:e>
-                                <m:e>
-                                  <m:r>
-                                    <a:rPr lang="en-US" sz="2400" b="0" i="1" smtClean="0">
-                                      <a:latin typeface="Cambria Math" panose="02040503050406030204" pitchFamily="18" charset="0"/>
-                                    </a:rPr>
-                                    <m:t>8</m:t>
-                                  </m:r>
-                                </m:e>
-                                <m:e>
-                                  <m:r>
-                                    <a:rPr lang="en-US" sz="2400" b="0" i="1" smtClean="0">
-                                      <a:latin typeface="Cambria Math" panose="02040503050406030204" pitchFamily="18" charset="0"/>
-                                    </a:rPr>
-                                    <m:t>9</m:t>
-                                  </m:r>
-                                </m:e>
-                                <m:e>
-                                  <m:r>
-                                    <a:rPr lang="en-US" sz="2400" i="1">
-                                      <a:latin typeface="Cambria Math" panose="02040503050406030204" pitchFamily="18" charset="0"/>
-                                    </a:rPr>
-                                    <m:t>0</m:t>
-                                  </m:r>
-                                </m:e>
-                              </m:mr>
-                            </m:m>
-                          </m:e>
-                        </m:d>
-                      </m:oMath>
-                    </m:oMathPara>
-                  </a14:m>
-                  <a:endParaRPr lang="en-UG" dirty="0"/>
-                </a:p>
-              </p:txBody>
-            </p:sp>
-          </mc:Choice>
-          <mc:Fallback xmlns="">
-            <p:sp>
-              <p:nvSpPr>
-                <p:cNvPr id="46" name="Rectangle 45">
-                  <a:extLst>
-                    <a:ext uri="{FF2B5EF4-FFF2-40B4-BE49-F238E27FC236}">
-                      <a16:creationId xmlns:a16="http://schemas.microsoft.com/office/drawing/2014/main" id="{5D684325-B5E5-4225-9C51-65C12C643397}"/>
-                    </a:ext>
-                  </a:extLst>
-                </p:cNvPr>
-                <p:cNvSpPr>
-                  <a:spLocks noRot="1" noChangeAspect="1" noMove="1" noResize="1" noEditPoints="1" noAdjustHandles="1" noChangeArrowheads="1" noChangeShapeType="1" noTextEdit="1"/>
-                </p:cNvSpPr>
-                <p:nvPr/>
-              </p:nvSpPr>
-              <p:spPr>
-                <a:xfrm>
-                  <a:off x="2826679" y="4776943"/>
-                  <a:ext cx="1648785" cy="1452962"/>
-                </a:xfrm>
-                <a:prstGeom prst="rect">
-                  <a:avLst/>
-                </a:prstGeom>
-                <a:blipFill>
-                  <a:blip r:embed="rId2"/>
-                  <a:stretch>
-                    <a:fillRect r="-15926"/>
-                  </a:stretch>
-                </a:blipFill>
-              </p:spPr>
-              <p:txBody>
-                <a:bodyPr/>
-                <a:lstStyle/>
-                <a:p>
-                  <a:r>
-                    <a:rPr lang="en-UG">
-                      <a:noFill/>
-                    </a:rPr>
-                    <a:t> </a:t>
-                  </a:r>
-                </a:p>
-              </p:txBody>
-            </p:sp>
-          </mc:Fallback>
-        </mc:AlternateContent>
-        <p:sp>
-          <p:nvSpPr>
-            <p:cNvPr id="51" name="TextBox 50">
-              <a:extLst>
-                <a:ext uri="{FF2B5EF4-FFF2-40B4-BE49-F238E27FC236}">
-                  <a16:creationId xmlns:a16="http://schemas.microsoft.com/office/drawing/2014/main" id="{FDB501F6-81AB-49E9-B7E8-D0C99648A4BB}"/>
-                </a:ext>
-              </a:extLst>
-            </p:cNvPr>
-            <p:cNvSpPr txBox="1"/>
-            <p:nvPr/>
-          </p:nvSpPr>
-          <p:spPr>
-            <a:xfrm>
-              <a:off x="2939143" y="4353501"/>
-              <a:ext cx="1828800" cy="461665"/>
-            </a:xfrm>
-            <a:prstGeom prst="rect">
-              <a:avLst/>
-            </a:prstGeom>
-            <a:noFill/>
-          </p:spPr>
-          <p:txBody>
-            <a:bodyPr wrap="square" rtlCol="0">
-              <a:spAutoFit/>
-            </a:bodyPr>
-            <a:lstStyle/>
-            <a:p>
-              <a:r>
-                <a:rPr lang="en-US" sz="2400" dirty="0">
-                  <a:latin typeface="Cambria Math" panose="02040503050406030204" pitchFamily="18" charset="0"/>
-                  <a:ea typeface="Cambria Math" panose="02040503050406030204" pitchFamily="18" charset="0"/>
-                </a:rPr>
-                <a:t>v</a:t>
-              </a:r>
-              <a:r>
-                <a:rPr lang="en-US" sz="2400" baseline="-25000" dirty="0">
-                  <a:latin typeface="Cambria Math" panose="02040503050406030204" pitchFamily="18" charset="0"/>
-                  <a:ea typeface="Cambria Math" panose="02040503050406030204" pitchFamily="18" charset="0"/>
-                </a:rPr>
-                <a:t>0 </a:t>
-              </a:r>
-              <a:r>
-                <a:rPr lang="en-US" sz="2400" dirty="0">
-                  <a:latin typeface="Cambria Math" panose="02040503050406030204" pitchFamily="18" charset="0"/>
-                  <a:ea typeface="Cambria Math" panose="02040503050406030204" pitchFamily="18" charset="0"/>
-                </a:rPr>
-                <a:t>  v</a:t>
-              </a:r>
-              <a:r>
-                <a:rPr lang="en-US" sz="2400" baseline="-25000" dirty="0">
-                  <a:latin typeface="Cambria Math" panose="02040503050406030204" pitchFamily="18" charset="0"/>
-                  <a:ea typeface="Cambria Math" panose="02040503050406030204" pitchFamily="18" charset="0"/>
-                </a:rPr>
-                <a:t>1     </a:t>
-              </a:r>
-              <a:r>
-                <a:rPr lang="en-US" sz="2400" dirty="0">
-                  <a:latin typeface="Cambria Math" panose="02040503050406030204" pitchFamily="18" charset="0"/>
-                  <a:ea typeface="Cambria Math" panose="02040503050406030204" pitchFamily="18" charset="0"/>
-                </a:rPr>
-                <a:t>v</a:t>
-              </a:r>
-              <a:r>
-                <a:rPr lang="en-US" sz="2400" baseline="-25000" dirty="0">
-                  <a:latin typeface="Cambria Math" panose="02040503050406030204" pitchFamily="18" charset="0"/>
-                  <a:ea typeface="Cambria Math" panose="02040503050406030204" pitchFamily="18" charset="0"/>
-                </a:rPr>
-                <a:t>2    </a:t>
-              </a:r>
-              <a:r>
-                <a:rPr lang="en-US" sz="2400" dirty="0">
-                  <a:latin typeface="Cambria Math" panose="02040503050406030204" pitchFamily="18" charset="0"/>
-                  <a:ea typeface="Cambria Math" panose="02040503050406030204" pitchFamily="18" charset="0"/>
-                </a:rPr>
-                <a:t>v</a:t>
-              </a:r>
-              <a:r>
-                <a:rPr lang="en-US" sz="2400" baseline="-25000" dirty="0">
-                  <a:latin typeface="Cambria Math" panose="02040503050406030204" pitchFamily="18" charset="0"/>
-                  <a:ea typeface="Cambria Math" panose="02040503050406030204" pitchFamily="18" charset="0"/>
-                </a:rPr>
-                <a:t>3</a:t>
-              </a:r>
-              <a:endParaRPr lang="en-UG" sz="2400" baseline="-25000" dirty="0">
-                <a:latin typeface="Cambria Math" panose="02040503050406030204" pitchFamily="18" charset="0"/>
-                <a:ea typeface="Cambria Math" panose="02040503050406030204" pitchFamily="18" charset="0"/>
-              </a:endParaRPr>
-            </a:p>
-          </p:txBody>
-        </p:sp>
-        <p:sp>
-          <p:nvSpPr>
-            <p:cNvPr id="52" name="TextBox 51">
-              <a:extLst>
-                <a:ext uri="{FF2B5EF4-FFF2-40B4-BE49-F238E27FC236}">
-                  <a16:creationId xmlns:a16="http://schemas.microsoft.com/office/drawing/2014/main" id="{D797C440-595D-4834-950E-195141BA08CF}"/>
-                </a:ext>
-              </a:extLst>
-            </p:cNvPr>
-            <p:cNvSpPr txBox="1"/>
-            <p:nvPr/>
-          </p:nvSpPr>
-          <p:spPr>
-            <a:xfrm>
-              <a:off x="2286000" y="4776943"/>
-              <a:ext cx="540679" cy="1569660"/>
-            </a:xfrm>
-            <a:prstGeom prst="rect">
-              <a:avLst/>
-            </a:prstGeom>
-            <a:noFill/>
-          </p:spPr>
-          <p:txBody>
-            <a:bodyPr wrap="square" rtlCol="0">
-              <a:spAutoFit/>
-            </a:bodyPr>
-            <a:lstStyle/>
-            <a:p>
-              <a:r>
-                <a:rPr lang="en-US" sz="2400" dirty="0">
-                  <a:latin typeface="Cambria Math" panose="02040503050406030204" pitchFamily="18" charset="0"/>
-                  <a:ea typeface="Cambria Math" panose="02040503050406030204" pitchFamily="18" charset="0"/>
-                </a:rPr>
-                <a:t>v</a:t>
-              </a:r>
-              <a:r>
-                <a:rPr lang="en-US" sz="2400" baseline="-25000" dirty="0">
-                  <a:latin typeface="Cambria Math" panose="02040503050406030204" pitchFamily="18" charset="0"/>
-                  <a:ea typeface="Cambria Math" panose="02040503050406030204" pitchFamily="18" charset="0"/>
-                </a:rPr>
-                <a:t>0 </a:t>
-              </a:r>
-              <a:r>
-                <a:rPr lang="en-US" sz="2400" dirty="0">
-                  <a:latin typeface="Cambria Math" panose="02040503050406030204" pitchFamily="18" charset="0"/>
-                  <a:ea typeface="Cambria Math" panose="02040503050406030204" pitchFamily="18" charset="0"/>
-                </a:rPr>
-                <a:t>  v</a:t>
-              </a:r>
-              <a:r>
-                <a:rPr lang="en-US" sz="2400" baseline="-25000" dirty="0">
-                  <a:latin typeface="Cambria Math" panose="02040503050406030204" pitchFamily="18" charset="0"/>
-                  <a:ea typeface="Cambria Math" panose="02040503050406030204" pitchFamily="18" charset="0"/>
-                </a:rPr>
-                <a:t>1</a:t>
-              </a:r>
-              <a:r>
-                <a:rPr lang="en-US" sz="2400" dirty="0">
-                  <a:latin typeface="Cambria Math" panose="02040503050406030204" pitchFamily="18" charset="0"/>
-                  <a:ea typeface="Cambria Math" panose="02040503050406030204" pitchFamily="18" charset="0"/>
-                </a:rPr>
-                <a:t>v</a:t>
-              </a:r>
-              <a:r>
-                <a:rPr lang="en-US" sz="2400" baseline="-25000" dirty="0">
-                  <a:latin typeface="Cambria Math" panose="02040503050406030204" pitchFamily="18" charset="0"/>
-                  <a:ea typeface="Cambria Math" panose="02040503050406030204" pitchFamily="18" charset="0"/>
-                </a:rPr>
-                <a:t>2</a:t>
-              </a:r>
-              <a:r>
-                <a:rPr lang="en-US" sz="2400" dirty="0">
-                  <a:latin typeface="Cambria Math" panose="02040503050406030204" pitchFamily="18" charset="0"/>
-                  <a:ea typeface="Cambria Math" panose="02040503050406030204" pitchFamily="18" charset="0"/>
-                </a:rPr>
-                <a:t>v</a:t>
-              </a:r>
-              <a:r>
-                <a:rPr lang="en-US" sz="2400" baseline="-25000" dirty="0">
-                  <a:latin typeface="Cambria Math" panose="02040503050406030204" pitchFamily="18" charset="0"/>
-                  <a:ea typeface="Cambria Math" panose="02040503050406030204" pitchFamily="18" charset="0"/>
-                </a:rPr>
-                <a:t>3</a:t>
-              </a:r>
-              <a:endParaRPr lang="en-UG" sz="2400" baseline="-25000" dirty="0">
-                <a:latin typeface="Cambria Math" panose="02040503050406030204" pitchFamily="18" charset="0"/>
-                <a:ea typeface="Cambria Math" panose="02040503050406030204" pitchFamily="18" charset="0"/>
-              </a:endParaRPr>
-            </a:p>
-          </p:txBody>
-        </p:sp>
-      </p:grpSp>
-      <p:sp>
-        <p:nvSpPr>
-          <p:cNvPr id="53" name="TextBox 52">
-            <a:extLst>
-              <a:ext uri="{FF2B5EF4-FFF2-40B4-BE49-F238E27FC236}">
-                <a16:creationId xmlns:a16="http://schemas.microsoft.com/office/drawing/2014/main" id="{4650F7B6-5362-4A7E-A50B-6A7E2327870A}"/>
-              </a:ext>
-            </a:extLst>
-          </p:cNvPr>
-          <p:cNvSpPr txBox="1"/>
-          <p:nvPr/>
-        </p:nvSpPr>
-        <p:spPr>
-          <a:xfrm>
-            <a:off x="7543800" y="5472357"/>
-            <a:ext cx="2242456" cy="461665"/>
-          </a:xfrm>
-          <a:prstGeom prst="rect">
-            <a:avLst/>
-          </a:prstGeom>
-          <a:noFill/>
-        </p:spPr>
-        <p:txBody>
-          <a:bodyPr wrap="square" rtlCol="0">
-            <a:spAutoFit/>
-          </a:bodyPr>
-          <a:lstStyle/>
-          <a:p>
-            <a:r>
-              <a:rPr lang="en-US" sz="2400" dirty="0">
-                <a:latin typeface="Cambria Math" panose="02040503050406030204" pitchFamily="18" charset="0"/>
-                <a:ea typeface="Cambria Math" panose="02040503050406030204" pitchFamily="18" charset="0"/>
-              </a:rPr>
-              <a:t>min cost = 10</a:t>
-            </a:r>
-            <a:endParaRPr lang="en-UG" sz="2400" dirty="0">
-              <a:latin typeface="Cambria Math" panose="02040503050406030204" pitchFamily="18" charset="0"/>
-              <a:ea typeface="Cambria Math" panose="02040503050406030204" pitchFamily="18" charset="0"/>
-            </a:endParaRPr>
-          </a:p>
-        </p:txBody>
-      </p:sp>
-    </p:spTree>
-    <p:extLst>
-      <p:ext uri="{BB962C8B-B14F-4D97-AF65-F5344CB8AC3E}">
-        <p14:creationId xmlns:p14="http://schemas.microsoft.com/office/powerpoint/2010/main" val="823904924"/>
-      </p:ext>
-    </p:extLst>
-  </p:cSld>
-  <p:clrMapOvr>
-    <a:masterClrMapping/>
-  </p:clrMapOvr>
-</p:sld>
-</file>
-
-<file path=ppt/slides/slide22.xml><?xml version="1.0" encoding="utf-8"?>
-<p:sld xmlns:a="http://schemas.openxmlformats.org/drawingml/2006/main" xmlns:r="http://schemas.openxmlformats.org/officeDocument/2006/relationships" xmlns:p="http://schemas.openxmlformats.org/presentationml/2006/main">
-  <p:cSld>
-    <p:spTree>
-      <p:nvGrpSpPr>
-        <p:cNvPr id="1" name=""/>
-        <p:cNvGrpSpPr/>
-        <p:nvPr/>
-      </p:nvGrpSpPr>
-      <p:grpSpPr>
-        <a:xfrm>
-          <a:off x="0" y="0"/>
-          <a:ext cx="0" cy="0"/>
-          <a:chOff x="0" y="0"/>
-          <a:chExt cx="0" cy="0"/>
-        </a:xfrm>
-      </p:grpSpPr>
-      <p:sp>
-        <p:nvSpPr>
           <p:cNvPr id="2" name="Title 1">
             <a:extLst>
               <a:ext uri="{FF2B5EF4-FFF2-40B4-BE49-F238E27FC236}">
@@ -20030,7 +17655,7 @@
 </p:sld>
 </file>
 
-<file path=ppt/slides/slide23.xml><?xml version="1.0" encoding="utf-8"?>
+<file path=ppt/slides/slide22.xml><?xml version="1.0" encoding="utf-8"?>
 <p:sld xmlns:a="http://schemas.openxmlformats.org/drawingml/2006/main" xmlns:r="http://schemas.openxmlformats.org/officeDocument/2006/relationships" xmlns:p="http://schemas.openxmlformats.org/presentationml/2006/main">
   <p:cSld>
     <p:spTree>
@@ -20966,7 +18591,7 @@
 </p:sld>
 </file>
 
-<file path=ppt/slides/slide24.xml><?xml version="1.0" encoding="utf-8"?>
+<file path=ppt/slides/slide23.xml><?xml version="1.0" encoding="utf-8"?>
 <p:sld xmlns:a="http://schemas.openxmlformats.org/drawingml/2006/main" xmlns:r="http://schemas.openxmlformats.org/officeDocument/2006/relationships" xmlns:p="http://schemas.openxmlformats.org/presentationml/2006/main">
   <p:cSld>
     <p:spTree>
@@ -21611,7 +19236,7 @@
 </p:sld>
 </file>
 
-<file path=ppt/slides/slide25.xml><?xml version="1.0" encoding="utf-8"?>
+<file path=ppt/slides/slide24.xml><?xml version="1.0" encoding="utf-8"?>
 <p:sld xmlns:a="http://schemas.openxmlformats.org/drawingml/2006/main" xmlns:r="http://schemas.openxmlformats.org/officeDocument/2006/relationships" xmlns:p="http://schemas.openxmlformats.org/presentationml/2006/main">
   <p:cSld>
     <p:spTree>
@@ -22259,7 +19884,7 @@
 </p:sld>
 </file>
 
-<file path=ppt/slides/slide26.xml><?xml version="1.0" encoding="utf-8"?>
+<file path=ppt/slides/slide25.xml><?xml version="1.0" encoding="utf-8"?>
 <p:sld xmlns:a="http://schemas.openxmlformats.org/drawingml/2006/main" xmlns:r="http://schemas.openxmlformats.org/officeDocument/2006/relationships" xmlns:p="http://schemas.openxmlformats.org/presentationml/2006/main">
   <p:cSld>
     <p:spTree>
@@ -22910,7 +20535,7 @@
 </p:sld>
 </file>
 
-<file path=ppt/slides/slide27.xml><?xml version="1.0" encoding="utf-8"?>
+<file path=ppt/slides/slide26.xml><?xml version="1.0" encoding="utf-8"?>
 <p:sld xmlns:a="http://schemas.openxmlformats.org/drawingml/2006/main" xmlns:r="http://schemas.openxmlformats.org/officeDocument/2006/relationships" xmlns:p="http://schemas.openxmlformats.org/presentationml/2006/main">
   <p:cSld>
     <p:spTree>
@@ -23564,7 +21189,7 @@
 </p:sld>
 </file>
 
-<file path=ppt/slides/slide28.xml><?xml version="1.0" encoding="utf-8"?>
+<file path=ppt/slides/slide27.xml><?xml version="1.0" encoding="utf-8"?>
 <p:sld xmlns:a="http://schemas.openxmlformats.org/drawingml/2006/main" xmlns:r="http://schemas.openxmlformats.org/officeDocument/2006/relationships" xmlns:p="http://schemas.openxmlformats.org/presentationml/2006/main">
   <p:cSld>
     <p:spTree>
@@ -24221,7 +21846,7 @@
 </p:sld>
 </file>
 
-<file path=ppt/slides/slide29.xml><?xml version="1.0" encoding="utf-8"?>
+<file path=ppt/slides/slide28.xml><?xml version="1.0" encoding="utf-8"?>
 <p:sld xmlns:a="http://schemas.openxmlformats.org/drawingml/2006/main" xmlns:r="http://schemas.openxmlformats.org/officeDocument/2006/relationships" xmlns:p="http://schemas.openxmlformats.org/presentationml/2006/main">
   <p:cSld>
     <p:spTree>
@@ -24881,6 +22506,368 @@
 </p:sld>
 </file>
 
+<file path=ppt/slides/slide29.xml><?xml version="1.0" encoding="utf-8"?>
+<p:sld xmlns:a="http://schemas.openxmlformats.org/drawingml/2006/main" xmlns:r="http://schemas.openxmlformats.org/officeDocument/2006/relationships" xmlns:p="http://schemas.openxmlformats.org/presentationml/2006/main">
+  <p:cSld>
+    <p:spTree>
+      <p:nvGrpSpPr>
+        <p:cNvPr id="1" name=""/>
+        <p:cNvGrpSpPr/>
+        <p:nvPr/>
+      </p:nvGrpSpPr>
+      <p:grpSpPr>
+        <a:xfrm>
+          <a:off x="0" y="0"/>
+          <a:ext cx="0" cy="0"/>
+          <a:chOff x="0" y="0"/>
+          <a:chExt cx="0" cy="0"/>
+        </a:xfrm>
+      </p:grpSpPr>
+      <p:sp>
+        <p:nvSpPr>
+          <p:cNvPr id="2" name="Title 1">
+            <a:extLst>
+              <a:ext uri="{FF2B5EF4-FFF2-40B4-BE49-F238E27FC236}">
+                <a16:creationId xmlns:a16="http://schemas.microsoft.com/office/drawing/2014/main" id="{0A9D0D09-583E-4CAE-A5AF-B4CF0B5B4A32}"/>
+              </a:ext>
+            </a:extLst>
+          </p:cNvPr>
+          <p:cNvSpPr>
+            <a:spLocks noGrp="1"/>
+          </p:cNvSpPr>
+          <p:nvPr>
+            <p:ph type="title"/>
+          </p:nvPr>
+        </p:nvSpPr>
+        <p:spPr/>
+        <p:txBody>
+          <a:bodyPr/>
+          <a:lstStyle/>
+          <a:p>
+            <a:r>
+              <a:rPr lang="en-US" dirty="0"/>
+              <a:t>Greedy Heuristic</a:t>
+            </a:r>
+          </a:p>
+        </p:txBody>
+      </p:sp>
+      <p:sp>
+        <p:nvSpPr>
+          <p:cNvPr id="3" name="Content Placeholder 2">
+            <a:extLst>
+              <a:ext uri="{FF2B5EF4-FFF2-40B4-BE49-F238E27FC236}">
+                <a16:creationId xmlns:a16="http://schemas.microsoft.com/office/drawing/2014/main" id="{2F107E67-1CF9-4A9F-B9FC-C3DF9370D891}"/>
+              </a:ext>
+            </a:extLst>
+          </p:cNvPr>
+          <p:cNvSpPr>
+            <a:spLocks noGrp="1"/>
+          </p:cNvSpPr>
+          <p:nvPr>
+            <p:ph idx="1"/>
+          </p:nvPr>
+        </p:nvSpPr>
+        <p:spPr>
+          <a:xfrm>
+            <a:off x="591352" y="1885856"/>
+            <a:ext cx="11029615" cy="3678303"/>
+          </a:xfrm>
+        </p:spPr>
+        <p:txBody>
+          <a:bodyPr>
+            <a:normAutofit/>
+          </a:bodyPr>
+          <a:lstStyle/>
+          <a:p>
+            <a:pPr>
+              <a:lnSpc>
+                <a:spcPct val="150000"/>
+              </a:lnSpc>
+            </a:pPr>
+            <a:r>
+              <a:rPr lang="en-US" sz="2800" dirty="0"/>
+              <a:t>Picks lowest cost edge from all edges (greedy choice)</a:t>
+            </a:r>
+          </a:p>
+          <a:p>
+            <a:pPr>
+              <a:lnSpc>
+                <a:spcPct val="150000"/>
+              </a:lnSpc>
+            </a:pPr>
+            <a:r>
+              <a:rPr lang="en-US" sz="2800" dirty="0"/>
+              <a:t>Invalidates edges that cannot be part of this solution</a:t>
+            </a:r>
+          </a:p>
+          <a:p>
+            <a:pPr>
+              <a:lnSpc>
+                <a:spcPct val="150000"/>
+              </a:lnSpc>
+            </a:pPr>
+            <a:r>
+              <a:rPr lang="en-US" sz="2800" dirty="0"/>
+              <a:t>Repeats until a Hamiltonian cycle is constructed (picks v-1 edges)</a:t>
+            </a:r>
+          </a:p>
+          <a:p>
+            <a:pPr>
+              <a:lnSpc>
+                <a:spcPct val="150000"/>
+              </a:lnSpc>
+            </a:pPr>
+            <a:r>
+              <a:rPr lang="en-US" sz="2800" dirty="0"/>
+              <a:t>O(n</a:t>
+            </a:r>
+            <a:r>
+              <a:rPr lang="en-US" sz="2800" baseline="30000" dirty="0"/>
+              <a:t>3</a:t>
+            </a:r>
+            <a:r>
+              <a:rPr lang="en-US" sz="2800" dirty="0"/>
+              <a:t>) – For each edge chosen, look through n</a:t>
+            </a:r>
+            <a:r>
+              <a:rPr lang="en-US" sz="2800" baseline="30000" dirty="0"/>
+              <a:t>2</a:t>
+            </a:r>
+            <a:r>
+              <a:rPr lang="en-US" sz="2800" dirty="0"/>
+              <a:t> edges (n * n</a:t>
+            </a:r>
+            <a:r>
+              <a:rPr lang="en-US" sz="2800" baseline="30000" dirty="0"/>
+              <a:t>2</a:t>
+            </a:r>
+            <a:r>
+              <a:rPr lang="en-US" sz="2800" dirty="0"/>
+              <a:t>)</a:t>
+            </a:r>
+          </a:p>
+        </p:txBody>
+      </p:sp>
+      <p:sp>
+        <p:nvSpPr>
+          <p:cNvPr id="8" name="Title 1">
+            <a:extLst>
+              <a:ext uri="{FF2B5EF4-FFF2-40B4-BE49-F238E27FC236}">
+                <a16:creationId xmlns:a16="http://schemas.microsoft.com/office/drawing/2014/main" id="{4D5A3839-C58F-466E-A010-30D74834DE4D}"/>
+              </a:ext>
+            </a:extLst>
+          </p:cNvPr>
+          <p:cNvSpPr txBox="1">
+            <a:spLocks/>
+          </p:cNvSpPr>
+          <p:nvPr/>
+        </p:nvSpPr>
+        <p:spPr>
+          <a:xfrm rot="16200000">
+            <a:off x="5867398" y="-5580821"/>
+            <a:ext cx="457201" cy="11618844"/>
+          </a:xfrm>
+          <a:prstGeom prst="rect">
+            <a:avLst/>
+          </a:prstGeom>
+        </p:spPr>
+        <p:txBody>
+          <a:bodyPr vert="eaVert" lIns="91440" tIns="45720" rIns="91440" bIns="45720" rtlCol="0" anchor="b">
+            <a:noAutofit/>
+          </a:bodyPr>
+          <a:lstStyle>
+            <a:lvl1pPr algn="l" defTabSz="457200" rtl="0" eaLnBrk="1" latinLnBrk="0" hangingPunct="1">
+              <a:spcBef>
+                <a:spcPct val="0"/>
+              </a:spcBef>
+              <a:buNone/>
+              <a:defRPr sz="2800" b="0" kern="1200" cap="all">
+                <a:solidFill>
+                  <a:schemeClr val="bg1"/>
+                </a:solidFill>
+                <a:latin typeface="+mj-lt"/>
+                <a:ea typeface="+mj-ea"/>
+                <a:cs typeface="+mj-cs"/>
+              </a:defRPr>
+            </a:lvl1pPr>
+            <a:lvl2pPr eaLnBrk="1" hangingPunct="1">
+              <a:defRPr>
+                <a:solidFill>
+                  <a:schemeClr val="tx2"/>
+                </a:solidFill>
+              </a:defRPr>
+            </a:lvl2pPr>
+            <a:lvl3pPr eaLnBrk="1" hangingPunct="1">
+              <a:defRPr>
+                <a:solidFill>
+                  <a:schemeClr val="tx2"/>
+                </a:solidFill>
+              </a:defRPr>
+            </a:lvl3pPr>
+            <a:lvl4pPr eaLnBrk="1" hangingPunct="1">
+              <a:defRPr>
+                <a:solidFill>
+                  <a:schemeClr val="tx2"/>
+                </a:solidFill>
+              </a:defRPr>
+            </a:lvl4pPr>
+            <a:lvl5pPr eaLnBrk="1" hangingPunct="1">
+              <a:defRPr>
+                <a:solidFill>
+                  <a:schemeClr val="tx2"/>
+                </a:solidFill>
+              </a:defRPr>
+            </a:lvl5pPr>
+            <a:lvl6pPr eaLnBrk="1" hangingPunct="1">
+              <a:defRPr>
+                <a:solidFill>
+                  <a:schemeClr val="tx2"/>
+                </a:solidFill>
+              </a:defRPr>
+            </a:lvl6pPr>
+            <a:lvl7pPr eaLnBrk="1" hangingPunct="1">
+              <a:defRPr>
+                <a:solidFill>
+                  <a:schemeClr val="tx2"/>
+                </a:solidFill>
+              </a:defRPr>
+            </a:lvl7pPr>
+            <a:lvl8pPr eaLnBrk="1" hangingPunct="1">
+              <a:defRPr>
+                <a:solidFill>
+                  <a:schemeClr val="tx2"/>
+                </a:solidFill>
+              </a:defRPr>
+            </a:lvl8pPr>
+            <a:lvl9pPr eaLnBrk="1" hangingPunct="1">
+              <a:defRPr>
+                <a:solidFill>
+                  <a:schemeClr val="tx2"/>
+                </a:solidFill>
+              </a:defRPr>
+            </a:lvl9pPr>
+          </a:lstStyle>
+          <a:p>
+            <a:pPr algn="ctr"/>
+            <a:r>
+              <a:rPr lang="en-US" sz="2000" cap="none" dirty="0">
+                <a:solidFill>
+                  <a:schemeClr val="accent4"/>
+                </a:solidFill>
+              </a:rPr>
+              <a:t>Introducing TSP | Brute force solution | Best first search | Nearest neighbor</a:t>
+            </a:r>
+            <a:r>
+              <a:rPr lang="en-US" sz="2000" cap="none" dirty="0">
+                <a:solidFill>
+                  <a:schemeClr val="accent1"/>
+                </a:solidFill>
+              </a:rPr>
+              <a:t> </a:t>
+            </a:r>
+            <a:r>
+              <a:rPr lang="en-US" sz="2000" cap="none" dirty="0">
+                <a:solidFill>
+                  <a:schemeClr val="accent4"/>
+                </a:solidFill>
+              </a:rPr>
+              <a:t>| </a:t>
+            </a:r>
+            <a:r>
+              <a:rPr lang="en-US" sz="2000" cap="none" dirty="0">
+                <a:solidFill>
+                  <a:schemeClr val="accent1"/>
+                </a:solidFill>
+              </a:rPr>
+              <a:t>Greedy heuristic</a:t>
+            </a:r>
+            <a:r>
+              <a:rPr lang="en-US" sz="2000" cap="none" dirty="0">
+                <a:solidFill>
+                  <a:schemeClr val="accent4"/>
+                </a:solidFill>
+              </a:rPr>
+              <a:t> | Time analysis</a:t>
+            </a:r>
+          </a:p>
+        </p:txBody>
+      </p:sp>
+      <p:sp>
+        <p:nvSpPr>
+          <p:cNvPr id="5" name="Rectangle: Single Corner Snipped 4">
+            <a:extLst>
+              <a:ext uri="{FF2B5EF4-FFF2-40B4-BE49-F238E27FC236}">
+                <a16:creationId xmlns:a16="http://schemas.microsoft.com/office/drawing/2014/main" id="{A83A47D9-3092-4FB8-A280-2FBFCEB9669C}"/>
+              </a:ext>
+            </a:extLst>
+          </p:cNvPr>
+          <p:cNvSpPr/>
+          <p:nvPr/>
+        </p:nvSpPr>
+        <p:spPr>
+          <a:xfrm flipH="1">
+            <a:off x="10634869" y="797036"/>
+            <a:ext cx="1123121" cy="1013800"/>
+          </a:xfrm>
+          <a:prstGeom prst="snip1Rect">
+            <a:avLst>
+              <a:gd name="adj" fmla="val 38041"/>
+            </a:avLst>
+          </a:prstGeom>
+          <a:solidFill>
+            <a:schemeClr val="bg1"/>
+          </a:solidFill>
+          <a:ln>
+            <a:noFill/>
+          </a:ln>
+        </p:spPr>
+        <p:style>
+          <a:lnRef idx="2">
+            <a:schemeClr val="accent1">
+              <a:shade val="50000"/>
+            </a:schemeClr>
+          </a:lnRef>
+          <a:fillRef idx="1">
+            <a:schemeClr val="accent1"/>
+          </a:fillRef>
+          <a:effectRef idx="0">
+            <a:schemeClr val="accent1"/>
+          </a:effectRef>
+          <a:fontRef idx="minor">
+            <a:schemeClr val="lt1"/>
+          </a:fontRef>
+        </p:style>
+        <p:txBody>
+          <a:bodyPr rtlCol="0" anchor="ctr"/>
+          <a:lstStyle/>
+          <a:p>
+            <a:pPr algn="ctr"/>
+            <a:r>
+              <a:rPr lang="en-US" sz="4400" dirty="0">
+                <a:solidFill>
+                  <a:schemeClr val="accent1"/>
+                </a:solidFill>
+                <a:latin typeface="Arial" panose="020B0604020202020204" pitchFamily="34" charset="0"/>
+                <a:cs typeface="Arial" panose="020B0604020202020204" pitchFamily="34" charset="0"/>
+              </a:rPr>
+              <a:t>14</a:t>
+            </a:r>
+          </a:p>
+        </p:txBody>
+      </p:sp>
+    </p:spTree>
+    <p:extLst>
+      <p:ext uri="{BB962C8B-B14F-4D97-AF65-F5344CB8AC3E}">
+        <p14:creationId xmlns:p14="http://schemas.microsoft.com/office/powerpoint/2010/main" val="1509132488"/>
+      </p:ext>
+    </p:extLst>
+  </p:cSld>
+  <p:clrMapOvr>
+    <a:masterClrMapping/>
+  </p:clrMapOvr>
+</p:sld>
+</file>
+
 <file path=ppt/slides/slide3.xml><?xml version="1.0" encoding="utf-8"?>
 <p:sld xmlns:a="http://schemas.openxmlformats.org/drawingml/2006/main" xmlns:r="http://schemas.openxmlformats.org/officeDocument/2006/relationships" xmlns:p="http://schemas.openxmlformats.org/presentationml/2006/main">
   <p:cSld>
@@ -24968,7 +22955,7 @@
           <a:p>
             <a:pPr lvl="1"/>
             <a:r>
-              <a:rPr lang="en-US" sz="2200" dirty="0"/>
+              <a:rPr lang="en-US" sz="2000" dirty="0"/>
               <a:t>Heuristics refer to approximation methods</a:t>
             </a:r>
           </a:p>
@@ -25222,368 +23209,6 @@
       </p:grpSpPr>
       <p:sp>
         <p:nvSpPr>
-          <p:cNvPr id="2" name="Title 1">
-            <a:extLst>
-              <a:ext uri="{FF2B5EF4-FFF2-40B4-BE49-F238E27FC236}">
-                <a16:creationId xmlns:a16="http://schemas.microsoft.com/office/drawing/2014/main" id="{0A9D0D09-583E-4CAE-A5AF-B4CF0B5B4A32}"/>
-              </a:ext>
-            </a:extLst>
-          </p:cNvPr>
-          <p:cNvSpPr>
-            <a:spLocks noGrp="1"/>
-          </p:cNvSpPr>
-          <p:nvPr>
-            <p:ph type="title"/>
-          </p:nvPr>
-        </p:nvSpPr>
-        <p:spPr/>
-        <p:txBody>
-          <a:bodyPr/>
-          <a:lstStyle/>
-          <a:p>
-            <a:r>
-              <a:rPr lang="en-US" dirty="0"/>
-              <a:t>Greedy Heuristic</a:t>
-            </a:r>
-          </a:p>
-        </p:txBody>
-      </p:sp>
-      <p:sp>
-        <p:nvSpPr>
-          <p:cNvPr id="3" name="Content Placeholder 2">
-            <a:extLst>
-              <a:ext uri="{FF2B5EF4-FFF2-40B4-BE49-F238E27FC236}">
-                <a16:creationId xmlns:a16="http://schemas.microsoft.com/office/drawing/2014/main" id="{2F107E67-1CF9-4A9F-B9FC-C3DF9370D891}"/>
-              </a:ext>
-            </a:extLst>
-          </p:cNvPr>
-          <p:cNvSpPr>
-            <a:spLocks noGrp="1"/>
-          </p:cNvSpPr>
-          <p:nvPr>
-            <p:ph idx="1"/>
-          </p:nvPr>
-        </p:nvSpPr>
-        <p:spPr>
-          <a:xfrm>
-            <a:off x="591352" y="1885856"/>
-            <a:ext cx="11029615" cy="3678303"/>
-          </a:xfrm>
-        </p:spPr>
-        <p:txBody>
-          <a:bodyPr>
-            <a:normAutofit/>
-          </a:bodyPr>
-          <a:lstStyle/>
-          <a:p>
-            <a:pPr>
-              <a:lnSpc>
-                <a:spcPct val="150000"/>
-              </a:lnSpc>
-            </a:pPr>
-            <a:r>
-              <a:rPr lang="en-US" sz="2800" dirty="0"/>
-              <a:t>Picks lowest cost edge from all edges (greedy choice)</a:t>
-            </a:r>
-          </a:p>
-          <a:p>
-            <a:pPr>
-              <a:lnSpc>
-                <a:spcPct val="150000"/>
-              </a:lnSpc>
-            </a:pPr>
-            <a:r>
-              <a:rPr lang="en-US" sz="2800" dirty="0"/>
-              <a:t>Invalidates edges that cannot be part of this solution</a:t>
-            </a:r>
-          </a:p>
-          <a:p>
-            <a:pPr>
-              <a:lnSpc>
-                <a:spcPct val="150000"/>
-              </a:lnSpc>
-            </a:pPr>
-            <a:r>
-              <a:rPr lang="en-US" sz="2800" dirty="0"/>
-              <a:t>Repeats until a Hamiltonian cycle is constructed (picks v-1 edges)</a:t>
-            </a:r>
-          </a:p>
-          <a:p>
-            <a:pPr>
-              <a:lnSpc>
-                <a:spcPct val="150000"/>
-              </a:lnSpc>
-            </a:pPr>
-            <a:r>
-              <a:rPr lang="en-US" sz="2800" dirty="0"/>
-              <a:t>O(n</a:t>
-            </a:r>
-            <a:r>
-              <a:rPr lang="en-US" sz="2800" baseline="30000" dirty="0"/>
-              <a:t>3</a:t>
-            </a:r>
-            <a:r>
-              <a:rPr lang="en-US" sz="2800" dirty="0"/>
-              <a:t>) – For each edge chosen, look through n</a:t>
-            </a:r>
-            <a:r>
-              <a:rPr lang="en-US" sz="2800" baseline="30000" dirty="0"/>
-              <a:t>2</a:t>
-            </a:r>
-            <a:r>
-              <a:rPr lang="en-US" sz="2800" dirty="0"/>
-              <a:t> edges (n * n</a:t>
-            </a:r>
-            <a:r>
-              <a:rPr lang="en-US" sz="2800" baseline="30000" dirty="0"/>
-              <a:t>2</a:t>
-            </a:r>
-            <a:r>
-              <a:rPr lang="en-US" sz="2800" dirty="0"/>
-              <a:t>)</a:t>
-            </a:r>
-          </a:p>
-        </p:txBody>
-      </p:sp>
-      <p:sp>
-        <p:nvSpPr>
-          <p:cNvPr id="8" name="Title 1">
-            <a:extLst>
-              <a:ext uri="{FF2B5EF4-FFF2-40B4-BE49-F238E27FC236}">
-                <a16:creationId xmlns:a16="http://schemas.microsoft.com/office/drawing/2014/main" id="{4D5A3839-C58F-466E-A010-30D74834DE4D}"/>
-              </a:ext>
-            </a:extLst>
-          </p:cNvPr>
-          <p:cNvSpPr txBox="1">
-            <a:spLocks/>
-          </p:cNvSpPr>
-          <p:nvPr/>
-        </p:nvSpPr>
-        <p:spPr>
-          <a:xfrm rot="16200000">
-            <a:off x="5867398" y="-5580821"/>
-            <a:ext cx="457201" cy="11618844"/>
-          </a:xfrm>
-          <a:prstGeom prst="rect">
-            <a:avLst/>
-          </a:prstGeom>
-        </p:spPr>
-        <p:txBody>
-          <a:bodyPr vert="eaVert" lIns="91440" tIns="45720" rIns="91440" bIns="45720" rtlCol="0" anchor="b">
-            <a:noAutofit/>
-          </a:bodyPr>
-          <a:lstStyle>
-            <a:lvl1pPr algn="l" defTabSz="457200" rtl="0" eaLnBrk="1" latinLnBrk="0" hangingPunct="1">
-              <a:spcBef>
-                <a:spcPct val="0"/>
-              </a:spcBef>
-              <a:buNone/>
-              <a:defRPr sz="2800" b="0" kern="1200" cap="all">
-                <a:solidFill>
-                  <a:schemeClr val="bg1"/>
-                </a:solidFill>
-                <a:latin typeface="+mj-lt"/>
-                <a:ea typeface="+mj-ea"/>
-                <a:cs typeface="+mj-cs"/>
-              </a:defRPr>
-            </a:lvl1pPr>
-            <a:lvl2pPr eaLnBrk="1" hangingPunct="1">
-              <a:defRPr>
-                <a:solidFill>
-                  <a:schemeClr val="tx2"/>
-                </a:solidFill>
-              </a:defRPr>
-            </a:lvl2pPr>
-            <a:lvl3pPr eaLnBrk="1" hangingPunct="1">
-              <a:defRPr>
-                <a:solidFill>
-                  <a:schemeClr val="tx2"/>
-                </a:solidFill>
-              </a:defRPr>
-            </a:lvl3pPr>
-            <a:lvl4pPr eaLnBrk="1" hangingPunct="1">
-              <a:defRPr>
-                <a:solidFill>
-                  <a:schemeClr val="tx2"/>
-                </a:solidFill>
-              </a:defRPr>
-            </a:lvl4pPr>
-            <a:lvl5pPr eaLnBrk="1" hangingPunct="1">
-              <a:defRPr>
-                <a:solidFill>
-                  <a:schemeClr val="tx2"/>
-                </a:solidFill>
-              </a:defRPr>
-            </a:lvl5pPr>
-            <a:lvl6pPr eaLnBrk="1" hangingPunct="1">
-              <a:defRPr>
-                <a:solidFill>
-                  <a:schemeClr val="tx2"/>
-                </a:solidFill>
-              </a:defRPr>
-            </a:lvl6pPr>
-            <a:lvl7pPr eaLnBrk="1" hangingPunct="1">
-              <a:defRPr>
-                <a:solidFill>
-                  <a:schemeClr val="tx2"/>
-                </a:solidFill>
-              </a:defRPr>
-            </a:lvl7pPr>
-            <a:lvl8pPr eaLnBrk="1" hangingPunct="1">
-              <a:defRPr>
-                <a:solidFill>
-                  <a:schemeClr val="tx2"/>
-                </a:solidFill>
-              </a:defRPr>
-            </a:lvl8pPr>
-            <a:lvl9pPr eaLnBrk="1" hangingPunct="1">
-              <a:defRPr>
-                <a:solidFill>
-                  <a:schemeClr val="tx2"/>
-                </a:solidFill>
-              </a:defRPr>
-            </a:lvl9pPr>
-          </a:lstStyle>
-          <a:p>
-            <a:pPr algn="ctr"/>
-            <a:r>
-              <a:rPr lang="en-US" sz="2000" cap="none" dirty="0">
-                <a:solidFill>
-                  <a:schemeClr val="accent4"/>
-                </a:solidFill>
-              </a:rPr>
-              <a:t>Introducing TSP | Brute force solution | Best first search | Nearest neighbor</a:t>
-            </a:r>
-            <a:r>
-              <a:rPr lang="en-US" sz="2000" cap="none" dirty="0">
-                <a:solidFill>
-                  <a:schemeClr val="accent1"/>
-                </a:solidFill>
-              </a:rPr>
-              <a:t> </a:t>
-            </a:r>
-            <a:r>
-              <a:rPr lang="en-US" sz="2000" cap="none" dirty="0">
-                <a:solidFill>
-                  <a:schemeClr val="accent4"/>
-                </a:solidFill>
-              </a:rPr>
-              <a:t>| </a:t>
-            </a:r>
-            <a:r>
-              <a:rPr lang="en-US" sz="2000" cap="none" dirty="0">
-                <a:solidFill>
-                  <a:schemeClr val="accent1"/>
-                </a:solidFill>
-              </a:rPr>
-              <a:t>Greedy heuristic</a:t>
-            </a:r>
-            <a:r>
-              <a:rPr lang="en-US" sz="2000" cap="none" dirty="0">
-                <a:solidFill>
-                  <a:schemeClr val="accent4"/>
-                </a:solidFill>
-              </a:rPr>
-              <a:t> | Time analysis</a:t>
-            </a:r>
-          </a:p>
-        </p:txBody>
-      </p:sp>
-      <p:sp>
-        <p:nvSpPr>
-          <p:cNvPr id="5" name="Rectangle: Single Corner Snipped 4">
-            <a:extLst>
-              <a:ext uri="{FF2B5EF4-FFF2-40B4-BE49-F238E27FC236}">
-                <a16:creationId xmlns:a16="http://schemas.microsoft.com/office/drawing/2014/main" id="{A83A47D9-3092-4FB8-A280-2FBFCEB9669C}"/>
-              </a:ext>
-            </a:extLst>
-          </p:cNvPr>
-          <p:cNvSpPr/>
-          <p:nvPr/>
-        </p:nvSpPr>
-        <p:spPr>
-          <a:xfrm flipH="1">
-            <a:off x="10634869" y="797036"/>
-            <a:ext cx="1123121" cy="1013800"/>
-          </a:xfrm>
-          <a:prstGeom prst="snip1Rect">
-            <a:avLst>
-              <a:gd name="adj" fmla="val 38041"/>
-            </a:avLst>
-          </a:prstGeom>
-          <a:solidFill>
-            <a:schemeClr val="bg1"/>
-          </a:solidFill>
-          <a:ln>
-            <a:noFill/>
-          </a:ln>
-        </p:spPr>
-        <p:style>
-          <a:lnRef idx="2">
-            <a:schemeClr val="accent1">
-              <a:shade val="50000"/>
-            </a:schemeClr>
-          </a:lnRef>
-          <a:fillRef idx="1">
-            <a:schemeClr val="accent1"/>
-          </a:fillRef>
-          <a:effectRef idx="0">
-            <a:schemeClr val="accent1"/>
-          </a:effectRef>
-          <a:fontRef idx="minor">
-            <a:schemeClr val="lt1"/>
-          </a:fontRef>
-        </p:style>
-        <p:txBody>
-          <a:bodyPr rtlCol="0" anchor="ctr"/>
-          <a:lstStyle/>
-          <a:p>
-            <a:pPr algn="ctr"/>
-            <a:r>
-              <a:rPr lang="en-US" sz="4400" dirty="0">
-                <a:solidFill>
-                  <a:schemeClr val="accent1"/>
-                </a:solidFill>
-                <a:latin typeface="Arial" panose="020B0604020202020204" pitchFamily="34" charset="0"/>
-                <a:cs typeface="Arial" panose="020B0604020202020204" pitchFamily="34" charset="0"/>
-              </a:rPr>
-              <a:t>14</a:t>
-            </a:r>
-          </a:p>
-        </p:txBody>
-      </p:sp>
-    </p:spTree>
-    <p:extLst>
-      <p:ext uri="{BB962C8B-B14F-4D97-AF65-F5344CB8AC3E}">
-        <p14:creationId xmlns:p14="http://schemas.microsoft.com/office/powerpoint/2010/main" val="1509132488"/>
-      </p:ext>
-    </p:extLst>
-  </p:cSld>
-  <p:clrMapOvr>
-    <a:masterClrMapping/>
-  </p:clrMapOvr>
-</p:sld>
-</file>
-
-<file path=ppt/slides/slide31.xml><?xml version="1.0" encoding="utf-8"?>
-<p:sld xmlns:a="http://schemas.openxmlformats.org/drawingml/2006/main" xmlns:r="http://schemas.openxmlformats.org/officeDocument/2006/relationships" xmlns:p="http://schemas.openxmlformats.org/presentationml/2006/main">
-  <p:cSld>
-    <p:spTree>
-      <p:nvGrpSpPr>
-        <p:cNvPr id="1" name=""/>
-        <p:cNvGrpSpPr/>
-        <p:nvPr/>
-      </p:nvGrpSpPr>
-      <p:grpSpPr>
-        <a:xfrm>
-          <a:off x="0" y="0"/>
-          <a:ext cx="0" cy="0"/>
-          <a:chOff x="0" y="0"/>
-          <a:chExt cx="0" cy="0"/>
-        </a:xfrm>
-      </p:grpSpPr>
-      <p:sp>
-        <p:nvSpPr>
           <p:cNvPr id="2" name="Vertical Title 1">
             <a:extLst>
               <a:ext uri="{FF2B5EF4-FFF2-40B4-BE49-F238E27FC236}">
@@ -27043,7 +24668,7 @@
 </p:sld>
 </file>
 
-<file path=ppt/slides/slide32.xml><?xml version="1.0" encoding="utf-8"?>
+<file path=ppt/slides/slide31.xml><?xml version="1.0" encoding="utf-8"?>
 <p:sld xmlns:a="http://schemas.openxmlformats.org/drawingml/2006/main" xmlns:r="http://schemas.openxmlformats.org/officeDocument/2006/relationships" xmlns:p="http://schemas.openxmlformats.org/presentationml/2006/main">
   <p:cSld>
     <p:spTree>
@@ -29263,7 +26888,7 @@
 </p:sld>
 </file>
 
-<file path=ppt/slides/slide33.xml><?xml version="1.0" encoding="utf-8"?>
+<file path=ppt/slides/slide32.xml><?xml version="1.0" encoding="utf-8"?>
 <p:sld xmlns:a="http://schemas.openxmlformats.org/drawingml/2006/main" xmlns:r="http://schemas.openxmlformats.org/officeDocument/2006/relationships" xmlns:p="http://schemas.openxmlformats.org/presentationml/2006/main">
   <p:cSld>
     <p:spTree>
@@ -29924,7 +27549,7 @@
 </p:sld>
 </file>
 
-<file path=ppt/slides/slide34.xml><?xml version="1.0" encoding="utf-8"?>
+<file path=ppt/slides/slide33.xml><?xml version="1.0" encoding="utf-8"?>
 <p:sld xmlns:a="http://schemas.openxmlformats.org/drawingml/2006/main" xmlns:r="http://schemas.openxmlformats.org/officeDocument/2006/relationships" xmlns:p="http://schemas.openxmlformats.org/presentationml/2006/main">
   <p:cSld>
     <p:spTree>
@@ -30640,7 +28265,7 @@
 </p:sld>
 </file>
 
-<file path=ppt/slides/slide35.xml><?xml version="1.0" encoding="utf-8"?>
+<file path=ppt/slides/slide34.xml><?xml version="1.0" encoding="utf-8"?>
 <p:sld xmlns:a="http://schemas.openxmlformats.org/drawingml/2006/main" xmlns:r="http://schemas.openxmlformats.org/officeDocument/2006/relationships" xmlns:p="http://schemas.openxmlformats.org/presentationml/2006/main">
   <p:cSld>
     <p:spTree>
@@ -31836,7 +29461,7 @@
 </p:sld>
 </file>
 
-<file path=ppt/slides/slide36.xml><?xml version="1.0" encoding="utf-8"?>
+<file path=ppt/slides/slide35.xml><?xml version="1.0" encoding="utf-8"?>
 <p:sld xmlns:a="http://schemas.openxmlformats.org/drawingml/2006/main" xmlns:r="http://schemas.openxmlformats.org/officeDocument/2006/relationships" xmlns:p="http://schemas.openxmlformats.org/presentationml/2006/main">
   <p:cSld>
     <p:spTree>
@@ -32533,7 +30158,7 @@
 </p:sld>
 </file>
 
-<file path=ppt/slides/slide37.xml><?xml version="1.0" encoding="utf-8"?>
+<file path=ppt/slides/slide36.xml><?xml version="1.0" encoding="utf-8"?>
 <p:sld xmlns:a="http://schemas.openxmlformats.org/drawingml/2006/main" xmlns:r="http://schemas.openxmlformats.org/officeDocument/2006/relationships" xmlns:p="http://schemas.openxmlformats.org/presentationml/2006/main">
   <p:cSld>
     <p:spTree>
@@ -33285,7 +30910,7 @@
 </p:sld>
 </file>
 
-<file path=ppt/slides/slide38.xml><?xml version="1.0" encoding="utf-8"?>
+<file path=ppt/slides/slide37.xml><?xml version="1.0" encoding="utf-8"?>
 <p:sld xmlns:a="http://schemas.openxmlformats.org/drawingml/2006/main" xmlns:r="http://schemas.openxmlformats.org/officeDocument/2006/relationships" xmlns:p="http://schemas.openxmlformats.org/presentationml/2006/main">
   <p:cSld>
     <p:spTree>
@@ -34423,7 +32048,7 @@
 </p:sld>
 </file>
 
-<file path=ppt/slides/slide39.xml><?xml version="1.0" encoding="utf-8"?>
+<file path=ppt/slides/slide38.xml><?xml version="1.0" encoding="utf-8"?>
 <p:sld xmlns:a="http://schemas.openxmlformats.org/drawingml/2006/main" xmlns:r="http://schemas.openxmlformats.org/officeDocument/2006/relationships" xmlns:p="http://schemas.openxmlformats.org/presentationml/2006/main">
   <p:cSld>
     <p:spTree>
@@ -35155,6 +32780,802 @@
     <p:extLst>
       <p:ext uri="{BB962C8B-B14F-4D97-AF65-F5344CB8AC3E}">
         <p14:creationId xmlns:p14="http://schemas.microsoft.com/office/powerpoint/2010/main" val="4090307121"/>
+      </p:ext>
+    </p:extLst>
+  </p:cSld>
+  <p:clrMapOvr>
+    <a:masterClrMapping/>
+  </p:clrMapOvr>
+</p:sld>
+</file>
+
+<file path=ppt/slides/slide39.xml><?xml version="1.0" encoding="utf-8"?>
+<p:sld xmlns:a="http://schemas.openxmlformats.org/drawingml/2006/main" xmlns:r="http://schemas.openxmlformats.org/officeDocument/2006/relationships" xmlns:p="http://schemas.openxmlformats.org/presentationml/2006/main">
+  <p:cSld>
+    <p:spTree>
+      <p:nvGrpSpPr>
+        <p:cNvPr id="1" name=""/>
+        <p:cNvGrpSpPr/>
+        <p:nvPr/>
+      </p:nvGrpSpPr>
+      <p:grpSpPr>
+        <a:xfrm>
+          <a:off x="0" y="0"/>
+          <a:ext cx="0" cy="0"/>
+          <a:chOff x="0" y="0"/>
+          <a:chExt cx="0" cy="0"/>
+        </a:xfrm>
+      </p:grpSpPr>
+      <p:pic>
+        <p:nvPicPr>
+          <p:cNvPr id="3" name="Picture 2">
+            <a:extLst>
+              <a:ext uri="{FF2B5EF4-FFF2-40B4-BE49-F238E27FC236}">
+                <a16:creationId xmlns:a16="http://schemas.microsoft.com/office/drawing/2014/main" id="{0EC504C2-249B-4775-A5F6-FCC8691524A6}"/>
+              </a:ext>
+            </a:extLst>
+          </p:cNvPr>
+          <p:cNvPicPr>
+            <a:picLocks noChangeAspect="1"/>
+          </p:cNvPicPr>
+          <p:nvPr/>
+        </p:nvPicPr>
+        <p:blipFill>
+          <a:blip r:embed="rId2"/>
+          <a:stretch>
+            <a:fillRect/>
+          </a:stretch>
+        </p:blipFill>
+        <p:spPr>
+          <a:xfrm>
+            <a:off x="924339" y="592578"/>
+            <a:ext cx="6224782" cy="5731730"/>
+          </a:xfrm>
+          <a:prstGeom prst="rect">
+            <a:avLst/>
+          </a:prstGeom>
+        </p:spPr>
+      </p:pic>
+      <mc:AlternateContent xmlns:mc="http://schemas.openxmlformats.org/markup-compatibility/2006" xmlns:a14="http://schemas.microsoft.com/office/drawing/2010/main">
+        <mc:Choice Requires="a14">
+          <p:sp>
+            <p:nvSpPr>
+              <p:cNvPr id="4" name="TextBox 3">
+                <a:extLst>
+                  <a:ext uri="{FF2B5EF4-FFF2-40B4-BE49-F238E27FC236}">
+                    <a16:creationId xmlns:a16="http://schemas.microsoft.com/office/drawing/2014/main" id="{458E5A5F-9529-4644-B20B-EF42F5864083}"/>
+                  </a:ext>
+                </a:extLst>
+              </p:cNvPr>
+              <p:cNvSpPr txBox="1"/>
+              <p:nvPr/>
+            </p:nvSpPr>
+            <p:spPr>
+              <a:xfrm>
+                <a:off x="7309065" y="1880778"/>
+                <a:ext cx="3711914" cy="2561086"/>
+              </a:xfrm>
+              <a:prstGeom prst="rect">
+                <a:avLst/>
+              </a:prstGeom>
+              <a:noFill/>
+            </p:spPr>
+            <p:txBody>
+              <a:bodyPr wrap="none" rtlCol="0">
+                <a:spAutoFit/>
+              </a:bodyPr>
+              <a:lstStyle/>
+              <a:p>
+                <a:pPr algn="ctr"/>
+                <a:r>
+                  <a:rPr lang="en-US" sz="2400" dirty="0"/>
+                  <a:t>Adjacency matrix</a:t>
+                </a:r>
+              </a:p>
+              <a:p>
+                <a:pPr algn="ctr"/>
+                <a:endParaRPr lang="en-US" sz="2400" i="1" dirty="0">
+                  <a:latin typeface="Cambria Math" panose="02040503050406030204" pitchFamily="18" charset="0"/>
+                </a:endParaRPr>
+              </a:p>
+              <a:p>
+                <a:pPr/>
+                <a14:m>
+                  <m:oMathPara xmlns:m="http://schemas.openxmlformats.org/officeDocument/2006/math">
+                    <m:oMathParaPr>
+                      <m:jc m:val="centerGroup"/>
+                    </m:oMathParaPr>
+                    <m:oMath xmlns:m="http://schemas.openxmlformats.org/officeDocument/2006/math">
+                      <m:d>
+                        <m:dPr>
+                          <m:begChr m:val="["/>
+                          <m:endChr m:val="]"/>
+                          <m:ctrlPr>
+                            <a:rPr lang="en-US" sz="2400" i="1" smtClean="0">
+                              <a:latin typeface="Cambria Math" panose="02040503050406030204" pitchFamily="18" charset="0"/>
+                            </a:rPr>
+                          </m:ctrlPr>
+                        </m:dPr>
+                        <m:e>
+                          <m:m>
+                            <m:mPr>
+                              <m:mcs>
+                                <m:mc>
+                                  <m:mcPr>
+                                    <m:count m:val="5"/>
+                                    <m:mcJc m:val="center"/>
+                                  </m:mcPr>
+                                </m:mc>
+                              </m:mcs>
+                              <m:ctrlPr>
+                                <a:rPr lang="en-US" sz="2400" i="1" smtClean="0">
+                                  <a:latin typeface="Cambria Math" panose="02040503050406030204" pitchFamily="18" charset="0"/>
+                                </a:rPr>
+                              </m:ctrlPr>
+                            </m:mPr>
+                            <m:mr>
+                              <m:e>
+                                <m:r>
+                                  <m:rPr>
+                                    <m:brk m:alnAt="7"/>
+                                  </m:rPr>
+                                  <a:rPr lang="en-US" sz="2400" b="0" i="1" smtClean="0">
+                                    <a:latin typeface="Cambria Math" panose="02040503050406030204" pitchFamily="18" charset="0"/>
+                                  </a:rPr>
+                                  <m:t>−</m:t>
+                                </m:r>
+                                <m:r>
+                                  <a:rPr lang="en-US" sz="2400" b="0" i="1" smtClean="0">
+                                    <a:latin typeface="Cambria Math" panose="02040503050406030204" pitchFamily="18" charset="0"/>
+                                  </a:rPr>
+                                  <m:t>1</m:t>
+                                </m:r>
+                              </m:e>
+                              <m:e>
+                                <m:r>
+                                  <a:rPr lang="en-US" sz="2400" b="0" i="1" smtClean="0">
+                                    <a:latin typeface="Cambria Math" panose="02040503050406030204" pitchFamily="18" charset="0"/>
+                                  </a:rPr>
+                                  <m:t>−1</m:t>
+                                </m:r>
+                              </m:e>
+                              <m:e>
+                                <m:r>
+                                  <a:rPr lang="en-US" sz="2400" b="0" i="1" smtClean="0">
+                                    <a:latin typeface="Cambria Math" panose="02040503050406030204" pitchFamily="18" charset="0"/>
+                                  </a:rPr>
+                                  <m:t>−1</m:t>
+                                </m:r>
+                              </m:e>
+                              <m:e>
+                                <m:r>
+                                  <a:rPr lang="en-US" sz="2400" b="0" i="1" smtClean="0">
+                                    <a:latin typeface="Cambria Math" panose="02040503050406030204" pitchFamily="18" charset="0"/>
+                                  </a:rPr>
+                                  <m:t>−1</m:t>
+                                </m:r>
+                              </m:e>
+                              <m:e>
+                                <m:r>
+                                  <a:rPr lang="en-US" sz="2400" b="0" i="1" smtClean="0">
+                                    <a:latin typeface="Cambria Math" panose="02040503050406030204" pitchFamily="18" charset="0"/>
+                                  </a:rPr>
+                                  <m:t>−1</m:t>
+                                </m:r>
+                              </m:e>
+                            </m:mr>
+                            <m:mr>
+                              <m:e>
+                                <m:r>
+                                  <a:rPr lang="en-US" sz="2400" b="0" i="1" smtClean="0">
+                                    <a:latin typeface="Cambria Math" panose="02040503050406030204" pitchFamily="18" charset="0"/>
+                                  </a:rPr>
+                                  <m:t>−1</m:t>
+                                </m:r>
+                              </m:e>
+                              <m:e>
+                                <m:r>
+                                  <a:rPr lang="en-US" sz="2400" b="0" i="1" smtClean="0">
+                                    <a:latin typeface="Cambria Math" panose="02040503050406030204" pitchFamily="18" charset="0"/>
+                                  </a:rPr>
+                                  <m:t>−1</m:t>
+                                </m:r>
+                              </m:e>
+                              <m:e>
+                                <m:r>
+                                  <a:rPr lang="en-US" sz="2400" b="0" i="1" smtClean="0">
+                                    <a:latin typeface="Cambria Math" panose="02040503050406030204" pitchFamily="18" charset="0"/>
+                                  </a:rPr>
+                                  <m:t>−1</m:t>
+                                </m:r>
+                              </m:e>
+                              <m:e>
+                                <m:r>
+                                  <a:rPr lang="en-US" sz="2400" b="0" i="1" smtClean="0">
+                                    <a:latin typeface="Cambria Math" panose="02040503050406030204" pitchFamily="18" charset="0"/>
+                                  </a:rPr>
+                                  <m:t>−1</m:t>
+                                </m:r>
+                              </m:e>
+                              <m:e>
+                                <m:r>
+                                  <a:rPr lang="en-US" sz="2400" b="0" i="1" smtClean="0">
+                                    <a:latin typeface="Cambria Math" panose="02040503050406030204" pitchFamily="18" charset="0"/>
+                                  </a:rPr>
+                                  <m:t>−1</m:t>
+                                </m:r>
+                              </m:e>
+                            </m:mr>
+                            <m:mr>
+                              <m:e>
+                                <m:r>
+                                  <a:rPr lang="en-US" sz="2400" b="0" i="1" smtClean="0">
+                                    <a:latin typeface="Cambria Math" panose="02040503050406030204" pitchFamily="18" charset="0"/>
+                                  </a:rPr>
+                                  <m:t>62</m:t>
+                                </m:r>
+                              </m:e>
+                              <m:e>
+                                <m:r>
+                                  <a:rPr lang="en-US" sz="2400" b="0" i="1" smtClean="0">
+                                    <a:latin typeface="Cambria Math" panose="02040503050406030204" pitchFamily="18" charset="0"/>
+                                  </a:rPr>
+                                  <m:t>−1</m:t>
+                                </m:r>
+                              </m:e>
+                              <m:e>
+                                <m:r>
+                                  <a:rPr lang="en-US" sz="2400" b="0" i="1" smtClean="0">
+                                    <a:latin typeface="Cambria Math" panose="02040503050406030204" pitchFamily="18" charset="0"/>
+                                  </a:rPr>
+                                  <m:t>−1</m:t>
+                                </m:r>
+                              </m:e>
+                              <m:e>
+                                <m:r>
+                                  <a:rPr lang="en-US" sz="2400" b="0" i="1" smtClean="0">
+                                    <a:latin typeface="Cambria Math" panose="02040503050406030204" pitchFamily="18" charset="0"/>
+                                  </a:rPr>
+                                  <m:t>−1</m:t>
+                                </m:r>
+                              </m:e>
+                              <m:e>
+                                <m:r>
+                                  <a:rPr lang="en-US" sz="2400" b="0" i="1" smtClean="0">
+                                    <a:latin typeface="Cambria Math" panose="02040503050406030204" pitchFamily="18" charset="0"/>
+                                  </a:rPr>
+                                  <m:t>45</m:t>
+                                </m:r>
+                              </m:e>
+                            </m:mr>
+                            <m:mr>
+                              <m:e>
+                                <m:r>
+                                  <a:rPr lang="en-US" sz="2400" b="0" i="1" smtClean="0">
+                                    <a:latin typeface="Cambria Math" panose="02040503050406030204" pitchFamily="18" charset="0"/>
+                                  </a:rPr>
+                                  <m:t>−1</m:t>
+                                </m:r>
+                              </m:e>
+                              <m:e>
+                                <m:r>
+                                  <a:rPr lang="en-US" sz="2400" b="0" i="1" smtClean="0">
+                                    <a:latin typeface="Cambria Math" panose="02040503050406030204" pitchFamily="18" charset="0"/>
+                                  </a:rPr>
+                                  <m:t>47</m:t>
+                                </m:r>
+                              </m:e>
+                              <m:e>
+                                <m:r>
+                                  <a:rPr lang="en-US" sz="2400" b="0" i="1" smtClean="0">
+                                    <a:latin typeface="Cambria Math" panose="02040503050406030204" pitchFamily="18" charset="0"/>
+                                  </a:rPr>
+                                  <m:t>−1</m:t>
+                                </m:r>
+                              </m:e>
+                              <m:e>
+                                <m:r>
+                                  <a:rPr lang="en-US" sz="2400" b="0" i="1" smtClean="0">
+                                    <a:latin typeface="Cambria Math" panose="02040503050406030204" pitchFamily="18" charset="0"/>
+                                  </a:rPr>
+                                  <m:t>−1</m:t>
+                                </m:r>
+                              </m:e>
+                              <m:e>
+                                <m:r>
+                                  <a:rPr lang="en-US" sz="2400" b="0" i="1" smtClean="0">
+                                    <a:latin typeface="Cambria Math" panose="02040503050406030204" pitchFamily="18" charset="0"/>
+                                  </a:rPr>
+                                  <m:t>28</m:t>
+                                </m:r>
+                              </m:e>
+                            </m:mr>
+                            <m:mr>
+                              <m:e>
+                                <m:r>
+                                  <a:rPr lang="en-US" sz="2400" b="0" i="1" smtClean="0">
+                                    <a:solidFill>
+                                      <a:schemeClr val="accent3"/>
+                                    </a:solidFill>
+                                    <a:latin typeface="Cambria Math" panose="02040503050406030204" pitchFamily="18" charset="0"/>
+                                  </a:rPr>
+                                  <m:t>19</m:t>
+                                </m:r>
+                              </m:e>
+                              <m:e>
+                                <m:r>
+                                  <a:rPr lang="en-US" sz="2400" b="0" i="1" smtClean="0">
+                                    <a:latin typeface="Cambria Math" panose="02040503050406030204" pitchFamily="18" charset="0"/>
+                                  </a:rPr>
+                                  <m:t>28</m:t>
+                                </m:r>
+                              </m:e>
+                              <m:e>
+                                <m:r>
+                                  <a:rPr lang="en-US" sz="2400" b="0" i="1" smtClean="0">
+                                    <a:latin typeface="Cambria Math" panose="02040503050406030204" pitchFamily="18" charset="0"/>
+                                  </a:rPr>
+                                  <m:t>−1</m:t>
+                                </m:r>
+                              </m:e>
+                              <m:e>
+                                <m:r>
+                                  <a:rPr lang="en-US" sz="2400" b="0" i="1" smtClean="0">
+                                    <a:latin typeface="Cambria Math" panose="02040503050406030204" pitchFamily="18" charset="0"/>
+                                  </a:rPr>
+                                  <m:t>−1</m:t>
+                                </m:r>
+                              </m:e>
+                              <m:e>
+                                <m:r>
+                                  <a:rPr lang="en-US" sz="2400" b="0" i="1" smtClean="0">
+                                    <a:latin typeface="Cambria Math" panose="02040503050406030204" pitchFamily="18" charset="0"/>
+                                  </a:rPr>
+                                  <m:t>0</m:t>
+                                </m:r>
+                              </m:e>
+                            </m:mr>
+                          </m:m>
+                        </m:e>
+                      </m:d>
+                    </m:oMath>
+                  </m:oMathPara>
+                </a14:m>
+                <a:endParaRPr lang="en-US" sz="2400" dirty="0"/>
+              </a:p>
+            </p:txBody>
+          </p:sp>
+        </mc:Choice>
+        <mc:Fallback xmlns="">
+          <p:sp>
+            <p:nvSpPr>
+              <p:cNvPr id="4" name="TextBox 3">
+                <a:extLst>
+                  <a:ext uri="{FF2B5EF4-FFF2-40B4-BE49-F238E27FC236}">
+                    <a16:creationId xmlns:a16="http://schemas.microsoft.com/office/drawing/2014/main" id="{458E5A5F-9529-4644-B20B-EF42F5864083}"/>
+                  </a:ext>
+                </a:extLst>
+              </p:cNvPr>
+              <p:cNvSpPr txBox="1">
+                <a:spLocks noRot="1" noChangeAspect="1" noMove="1" noResize="1" noEditPoints="1" noAdjustHandles="1" noChangeArrowheads="1" noChangeShapeType="1" noTextEdit="1"/>
+              </p:cNvSpPr>
+              <p:nvPr/>
+            </p:nvSpPr>
+            <p:spPr>
+              <a:xfrm>
+                <a:off x="7309065" y="1880778"/>
+                <a:ext cx="3711914" cy="2561086"/>
+              </a:xfrm>
+              <a:prstGeom prst="rect">
+                <a:avLst/>
+              </a:prstGeom>
+              <a:blipFill>
+                <a:blip r:embed="rId3"/>
+                <a:stretch>
+                  <a:fillRect t="-1905"/>
+                </a:stretch>
+              </a:blipFill>
+            </p:spPr>
+            <p:txBody>
+              <a:bodyPr/>
+              <a:lstStyle/>
+              <a:p>
+                <a:r>
+                  <a:rPr lang="en-US">
+                    <a:noFill/>
+                  </a:rPr>
+                  <a:t> </a:t>
+                </a:r>
+              </a:p>
+            </p:txBody>
+          </p:sp>
+        </mc:Fallback>
+      </mc:AlternateContent>
+      <p:sp>
+        <p:nvSpPr>
+          <p:cNvPr id="2" name="Rectangle: Single Corner Snipped 1">
+            <a:extLst>
+              <a:ext uri="{FF2B5EF4-FFF2-40B4-BE49-F238E27FC236}">
+                <a16:creationId xmlns:a16="http://schemas.microsoft.com/office/drawing/2014/main" id="{C651361A-39D3-4D55-B93D-D8184D147F8D}"/>
+              </a:ext>
+            </a:extLst>
+          </p:cNvPr>
+          <p:cNvSpPr/>
+          <p:nvPr/>
+        </p:nvSpPr>
+        <p:spPr>
+          <a:xfrm rot="10800000">
+            <a:off x="6600497" y="624794"/>
+            <a:ext cx="5129048" cy="1088392"/>
+          </a:xfrm>
+          <a:prstGeom prst="snip1Rect">
+            <a:avLst>
+              <a:gd name="adj" fmla="val 50000"/>
+            </a:avLst>
+          </a:prstGeom>
+        </p:spPr>
+        <p:style>
+          <a:lnRef idx="2">
+            <a:schemeClr val="accent1">
+              <a:shade val="50000"/>
+            </a:schemeClr>
+          </a:lnRef>
+          <a:fillRef idx="1">
+            <a:schemeClr val="accent1"/>
+          </a:fillRef>
+          <a:effectRef idx="0">
+            <a:schemeClr val="accent1"/>
+          </a:effectRef>
+          <a:fontRef idx="minor">
+            <a:schemeClr val="lt1"/>
+          </a:fontRef>
+        </p:style>
+        <p:txBody>
+          <a:bodyPr rtlCol="0" anchor="ctr"/>
+          <a:lstStyle/>
+          <a:p>
+            <a:pPr algn="ctr"/>
+            <a:endParaRPr lang="en-US" dirty="0"/>
+          </a:p>
+        </p:txBody>
+      </p:sp>
+      <p:sp>
+        <p:nvSpPr>
+          <p:cNvPr id="7" name="Rectangle: Single Corner Snipped 6">
+            <a:extLst>
+              <a:ext uri="{FF2B5EF4-FFF2-40B4-BE49-F238E27FC236}">
+                <a16:creationId xmlns:a16="http://schemas.microsoft.com/office/drawing/2014/main" id="{5E889BB2-2F68-4DF9-93CD-7BF211C57AD2}"/>
+              </a:ext>
+            </a:extLst>
+          </p:cNvPr>
+          <p:cNvSpPr/>
+          <p:nvPr/>
+        </p:nvSpPr>
+        <p:spPr>
+          <a:xfrm flipH="1">
+            <a:off x="10634869" y="797036"/>
+            <a:ext cx="1123121" cy="1013800"/>
+          </a:xfrm>
+          <a:prstGeom prst="snip1Rect">
+            <a:avLst>
+              <a:gd name="adj" fmla="val 38041"/>
+            </a:avLst>
+          </a:prstGeom>
+          <a:solidFill>
+            <a:schemeClr val="bg1"/>
+          </a:solidFill>
+          <a:ln>
+            <a:noFill/>
+          </a:ln>
+        </p:spPr>
+        <p:style>
+          <a:lnRef idx="2">
+            <a:schemeClr val="accent1">
+              <a:shade val="50000"/>
+            </a:schemeClr>
+          </a:lnRef>
+          <a:fillRef idx="1">
+            <a:schemeClr val="accent1"/>
+          </a:fillRef>
+          <a:effectRef idx="0">
+            <a:schemeClr val="accent1"/>
+          </a:effectRef>
+          <a:fontRef idx="minor">
+            <a:schemeClr val="lt1"/>
+          </a:fontRef>
+        </p:style>
+        <p:txBody>
+          <a:bodyPr rtlCol="0" anchor="ctr"/>
+          <a:lstStyle/>
+          <a:p>
+            <a:pPr algn="ctr"/>
+            <a:r>
+              <a:rPr lang="en-US" sz="4400" dirty="0">
+                <a:solidFill>
+                  <a:schemeClr val="accent1"/>
+                </a:solidFill>
+                <a:latin typeface="Arial" panose="020B0604020202020204" pitchFamily="34" charset="0"/>
+                <a:cs typeface="Arial" panose="020B0604020202020204" pitchFamily="34" charset="0"/>
+              </a:rPr>
+              <a:t>17</a:t>
+            </a:r>
+          </a:p>
+        </p:txBody>
+      </p:sp>
+      <p:cxnSp>
+        <p:nvCxnSpPr>
+          <p:cNvPr id="9" name="Straight Connector 8">
+            <a:extLst>
+              <a:ext uri="{FF2B5EF4-FFF2-40B4-BE49-F238E27FC236}">
+                <a16:creationId xmlns:a16="http://schemas.microsoft.com/office/drawing/2014/main" id="{04586706-1C9E-4D25-95C7-42D44E5628DF}"/>
+              </a:ext>
+            </a:extLst>
+          </p:cNvPr>
+          <p:cNvCxnSpPr/>
+          <p:nvPr/>
+        </p:nvCxnSpPr>
+        <p:spPr>
+          <a:xfrm flipH="1">
+            <a:off x="6311348" y="4283765"/>
+            <a:ext cx="79513" cy="238539"/>
+          </a:xfrm>
+          <a:prstGeom prst="line">
+            <a:avLst/>
+          </a:prstGeom>
+        </p:spPr>
+        <p:style>
+          <a:lnRef idx="1">
+            <a:schemeClr val="accent1"/>
+          </a:lnRef>
+          <a:fillRef idx="0">
+            <a:schemeClr val="accent1"/>
+          </a:fillRef>
+          <a:effectRef idx="0">
+            <a:schemeClr val="accent1"/>
+          </a:effectRef>
+          <a:fontRef idx="minor">
+            <a:schemeClr val="tx1"/>
+          </a:fontRef>
+        </p:style>
+      </p:cxnSp>
+      <p:cxnSp>
+        <p:nvCxnSpPr>
+          <p:cNvPr id="10" name="Straight Connector 9">
+            <a:extLst>
+              <a:ext uri="{FF2B5EF4-FFF2-40B4-BE49-F238E27FC236}">
+                <a16:creationId xmlns:a16="http://schemas.microsoft.com/office/drawing/2014/main" id="{AEBCBEE0-4930-4848-9C2A-A4B828C05BAC}"/>
+              </a:ext>
+            </a:extLst>
+          </p:cNvPr>
+          <p:cNvCxnSpPr>
+            <a:cxnSpLocks/>
+          </p:cNvCxnSpPr>
+          <p:nvPr/>
+        </p:nvCxnSpPr>
+        <p:spPr>
+          <a:xfrm flipH="1">
+            <a:off x="3389243" y="3432312"/>
+            <a:ext cx="72890" cy="175592"/>
+          </a:xfrm>
+          <a:prstGeom prst="line">
+            <a:avLst/>
+          </a:prstGeom>
+        </p:spPr>
+        <p:style>
+          <a:lnRef idx="1">
+            <a:schemeClr val="accent1"/>
+          </a:lnRef>
+          <a:fillRef idx="0">
+            <a:schemeClr val="accent1"/>
+          </a:fillRef>
+          <a:effectRef idx="0">
+            <a:schemeClr val="accent1"/>
+          </a:effectRef>
+          <a:fontRef idx="minor">
+            <a:schemeClr val="tx1"/>
+          </a:fontRef>
+        </p:style>
+      </p:cxnSp>
+      <p:sp>
+        <p:nvSpPr>
+          <p:cNvPr id="11" name="Oval 10">
+            <a:extLst>
+              <a:ext uri="{FF2B5EF4-FFF2-40B4-BE49-F238E27FC236}">
+                <a16:creationId xmlns:a16="http://schemas.microsoft.com/office/drawing/2014/main" id="{7CFE6FEC-8E8F-4C66-B643-81C01D0968B3}"/>
+              </a:ext>
+            </a:extLst>
+          </p:cNvPr>
+          <p:cNvSpPr/>
+          <p:nvPr/>
+        </p:nvSpPr>
+        <p:spPr>
+          <a:xfrm>
+            <a:off x="2524217" y="1640293"/>
+            <a:ext cx="324998" cy="357809"/>
+          </a:xfrm>
+          <a:prstGeom prst="ellipse">
+            <a:avLst/>
+          </a:prstGeom>
+          <a:noFill/>
+          <a:ln>
+            <a:solidFill>
+              <a:schemeClr val="accent3"/>
+            </a:solidFill>
+          </a:ln>
+        </p:spPr>
+        <p:style>
+          <a:lnRef idx="2">
+            <a:schemeClr val="accent1">
+              <a:shade val="50000"/>
+            </a:schemeClr>
+          </a:lnRef>
+          <a:fillRef idx="1">
+            <a:schemeClr val="accent1"/>
+          </a:fillRef>
+          <a:effectRef idx="0">
+            <a:schemeClr val="accent1"/>
+          </a:effectRef>
+          <a:fontRef idx="minor">
+            <a:schemeClr val="lt1"/>
+          </a:fontRef>
+        </p:style>
+        <p:txBody>
+          <a:bodyPr rtlCol="0" anchor="ctr"/>
+          <a:lstStyle/>
+          <a:p>
+            <a:pPr algn="ctr"/>
+            <a:endParaRPr lang="en-US"/>
+          </a:p>
+        </p:txBody>
+      </p:sp>
+      <p:sp>
+        <p:nvSpPr>
+          <p:cNvPr id="13" name="Title 1">
+            <a:extLst>
+              <a:ext uri="{FF2B5EF4-FFF2-40B4-BE49-F238E27FC236}">
+                <a16:creationId xmlns:a16="http://schemas.microsoft.com/office/drawing/2014/main" id="{C8E8919C-1FA5-4436-9846-3999E4343239}"/>
+              </a:ext>
+            </a:extLst>
+          </p:cNvPr>
+          <p:cNvSpPr txBox="1">
+            <a:spLocks/>
+          </p:cNvSpPr>
+          <p:nvPr/>
+        </p:nvSpPr>
+        <p:spPr>
+          <a:xfrm rot="16200000">
+            <a:off x="5867398" y="-5580821"/>
+            <a:ext cx="457201" cy="11618844"/>
+          </a:xfrm>
+          <a:prstGeom prst="rect">
+            <a:avLst/>
+          </a:prstGeom>
+        </p:spPr>
+        <p:txBody>
+          <a:bodyPr vert="eaVert" lIns="91440" tIns="45720" rIns="91440" bIns="45720" rtlCol="0" anchor="b">
+            <a:noAutofit/>
+          </a:bodyPr>
+          <a:lstStyle>
+            <a:lvl1pPr algn="l" defTabSz="457200" rtl="0" eaLnBrk="1" latinLnBrk="0" hangingPunct="1">
+              <a:spcBef>
+                <a:spcPct val="0"/>
+              </a:spcBef>
+              <a:buNone/>
+              <a:defRPr sz="2800" b="0" kern="1200" cap="all">
+                <a:solidFill>
+                  <a:schemeClr val="bg1"/>
+                </a:solidFill>
+                <a:latin typeface="+mj-lt"/>
+                <a:ea typeface="+mj-ea"/>
+                <a:cs typeface="+mj-cs"/>
+              </a:defRPr>
+            </a:lvl1pPr>
+            <a:lvl2pPr eaLnBrk="1" hangingPunct="1">
+              <a:defRPr>
+                <a:solidFill>
+                  <a:schemeClr val="tx2"/>
+                </a:solidFill>
+              </a:defRPr>
+            </a:lvl2pPr>
+            <a:lvl3pPr eaLnBrk="1" hangingPunct="1">
+              <a:defRPr>
+                <a:solidFill>
+                  <a:schemeClr val="tx2"/>
+                </a:solidFill>
+              </a:defRPr>
+            </a:lvl3pPr>
+            <a:lvl4pPr eaLnBrk="1" hangingPunct="1">
+              <a:defRPr>
+                <a:solidFill>
+                  <a:schemeClr val="tx2"/>
+                </a:solidFill>
+              </a:defRPr>
+            </a:lvl4pPr>
+            <a:lvl5pPr eaLnBrk="1" hangingPunct="1">
+              <a:defRPr>
+                <a:solidFill>
+                  <a:schemeClr val="tx2"/>
+                </a:solidFill>
+              </a:defRPr>
+            </a:lvl5pPr>
+            <a:lvl6pPr eaLnBrk="1" hangingPunct="1">
+              <a:defRPr>
+                <a:solidFill>
+                  <a:schemeClr val="tx2"/>
+                </a:solidFill>
+              </a:defRPr>
+            </a:lvl6pPr>
+            <a:lvl7pPr eaLnBrk="1" hangingPunct="1">
+              <a:defRPr>
+                <a:solidFill>
+                  <a:schemeClr val="tx2"/>
+                </a:solidFill>
+              </a:defRPr>
+            </a:lvl7pPr>
+            <a:lvl8pPr eaLnBrk="1" hangingPunct="1">
+              <a:defRPr>
+                <a:solidFill>
+                  <a:schemeClr val="tx2"/>
+                </a:solidFill>
+              </a:defRPr>
+            </a:lvl8pPr>
+            <a:lvl9pPr eaLnBrk="1" hangingPunct="1">
+              <a:defRPr>
+                <a:solidFill>
+                  <a:schemeClr val="tx2"/>
+                </a:solidFill>
+              </a:defRPr>
+            </a:lvl9pPr>
+          </a:lstStyle>
+          <a:p>
+            <a:pPr algn="ctr"/>
+            <a:r>
+              <a:rPr lang="en-US" sz="2000" cap="none" dirty="0">
+                <a:solidFill>
+                  <a:schemeClr val="accent4"/>
+                </a:solidFill>
+              </a:rPr>
+              <a:t>Introducing TSP | Brute force solution | Best first search | Nearest neighbor</a:t>
+            </a:r>
+            <a:r>
+              <a:rPr lang="en-US" sz="2000" cap="none" dirty="0">
+                <a:solidFill>
+                  <a:schemeClr val="accent1"/>
+                </a:solidFill>
+              </a:rPr>
+              <a:t> </a:t>
+            </a:r>
+            <a:r>
+              <a:rPr lang="en-US" sz="2000" cap="none" dirty="0">
+                <a:solidFill>
+                  <a:schemeClr val="accent4"/>
+                </a:solidFill>
+              </a:rPr>
+              <a:t>| </a:t>
+            </a:r>
+            <a:r>
+              <a:rPr lang="en-US" sz="2000" cap="none" dirty="0">
+                <a:solidFill>
+                  <a:schemeClr val="accent1"/>
+                </a:solidFill>
+              </a:rPr>
+              <a:t>Greedy heuristic</a:t>
+            </a:r>
+            <a:r>
+              <a:rPr lang="en-US" sz="2000" cap="none" dirty="0">
+                <a:solidFill>
+                  <a:schemeClr val="accent4"/>
+                </a:solidFill>
+              </a:rPr>
+              <a:t> | Time analysis</a:t>
+            </a:r>
+          </a:p>
+        </p:txBody>
+      </p:sp>
+    </p:spTree>
+    <p:extLst>
+      <p:ext uri="{BB962C8B-B14F-4D97-AF65-F5344CB8AC3E}">
+        <p14:creationId xmlns:p14="http://schemas.microsoft.com/office/powerpoint/2010/main" val="241093716"/>
       </p:ext>
     </p:extLst>
   </p:cSld>
@@ -36235,802 +34656,6 @@
       </p:sp>
       <p:sp>
         <p:nvSpPr>
-          <p:cNvPr id="13" name="Title 1">
-            <a:extLst>
-              <a:ext uri="{FF2B5EF4-FFF2-40B4-BE49-F238E27FC236}">
-                <a16:creationId xmlns:a16="http://schemas.microsoft.com/office/drawing/2014/main" id="{C8E8919C-1FA5-4436-9846-3999E4343239}"/>
-              </a:ext>
-            </a:extLst>
-          </p:cNvPr>
-          <p:cNvSpPr txBox="1">
-            <a:spLocks/>
-          </p:cNvSpPr>
-          <p:nvPr/>
-        </p:nvSpPr>
-        <p:spPr>
-          <a:xfrm rot="16200000">
-            <a:off x="5867398" y="-5580821"/>
-            <a:ext cx="457201" cy="11618844"/>
-          </a:xfrm>
-          <a:prstGeom prst="rect">
-            <a:avLst/>
-          </a:prstGeom>
-        </p:spPr>
-        <p:txBody>
-          <a:bodyPr vert="eaVert" lIns="91440" tIns="45720" rIns="91440" bIns="45720" rtlCol="0" anchor="b">
-            <a:noAutofit/>
-          </a:bodyPr>
-          <a:lstStyle>
-            <a:lvl1pPr algn="l" defTabSz="457200" rtl="0" eaLnBrk="1" latinLnBrk="0" hangingPunct="1">
-              <a:spcBef>
-                <a:spcPct val="0"/>
-              </a:spcBef>
-              <a:buNone/>
-              <a:defRPr sz="2800" b="0" kern="1200" cap="all">
-                <a:solidFill>
-                  <a:schemeClr val="bg1"/>
-                </a:solidFill>
-                <a:latin typeface="+mj-lt"/>
-                <a:ea typeface="+mj-ea"/>
-                <a:cs typeface="+mj-cs"/>
-              </a:defRPr>
-            </a:lvl1pPr>
-            <a:lvl2pPr eaLnBrk="1" hangingPunct="1">
-              <a:defRPr>
-                <a:solidFill>
-                  <a:schemeClr val="tx2"/>
-                </a:solidFill>
-              </a:defRPr>
-            </a:lvl2pPr>
-            <a:lvl3pPr eaLnBrk="1" hangingPunct="1">
-              <a:defRPr>
-                <a:solidFill>
-                  <a:schemeClr val="tx2"/>
-                </a:solidFill>
-              </a:defRPr>
-            </a:lvl3pPr>
-            <a:lvl4pPr eaLnBrk="1" hangingPunct="1">
-              <a:defRPr>
-                <a:solidFill>
-                  <a:schemeClr val="tx2"/>
-                </a:solidFill>
-              </a:defRPr>
-            </a:lvl4pPr>
-            <a:lvl5pPr eaLnBrk="1" hangingPunct="1">
-              <a:defRPr>
-                <a:solidFill>
-                  <a:schemeClr val="tx2"/>
-                </a:solidFill>
-              </a:defRPr>
-            </a:lvl5pPr>
-            <a:lvl6pPr eaLnBrk="1" hangingPunct="1">
-              <a:defRPr>
-                <a:solidFill>
-                  <a:schemeClr val="tx2"/>
-                </a:solidFill>
-              </a:defRPr>
-            </a:lvl6pPr>
-            <a:lvl7pPr eaLnBrk="1" hangingPunct="1">
-              <a:defRPr>
-                <a:solidFill>
-                  <a:schemeClr val="tx2"/>
-                </a:solidFill>
-              </a:defRPr>
-            </a:lvl7pPr>
-            <a:lvl8pPr eaLnBrk="1" hangingPunct="1">
-              <a:defRPr>
-                <a:solidFill>
-                  <a:schemeClr val="tx2"/>
-                </a:solidFill>
-              </a:defRPr>
-            </a:lvl8pPr>
-            <a:lvl9pPr eaLnBrk="1" hangingPunct="1">
-              <a:defRPr>
-                <a:solidFill>
-                  <a:schemeClr val="tx2"/>
-                </a:solidFill>
-              </a:defRPr>
-            </a:lvl9pPr>
-          </a:lstStyle>
-          <a:p>
-            <a:pPr algn="ctr"/>
-            <a:r>
-              <a:rPr lang="en-US" sz="2000" cap="none" dirty="0">
-                <a:solidFill>
-                  <a:schemeClr val="accent4"/>
-                </a:solidFill>
-              </a:rPr>
-              <a:t>Introducing TSP | Brute force solution | Best first search | Nearest neighbor</a:t>
-            </a:r>
-            <a:r>
-              <a:rPr lang="en-US" sz="2000" cap="none" dirty="0">
-                <a:solidFill>
-                  <a:schemeClr val="accent1"/>
-                </a:solidFill>
-              </a:rPr>
-              <a:t> </a:t>
-            </a:r>
-            <a:r>
-              <a:rPr lang="en-US" sz="2000" cap="none" dirty="0">
-                <a:solidFill>
-                  <a:schemeClr val="accent4"/>
-                </a:solidFill>
-              </a:rPr>
-              <a:t>| </a:t>
-            </a:r>
-            <a:r>
-              <a:rPr lang="en-US" sz="2000" cap="none" dirty="0">
-                <a:solidFill>
-                  <a:schemeClr val="accent1"/>
-                </a:solidFill>
-              </a:rPr>
-              <a:t>Greedy heuristic</a:t>
-            </a:r>
-            <a:r>
-              <a:rPr lang="en-US" sz="2000" cap="none" dirty="0">
-                <a:solidFill>
-                  <a:schemeClr val="accent4"/>
-                </a:solidFill>
-              </a:rPr>
-              <a:t> | Time analysis</a:t>
-            </a:r>
-          </a:p>
-        </p:txBody>
-      </p:sp>
-    </p:spTree>
-    <p:extLst>
-      <p:ext uri="{BB962C8B-B14F-4D97-AF65-F5344CB8AC3E}">
-        <p14:creationId xmlns:p14="http://schemas.microsoft.com/office/powerpoint/2010/main" val="241093716"/>
-      </p:ext>
-    </p:extLst>
-  </p:cSld>
-  <p:clrMapOvr>
-    <a:masterClrMapping/>
-  </p:clrMapOvr>
-</p:sld>
-</file>
-
-<file path=ppt/slides/slide41.xml><?xml version="1.0" encoding="utf-8"?>
-<p:sld xmlns:a="http://schemas.openxmlformats.org/drawingml/2006/main" xmlns:r="http://schemas.openxmlformats.org/officeDocument/2006/relationships" xmlns:p="http://schemas.openxmlformats.org/presentationml/2006/main">
-  <p:cSld>
-    <p:spTree>
-      <p:nvGrpSpPr>
-        <p:cNvPr id="1" name=""/>
-        <p:cNvGrpSpPr/>
-        <p:nvPr/>
-      </p:nvGrpSpPr>
-      <p:grpSpPr>
-        <a:xfrm>
-          <a:off x="0" y="0"/>
-          <a:ext cx="0" cy="0"/>
-          <a:chOff x="0" y="0"/>
-          <a:chExt cx="0" cy="0"/>
-        </a:xfrm>
-      </p:grpSpPr>
-      <p:pic>
-        <p:nvPicPr>
-          <p:cNvPr id="3" name="Picture 2">
-            <a:extLst>
-              <a:ext uri="{FF2B5EF4-FFF2-40B4-BE49-F238E27FC236}">
-                <a16:creationId xmlns:a16="http://schemas.microsoft.com/office/drawing/2014/main" id="{0EC504C2-249B-4775-A5F6-FCC8691524A6}"/>
-              </a:ext>
-            </a:extLst>
-          </p:cNvPr>
-          <p:cNvPicPr>
-            <a:picLocks noChangeAspect="1"/>
-          </p:cNvPicPr>
-          <p:nvPr/>
-        </p:nvPicPr>
-        <p:blipFill>
-          <a:blip r:embed="rId2"/>
-          <a:stretch>
-            <a:fillRect/>
-          </a:stretch>
-        </p:blipFill>
-        <p:spPr>
-          <a:xfrm>
-            <a:off x="924339" y="592578"/>
-            <a:ext cx="6224782" cy="5731730"/>
-          </a:xfrm>
-          <a:prstGeom prst="rect">
-            <a:avLst/>
-          </a:prstGeom>
-        </p:spPr>
-      </p:pic>
-      <mc:AlternateContent xmlns:mc="http://schemas.openxmlformats.org/markup-compatibility/2006" xmlns:a14="http://schemas.microsoft.com/office/drawing/2010/main">
-        <mc:Choice Requires="a14">
-          <p:sp>
-            <p:nvSpPr>
-              <p:cNvPr id="4" name="TextBox 3">
-                <a:extLst>
-                  <a:ext uri="{FF2B5EF4-FFF2-40B4-BE49-F238E27FC236}">
-                    <a16:creationId xmlns:a16="http://schemas.microsoft.com/office/drawing/2014/main" id="{458E5A5F-9529-4644-B20B-EF42F5864083}"/>
-                  </a:ext>
-                </a:extLst>
-              </p:cNvPr>
-              <p:cNvSpPr txBox="1"/>
-              <p:nvPr/>
-            </p:nvSpPr>
-            <p:spPr>
-              <a:xfrm>
-                <a:off x="7309065" y="1880778"/>
-                <a:ext cx="3711914" cy="2561086"/>
-              </a:xfrm>
-              <a:prstGeom prst="rect">
-                <a:avLst/>
-              </a:prstGeom>
-              <a:noFill/>
-            </p:spPr>
-            <p:txBody>
-              <a:bodyPr wrap="none" rtlCol="0">
-                <a:spAutoFit/>
-              </a:bodyPr>
-              <a:lstStyle/>
-              <a:p>
-                <a:pPr algn="ctr"/>
-                <a:r>
-                  <a:rPr lang="en-US" sz="2400" dirty="0"/>
-                  <a:t>Adjacency matrix</a:t>
-                </a:r>
-              </a:p>
-              <a:p>
-                <a:pPr algn="ctr"/>
-                <a:endParaRPr lang="en-US" sz="2400" i="1" dirty="0">
-                  <a:latin typeface="Cambria Math" panose="02040503050406030204" pitchFamily="18" charset="0"/>
-                </a:endParaRPr>
-              </a:p>
-              <a:p>
-                <a:pPr/>
-                <a14:m>
-                  <m:oMathPara xmlns:m="http://schemas.openxmlformats.org/officeDocument/2006/math">
-                    <m:oMathParaPr>
-                      <m:jc m:val="centerGroup"/>
-                    </m:oMathParaPr>
-                    <m:oMath xmlns:m="http://schemas.openxmlformats.org/officeDocument/2006/math">
-                      <m:d>
-                        <m:dPr>
-                          <m:begChr m:val="["/>
-                          <m:endChr m:val="]"/>
-                          <m:ctrlPr>
-                            <a:rPr lang="en-US" sz="2400" i="1" smtClean="0">
-                              <a:latin typeface="Cambria Math" panose="02040503050406030204" pitchFamily="18" charset="0"/>
-                            </a:rPr>
-                          </m:ctrlPr>
-                        </m:dPr>
-                        <m:e>
-                          <m:m>
-                            <m:mPr>
-                              <m:mcs>
-                                <m:mc>
-                                  <m:mcPr>
-                                    <m:count m:val="5"/>
-                                    <m:mcJc m:val="center"/>
-                                  </m:mcPr>
-                                </m:mc>
-                              </m:mcs>
-                              <m:ctrlPr>
-                                <a:rPr lang="en-US" sz="2400" i="1" smtClean="0">
-                                  <a:latin typeface="Cambria Math" panose="02040503050406030204" pitchFamily="18" charset="0"/>
-                                </a:rPr>
-                              </m:ctrlPr>
-                            </m:mPr>
-                            <m:mr>
-                              <m:e>
-                                <m:r>
-                                  <m:rPr>
-                                    <m:brk m:alnAt="7"/>
-                                  </m:rPr>
-                                  <a:rPr lang="en-US" sz="2400" b="0" i="1" smtClean="0">
-                                    <a:latin typeface="Cambria Math" panose="02040503050406030204" pitchFamily="18" charset="0"/>
-                                  </a:rPr>
-                                  <m:t>−</m:t>
-                                </m:r>
-                                <m:r>
-                                  <a:rPr lang="en-US" sz="2400" b="0" i="1" smtClean="0">
-                                    <a:latin typeface="Cambria Math" panose="02040503050406030204" pitchFamily="18" charset="0"/>
-                                  </a:rPr>
-                                  <m:t>1</m:t>
-                                </m:r>
-                              </m:e>
-                              <m:e>
-                                <m:r>
-                                  <a:rPr lang="en-US" sz="2400" b="0" i="1" smtClean="0">
-                                    <a:latin typeface="Cambria Math" panose="02040503050406030204" pitchFamily="18" charset="0"/>
-                                  </a:rPr>
-                                  <m:t>−1</m:t>
-                                </m:r>
-                              </m:e>
-                              <m:e>
-                                <m:r>
-                                  <a:rPr lang="en-US" sz="2400" b="0" i="1" smtClean="0">
-                                    <a:latin typeface="Cambria Math" panose="02040503050406030204" pitchFamily="18" charset="0"/>
-                                  </a:rPr>
-                                  <m:t>−1</m:t>
-                                </m:r>
-                              </m:e>
-                              <m:e>
-                                <m:r>
-                                  <a:rPr lang="en-US" sz="2400" b="0" i="1" smtClean="0">
-                                    <a:latin typeface="Cambria Math" panose="02040503050406030204" pitchFamily="18" charset="0"/>
-                                  </a:rPr>
-                                  <m:t>−1</m:t>
-                                </m:r>
-                              </m:e>
-                              <m:e>
-                                <m:r>
-                                  <a:rPr lang="en-US" sz="2400" b="0" i="1" smtClean="0">
-                                    <a:latin typeface="Cambria Math" panose="02040503050406030204" pitchFamily="18" charset="0"/>
-                                  </a:rPr>
-                                  <m:t>−1</m:t>
-                                </m:r>
-                              </m:e>
-                            </m:mr>
-                            <m:mr>
-                              <m:e>
-                                <m:r>
-                                  <a:rPr lang="en-US" sz="2400" b="0" i="1" smtClean="0">
-                                    <a:latin typeface="Cambria Math" panose="02040503050406030204" pitchFamily="18" charset="0"/>
-                                  </a:rPr>
-                                  <m:t>−1</m:t>
-                                </m:r>
-                              </m:e>
-                              <m:e>
-                                <m:r>
-                                  <a:rPr lang="en-US" sz="2400" b="0" i="1" smtClean="0">
-                                    <a:latin typeface="Cambria Math" panose="02040503050406030204" pitchFamily="18" charset="0"/>
-                                  </a:rPr>
-                                  <m:t>−1</m:t>
-                                </m:r>
-                              </m:e>
-                              <m:e>
-                                <m:r>
-                                  <a:rPr lang="en-US" sz="2400" b="0" i="1" smtClean="0">
-                                    <a:latin typeface="Cambria Math" panose="02040503050406030204" pitchFamily="18" charset="0"/>
-                                  </a:rPr>
-                                  <m:t>−1</m:t>
-                                </m:r>
-                              </m:e>
-                              <m:e>
-                                <m:r>
-                                  <a:rPr lang="en-US" sz="2400" b="0" i="1" smtClean="0">
-                                    <a:latin typeface="Cambria Math" panose="02040503050406030204" pitchFamily="18" charset="0"/>
-                                  </a:rPr>
-                                  <m:t>−1</m:t>
-                                </m:r>
-                              </m:e>
-                              <m:e>
-                                <m:r>
-                                  <a:rPr lang="en-US" sz="2400" b="0" i="1" smtClean="0">
-                                    <a:latin typeface="Cambria Math" panose="02040503050406030204" pitchFamily="18" charset="0"/>
-                                  </a:rPr>
-                                  <m:t>−1</m:t>
-                                </m:r>
-                              </m:e>
-                            </m:mr>
-                            <m:mr>
-                              <m:e>
-                                <m:r>
-                                  <a:rPr lang="en-US" sz="2400" b="0" i="1" smtClean="0">
-                                    <a:latin typeface="Cambria Math" panose="02040503050406030204" pitchFamily="18" charset="0"/>
-                                  </a:rPr>
-                                  <m:t>62</m:t>
-                                </m:r>
-                              </m:e>
-                              <m:e>
-                                <m:r>
-                                  <a:rPr lang="en-US" sz="2400" b="0" i="1" smtClean="0">
-                                    <a:latin typeface="Cambria Math" panose="02040503050406030204" pitchFamily="18" charset="0"/>
-                                  </a:rPr>
-                                  <m:t>−1</m:t>
-                                </m:r>
-                              </m:e>
-                              <m:e>
-                                <m:r>
-                                  <a:rPr lang="en-US" sz="2400" b="0" i="1" smtClean="0">
-                                    <a:latin typeface="Cambria Math" panose="02040503050406030204" pitchFamily="18" charset="0"/>
-                                  </a:rPr>
-                                  <m:t>−1</m:t>
-                                </m:r>
-                              </m:e>
-                              <m:e>
-                                <m:r>
-                                  <a:rPr lang="en-US" sz="2400" b="0" i="1" smtClean="0">
-                                    <a:latin typeface="Cambria Math" panose="02040503050406030204" pitchFamily="18" charset="0"/>
-                                  </a:rPr>
-                                  <m:t>−1</m:t>
-                                </m:r>
-                              </m:e>
-                              <m:e>
-                                <m:r>
-                                  <a:rPr lang="en-US" sz="2400" b="0" i="1" smtClean="0">
-                                    <a:latin typeface="Cambria Math" panose="02040503050406030204" pitchFamily="18" charset="0"/>
-                                  </a:rPr>
-                                  <m:t>45</m:t>
-                                </m:r>
-                              </m:e>
-                            </m:mr>
-                            <m:mr>
-                              <m:e>
-                                <m:r>
-                                  <a:rPr lang="en-US" sz="2400" b="0" i="1" smtClean="0">
-                                    <a:latin typeface="Cambria Math" panose="02040503050406030204" pitchFamily="18" charset="0"/>
-                                  </a:rPr>
-                                  <m:t>−1</m:t>
-                                </m:r>
-                              </m:e>
-                              <m:e>
-                                <m:r>
-                                  <a:rPr lang="en-US" sz="2400" b="0" i="1" smtClean="0">
-                                    <a:latin typeface="Cambria Math" panose="02040503050406030204" pitchFamily="18" charset="0"/>
-                                  </a:rPr>
-                                  <m:t>47</m:t>
-                                </m:r>
-                              </m:e>
-                              <m:e>
-                                <m:r>
-                                  <a:rPr lang="en-US" sz="2400" b="0" i="1" smtClean="0">
-                                    <a:latin typeface="Cambria Math" panose="02040503050406030204" pitchFamily="18" charset="0"/>
-                                  </a:rPr>
-                                  <m:t>−1</m:t>
-                                </m:r>
-                              </m:e>
-                              <m:e>
-                                <m:r>
-                                  <a:rPr lang="en-US" sz="2400" b="0" i="1" smtClean="0">
-                                    <a:latin typeface="Cambria Math" panose="02040503050406030204" pitchFamily="18" charset="0"/>
-                                  </a:rPr>
-                                  <m:t>−1</m:t>
-                                </m:r>
-                              </m:e>
-                              <m:e>
-                                <m:r>
-                                  <a:rPr lang="en-US" sz="2400" b="0" i="1" smtClean="0">
-                                    <a:latin typeface="Cambria Math" panose="02040503050406030204" pitchFamily="18" charset="0"/>
-                                  </a:rPr>
-                                  <m:t>28</m:t>
-                                </m:r>
-                              </m:e>
-                            </m:mr>
-                            <m:mr>
-                              <m:e>
-                                <m:r>
-                                  <a:rPr lang="en-US" sz="2400" b="0" i="1" smtClean="0">
-                                    <a:solidFill>
-                                      <a:schemeClr val="accent3"/>
-                                    </a:solidFill>
-                                    <a:latin typeface="Cambria Math" panose="02040503050406030204" pitchFamily="18" charset="0"/>
-                                  </a:rPr>
-                                  <m:t>19</m:t>
-                                </m:r>
-                              </m:e>
-                              <m:e>
-                                <m:r>
-                                  <a:rPr lang="en-US" sz="2400" b="0" i="1" smtClean="0">
-                                    <a:latin typeface="Cambria Math" panose="02040503050406030204" pitchFamily="18" charset="0"/>
-                                  </a:rPr>
-                                  <m:t>28</m:t>
-                                </m:r>
-                              </m:e>
-                              <m:e>
-                                <m:r>
-                                  <a:rPr lang="en-US" sz="2400" b="0" i="1" smtClean="0">
-                                    <a:latin typeface="Cambria Math" panose="02040503050406030204" pitchFamily="18" charset="0"/>
-                                  </a:rPr>
-                                  <m:t>−1</m:t>
-                                </m:r>
-                              </m:e>
-                              <m:e>
-                                <m:r>
-                                  <a:rPr lang="en-US" sz="2400" b="0" i="1" smtClean="0">
-                                    <a:latin typeface="Cambria Math" panose="02040503050406030204" pitchFamily="18" charset="0"/>
-                                  </a:rPr>
-                                  <m:t>−1</m:t>
-                                </m:r>
-                              </m:e>
-                              <m:e>
-                                <m:r>
-                                  <a:rPr lang="en-US" sz="2400" b="0" i="1" smtClean="0">
-                                    <a:latin typeface="Cambria Math" panose="02040503050406030204" pitchFamily="18" charset="0"/>
-                                  </a:rPr>
-                                  <m:t>0</m:t>
-                                </m:r>
-                              </m:e>
-                            </m:mr>
-                          </m:m>
-                        </m:e>
-                      </m:d>
-                    </m:oMath>
-                  </m:oMathPara>
-                </a14:m>
-                <a:endParaRPr lang="en-US" sz="2400" dirty="0"/>
-              </a:p>
-            </p:txBody>
-          </p:sp>
-        </mc:Choice>
-        <mc:Fallback xmlns="">
-          <p:sp>
-            <p:nvSpPr>
-              <p:cNvPr id="4" name="TextBox 3">
-                <a:extLst>
-                  <a:ext uri="{FF2B5EF4-FFF2-40B4-BE49-F238E27FC236}">
-                    <a16:creationId xmlns:a16="http://schemas.microsoft.com/office/drawing/2014/main" id="{458E5A5F-9529-4644-B20B-EF42F5864083}"/>
-                  </a:ext>
-                </a:extLst>
-              </p:cNvPr>
-              <p:cNvSpPr txBox="1">
-                <a:spLocks noRot="1" noChangeAspect="1" noMove="1" noResize="1" noEditPoints="1" noAdjustHandles="1" noChangeArrowheads="1" noChangeShapeType="1" noTextEdit="1"/>
-              </p:cNvSpPr>
-              <p:nvPr/>
-            </p:nvSpPr>
-            <p:spPr>
-              <a:xfrm>
-                <a:off x="7309065" y="1880778"/>
-                <a:ext cx="3711914" cy="2561086"/>
-              </a:xfrm>
-              <a:prstGeom prst="rect">
-                <a:avLst/>
-              </a:prstGeom>
-              <a:blipFill>
-                <a:blip r:embed="rId3"/>
-                <a:stretch>
-                  <a:fillRect t="-1905"/>
-                </a:stretch>
-              </a:blipFill>
-            </p:spPr>
-            <p:txBody>
-              <a:bodyPr/>
-              <a:lstStyle/>
-              <a:p>
-                <a:r>
-                  <a:rPr lang="en-US">
-                    <a:noFill/>
-                  </a:rPr>
-                  <a:t> </a:t>
-                </a:r>
-              </a:p>
-            </p:txBody>
-          </p:sp>
-        </mc:Fallback>
-      </mc:AlternateContent>
-      <p:sp>
-        <p:nvSpPr>
-          <p:cNvPr id="2" name="Rectangle: Single Corner Snipped 1">
-            <a:extLst>
-              <a:ext uri="{FF2B5EF4-FFF2-40B4-BE49-F238E27FC236}">
-                <a16:creationId xmlns:a16="http://schemas.microsoft.com/office/drawing/2014/main" id="{C651361A-39D3-4D55-B93D-D8184D147F8D}"/>
-              </a:ext>
-            </a:extLst>
-          </p:cNvPr>
-          <p:cNvSpPr/>
-          <p:nvPr/>
-        </p:nvSpPr>
-        <p:spPr>
-          <a:xfrm rot="10800000">
-            <a:off x="6600497" y="624794"/>
-            <a:ext cx="5129048" cy="1088392"/>
-          </a:xfrm>
-          <a:prstGeom prst="snip1Rect">
-            <a:avLst>
-              <a:gd name="adj" fmla="val 50000"/>
-            </a:avLst>
-          </a:prstGeom>
-        </p:spPr>
-        <p:style>
-          <a:lnRef idx="2">
-            <a:schemeClr val="accent1">
-              <a:shade val="50000"/>
-            </a:schemeClr>
-          </a:lnRef>
-          <a:fillRef idx="1">
-            <a:schemeClr val="accent1"/>
-          </a:fillRef>
-          <a:effectRef idx="0">
-            <a:schemeClr val="accent1"/>
-          </a:effectRef>
-          <a:fontRef idx="minor">
-            <a:schemeClr val="lt1"/>
-          </a:fontRef>
-        </p:style>
-        <p:txBody>
-          <a:bodyPr rtlCol="0" anchor="ctr"/>
-          <a:lstStyle/>
-          <a:p>
-            <a:pPr algn="ctr"/>
-            <a:endParaRPr lang="en-US" dirty="0"/>
-          </a:p>
-        </p:txBody>
-      </p:sp>
-      <p:sp>
-        <p:nvSpPr>
-          <p:cNvPr id="7" name="Rectangle: Single Corner Snipped 6">
-            <a:extLst>
-              <a:ext uri="{FF2B5EF4-FFF2-40B4-BE49-F238E27FC236}">
-                <a16:creationId xmlns:a16="http://schemas.microsoft.com/office/drawing/2014/main" id="{5E889BB2-2F68-4DF9-93CD-7BF211C57AD2}"/>
-              </a:ext>
-            </a:extLst>
-          </p:cNvPr>
-          <p:cNvSpPr/>
-          <p:nvPr/>
-        </p:nvSpPr>
-        <p:spPr>
-          <a:xfrm flipH="1">
-            <a:off x="10634869" y="797036"/>
-            <a:ext cx="1123121" cy="1013800"/>
-          </a:xfrm>
-          <a:prstGeom prst="snip1Rect">
-            <a:avLst>
-              <a:gd name="adj" fmla="val 38041"/>
-            </a:avLst>
-          </a:prstGeom>
-          <a:solidFill>
-            <a:schemeClr val="bg1"/>
-          </a:solidFill>
-          <a:ln>
-            <a:noFill/>
-          </a:ln>
-        </p:spPr>
-        <p:style>
-          <a:lnRef idx="2">
-            <a:schemeClr val="accent1">
-              <a:shade val="50000"/>
-            </a:schemeClr>
-          </a:lnRef>
-          <a:fillRef idx="1">
-            <a:schemeClr val="accent1"/>
-          </a:fillRef>
-          <a:effectRef idx="0">
-            <a:schemeClr val="accent1"/>
-          </a:effectRef>
-          <a:fontRef idx="minor">
-            <a:schemeClr val="lt1"/>
-          </a:fontRef>
-        </p:style>
-        <p:txBody>
-          <a:bodyPr rtlCol="0" anchor="ctr"/>
-          <a:lstStyle/>
-          <a:p>
-            <a:pPr algn="ctr"/>
-            <a:r>
-              <a:rPr lang="en-US" sz="4400" dirty="0">
-                <a:solidFill>
-                  <a:schemeClr val="accent1"/>
-                </a:solidFill>
-                <a:latin typeface="Arial" panose="020B0604020202020204" pitchFamily="34" charset="0"/>
-                <a:cs typeface="Arial" panose="020B0604020202020204" pitchFamily="34" charset="0"/>
-              </a:rPr>
-              <a:t>17</a:t>
-            </a:r>
-          </a:p>
-        </p:txBody>
-      </p:sp>
-      <p:cxnSp>
-        <p:nvCxnSpPr>
-          <p:cNvPr id="9" name="Straight Connector 8">
-            <a:extLst>
-              <a:ext uri="{FF2B5EF4-FFF2-40B4-BE49-F238E27FC236}">
-                <a16:creationId xmlns:a16="http://schemas.microsoft.com/office/drawing/2014/main" id="{04586706-1C9E-4D25-95C7-42D44E5628DF}"/>
-              </a:ext>
-            </a:extLst>
-          </p:cNvPr>
-          <p:cNvCxnSpPr/>
-          <p:nvPr/>
-        </p:nvCxnSpPr>
-        <p:spPr>
-          <a:xfrm flipH="1">
-            <a:off x="6311348" y="4283765"/>
-            <a:ext cx="79513" cy="238539"/>
-          </a:xfrm>
-          <a:prstGeom prst="line">
-            <a:avLst/>
-          </a:prstGeom>
-        </p:spPr>
-        <p:style>
-          <a:lnRef idx="1">
-            <a:schemeClr val="accent1"/>
-          </a:lnRef>
-          <a:fillRef idx="0">
-            <a:schemeClr val="accent1"/>
-          </a:fillRef>
-          <a:effectRef idx="0">
-            <a:schemeClr val="accent1"/>
-          </a:effectRef>
-          <a:fontRef idx="minor">
-            <a:schemeClr val="tx1"/>
-          </a:fontRef>
-        </p:style>
-      </p:cxnSp>
-      <p:cxnSp>
-        <p:nvCxnSpPr>
-          <p:cNvPr id="10" name="Straight Connector 9">
-            <a:extLst>
-              <a:ext uri="{FF2B5EF4-FFF2-40B4-BE49-F238E27FC236}">
-                <a16:creationId xmlns:a16="http://schemas.microsoft.com/office/drawing/2014/main" id="{AEBCBEE0-4930-4848-9C2A-A4B828C05BAC}"/>
-              </a:ext>
-            </a:extLst>
-          </p:cNvPr>
-          <p:cNvCxnSpPr>
-            <a:cxnSpLocks/>
-          </p:cNvCxnSpPr>
-          <p:nvPr/>
-        </p:nvCxnSpPr>
-        <p:spPr>
-          <a:xfrm flipH="1">
-            <a:off x="3389243" y="3432312"/>
-            <a:ext cx="72890" cy="175592"/>
-          </a:xfrm>
-          <a:prstGeom prst="line">
-            <a:avLst/>
-          </a:prstGeom>
-        </p:spPr>
-        <p:style>
-          <a:lnRef idx="1">
-            <a:schemeClr val="accent1"/>
-          </a:lnRef>
-          <a:fillRef idx="0">
-            <a:schemeClr val="accent1"/>
-          </a:fillRef>
-          <a:effectRef idx="0">
-            <a:schemeClr val="accent1"/>
-          </a:effectRef>
-          <a:fontRef idx="minor">
-            <a:schemeClr val="tx1"/>
-          </a:fontRef>
-        </p:style>
-      </p:cxnSp>
-      <p:sp>
-        <p:nvSpPr>
-          <p:cNvPr id="11" name="Oval 10">
-            <a:extLst>
-              <a:ext uri="{FF2B5EF4-FFF2-40B4-BE49-F238E27FC236}">
-                <a16:creationId xmlns:a16="http://schemas.microsoft.com/office/drawing/2014/main" id="{7CFE6FEC-8E8F-4C66-B643-81C01D0968B3}"/>
-              </a:ext>
-            </a:extLst>
-          </p:cNvPr>
-          <p:cNvSpPr/>
-          <p:nvPr/>
-        </p:nvSpPr>
-        <p:spPr>
-          <a:xfrm>
-            <a:off x="2524217" y="1640293"/>
-            <a:ext cx="324998" cy="357809"/>
-          </a:xfrm>
-          <a:prstGeom prst="ellipse">
-            <a:avLst/>
-          </a:prstGeom>
-          <a:noFill/>
-          <a:ln>
-            <a:solidFill>
-              <a:schemeClr val="accent3"/>
-            </a:solidFill>
-          </a:ln>
-        </p:spPr>
-        <p:style>
-          <a:lnRef idx="2">
-            <a:schemeClr val="accent1">
-              <a:shade val="50000"/>
-            </a:schemeClr>
-          </a:lnRef>
-          <a:fillRef idx="1">
-            <a:schemeClr val="accent1"/>
-          </a:fillRef>
-          <a:effectRef idx="0">
-            <a:schemeClr val="accent1"/>
-          </a:effectRef>
-          <a:fontRef idx="minor">
-            <a:schemeClr val="lt1"/>
-          </a:fontRef>
-        </p:style>
-        <p:txBody>
-          <a:bodyPr rtlCol="0" anchor="ctr"/>
-          <a:lstStyle/>
-          <a:p>
-            <a:pPr algn="ctr"/>
-            <a:endParaRPr lang="en-US"/>
-          </a:p>
-        </p:txBody>
-      </p:sp>
-      <p:sp>
-        <p:nvSpPr>
           <p:cNvPr id="12" name="Oval 11">
             <a:extLst>
               <a:ext uri="{FF2B5EF4-FFF2-40B4-BE49-F238E27FC236}">
@@ -37478,7 +35103,7 @@
 </p:sld>
 </file>
 
-<file path=ppt/slides/slide42.xml><?xml version="1.0" encoding="utf-8"?>
+<file path=ppt/slides/slide41.xml><?xml version="1.0" encoding="utf-8"?>
 <p:sld xmlns:a="http://schemas.openxmlformats.org/drawingml/2006/main" xmlns:r="http://schemas.openxmlformats.org/officeDocument/2006/relationships" xmlns:p="http://schemas.openxmlformats.org/presentationml/2006/main">
   <p:cSld>
     <p:spTree>
@@ -38361,7 +35986,7 @@
 </p:sld>
 </file>
 
-<file path=ppt/slides/slide43.xml><?xml version="1.0" encoding="utf-8"?>
+<file path=ppt/slides/slide42.xml><?xml version="1.0" encoding="utf-8"?>
 <p:sld xmlns:a="http://schemas.openxmlformats.org/drawingml/2006/main" xmlns:r="http://schemas.openxmlformats.org/officeDocument/2006/relationships" xmlns:p="http://schemas.openxmlformats.org/presentationml/2006/main">
   <p:cSld>
     <p:spTree>
@@ -38718,7 +36343,7 @@
 </p:sld>
 </file>
 
-<file path=ppt/slides/slide44.xml><?xml version="1.0" encoding="utf-8"?>
+<file path=ppt/slides/slide43.xml><?xml version="1.0" encoding="utf-8"?>
 <p:sld xmlns:a="http://schemas.openxmlformats.org/drawingml/2006/main" xmlns:r="http://schemas.openxmlformats.org/officeDocument/2006/relationships" xmlns:p="http://schemas.openxmlformats.org/presentationml/2006/main">
   <p:cSld>
     <p:spTree>
@@ -39035,7 +36660,7 @@
 </p:sld>
 </file>
 
-<file path=ppt/slides/slide45.xml><?xml version="1.0" encoding="utf-8"?>
+<file path=ppt/slides/slide44.xml><?xml version="1.0" encoding="utf-8"?>
 <p:sld xmlns:a="http://schemas.openxmlformats.org/drawingml/2006/main" xmlns:r="http://schemas.openxmlformats.org/officeDocument/2006/relationships" xmlns:p="http://schemas.openxmlformats.org/presentationml/2006/main">
   <p:cSld>
     <p:spTree>
@@ -39357,7 +36982,7 @@
 </p:sld>
 </file>
 
-<file path=ppt/slides/slide46.xml><?xml version="1.0" encoding="utf-8"?>
+<file path=ppt/slides/slide45.xml><?xml version="1.0" encoding="utf-8"?>
 <p:sld xmlns:a="http://schemas.openxmlformats.org/drawingml/2006/main" xmlns:r="http://schemas.openxmlformats.org/officeDocument/2006/relationships" xmlns:p="http://schemas.openxmlformats.org/presentationml/2006/main">
   <p:cSld>
     <p:spTree>
@@ -43997,7 +41622,7 @@
 </p:sld>
 </file>
 
-<file path=ppt/slides/slide47.xml><?xml version="1.0" encoding="utf-8"?>
+<file path=ppt/slides/slide46.xml><?xml version="1.0" encoding="utf-8"?>
 <p:sld xmlns:a="http://schemas.openxmlformats.org/drawingml/2006/main" xmlns:r="http://schemas.openxmlformats.org/officeDocument/2006/relationships" xmlns:p="http://schemas.openxmlformats.org/presentationml/2006/main">
   <p:cSld>
     <p:spTree>
@@ -44550,7 +42175,7 @@
 </p:sld>
 </file>
 
-<file path=ppt/slides/slide48.xml><?xml version="1.0" encoding="utf-8"?>
+<file path=ppt/slides/slide47.xml><?xml version="1.0" encoding="utf-8"?>
 <p:sld xmlns:a="http://schemas.openxmlformats.org/drawingml/2006/main" xmlns:r="http://schemas.openxmlformats.org/officeDocument/2006/relationships" xmlns:p="http://schemas.openxmlformats.org/presentationml/2006/main">
   <p:cSld>
     <p:spTree>
@@ -44809,7 +42434,7 @@
 </p:sld>
 </file>
 
-<file path=ppt/slides/slide49.xml><?xml version="1.0" encoding="utf-8"?>
+<file path=ppt/slides/slide48.xml><?xml version="1.0" encoding="utf-8"?>
 <p:sld xmlns:a="http://schemas.openxmlformats.org/drawingml/2006/main" xmlns:r="http://schemas.openxmlformats.org/officeDocument/2006/relationships" xmlns:p="http://schemas.openxmlformats.org/presentationml/2006/main">
   <p:cSld>
     <p:spTree>
@@ -45362,325 +42987,7 @@
 </p:sld>
 </file>
 
-<file path=ppt/slides/slide5.xml><?xml version="1.0" encoding="utf-8"?>
-<p:sld xmlns:a="http://schemas.openxmlformats.org/drawingml/2006/main" xmlns:r="http://schemas.openxmlformats.org/officeDocument/2006/relationships" xmlns:p="http://schemas.openxmlformats.org/presentationml/2006/main">
-  <p:cSld>
-    <p:spTree>
-      <p:nvGrpSpPr>
-        <p:cNvPr id="1" name=""/>
-        <p:cNvGrpSpPr/>
-        <p:nvPr/>
-      </p:nvGrpSpPr>
-      <p:grpSpPr>
-        <a:xfrm>
-          <a:off x="0" y="0"/>
-          <a:ext cx="0" cy="0"/>
-          <a:chOff x="0" y="0"/>
-          <a:chExt cx="0" cy="0"/>
-        </a:xfrm>
-      </p:grpSpPr>
-      <p:sp>
-        <p:nvSpPr>
-          <p:cNvPr id="2" name="Title 1">
-            <a:extLst>
-              <a:ext uri="{FF2B5EF4-FFF2-40B4-BE49-F238E27FC236}">
-                <a16:creationId xmlns:a16="http://schemas.microsoft.com/office/drawing/2014/main" id="{0A9D0D09-583E-4CAE-A5AF-B4CF0B5B4A32}"/>
-              </a:ext>
-            </a:extLst>
-          </p:cNvPr>
-          <p:cNvSpPr>
-            <a:spLocks noGrp="1"/>
-          </p:cNvSpPr>
-          <p:nvPr>
-            <p:ph type="title"/>
-          </p:nvPr>
-        </p:nvSpPr>
-        <p:spPr/>
-        <p:txBody>
-          <a:bodyPr/>
-          <a:lstStyle/>
-          <a:p>
-            <a:r>
-              <a:rPr lang="en-US" dirty="0"/>
-              <a:t>Brute force solution</a:t>
-            </a:r>
-          </a:p>
-        </p:txBody>
-      </p:sp>
-      <p:sp>
-        <p:nvSpPr>
-          <p:cNvPr id="3" name="Content Placeholder 2">
-            <a:extLst>
-              <a:ext uri="{FF2B5EF4-FFF2-40B4-BE49-F238E27FC236}">
-                <a16:creationId xmlns:a16="http://schemas.microsoft.com/office/drawing/2014/main" id="{2F107E67-1CF9-4A9F-B9FC-C3DF9370D891}"/>
-              </a:ext>
-            </a:extLst>
-          </p:cNvPr>
-          <p:cNvSpPr>
-            <a:spLocks noGrp="1"/>
-          </p:cNvSpPr>
-          <p:nvPr>
-            <p:ph idx="1"/>
-          </p:nvPr>
-        </p:nvSpPr>
-        <p:spPr/>
-        <p:txBody>
-          <a:bodyPr>
-            <a:normAutofit/>
-          </a:bodyPr>
-          <a:lstStyle/>
-          <a:p>
-            <a:pPr>
-              <a:lnSpc>
-                <a:spcPct val="150000"/>
-              </a:lnSpc>
-            </a:pPr>
-            <a:r>
-              <a:rPr lang="en-US" sz="2800" dirty="0"/>
-              <a:t>Enumerate every single possible Hamiltonian cycle</a:t>
-            </a:r>
-          </a:p>
-          <a:p>
-            <a:pPr>
-              <a:lnSpc>
-                <a:spcPct val="150000"/>
-              </a:lnSpc>
-            </a:pPr>
-            <a:r>
-              <a:rPr lang="en-US" sz="2800" dirty="0"/>
-              <a:t>Pick the one with the shortest total cost</a:t>
-            </a:r>
-          </a:p>
-          <a:p>
-            <a:pPr>
-              <a:lnSpc>
-                <a:spcPct val="150000"/>
-              </a:lnSpc>
-            </a:pPr>
-            <a:r>
-              <a:rPr lang="en-US" sz="2800" dirty="0"/>
-              <a:t>O(n!) – Chose from </a:t>
-            </a:r>
-            <a:r>
-              <a:rPr lang="en-US" sz="2800" i="1" dirty="0" err="1"/>
-              <a:t>i</a:t>
-            </a:r>
-            <a:r>
-              <a:rPr lang="en-US" sz="2800" i="1" dirty="0"/>
-              <a:t> </a:t>
-            </a:r>
-            <a:r>
-              <a:rPr lang="en-US" sz="2800" dirty="0"/>
-              <a:t>– 1 edges for every choice (n ∙ n-1 ∙ n-2 ∙ … ∙ 1)</a:t>
-            </a:r>
-          </a:p>
-        </p:txBody>
-      </p:sp>
-      <p:sp>
-        <p:nvSpPr>
-          <p:cNvPr id="9" name="Title 1">
-            <a:extLst>
-              <a:ext uri="{FF2B5EF4-FFF2-40B4-BE49-F238E27FC236}">
-                <a16:creationId xmlns:a16="http://schemas.microsoft.com/office/drawing/2014/main" id="{6B0855FA-22EF-44EB-9A0F-50131232A039}"/>
-              </a:ext>
-            </a:extLst>
-          </p:cNvPr>
-          <p:cNvSpPr txBox="1">
-            <a:spLocks/>
-          </p:cNvSpPr>
-          <p:nvPr/>
-        </p:nvSpPr>
-        <p:spPr>
-          <a:xfrm rot="16200000">
-            <a:off x="5867398" y="-5580821"/>
-            <a:ext cx="457201" cy="11618844"/>
-          </a:xfrm>
-          <a:prstGeom prst="rect">
-            <a:avLst/>
-          </a:prstGeom>
-        </p:spPr>
-        <p:txBody>
-          <a:bodyPr vert="eaVert" lIns="91440" tIns="45720" rIns="91440" bIns="45720" rtlCol="0" anchor="b">
-            <a:noAutofit/>
-          </a:bodyPr>
-          <a:lstStyle>
-            <a:lvl1pPr algn="l" defTabSz="457200" rtl="0" eaLnBrk="1" latinLnBrk="0" hangingPunct="1">
-              <a:spcBef>
-                <a:spcPct val="0"/>
-              </a:spcBef>
-              <a:buNone/>
-              <a:defRPr sz="2800" b="0" kern="1200" cap="all">
-                <a:solidFill>
-                  <a:schemeClr val="bg1"/>
-                </a:solidFill>
-                <a:latin typeface="+mj-lt"/>
-                <a:ea typeface="+mj-ea"/>
-                <a:cs typeface="+mj-cs"/>
-              </a:defRPr>
-            </a:lvl1pPr>
-            <a:lvl2pPr eaLnBrk="1" hangingPunct="1">
-              <a:defRPr>
-                <a:solidFill>
-                  <a:schemeClr val="tx2"/>
-                </a:solidFill>
-              </a:defRPr>
-            </a:lvl2pPr>
-            <a:lvl3pPr eaLnBrk="1" hangingPunct="1">
-              <a:defRPr>
-                <a:solidFill>
-                  <a:schemeClr val="tx2"/>
-                </a:solidFill>
-              </a:defRPr>
-            </a:lvl3pPr>
-            <a:lvl4pPr eaLnBrk="1" hangingPunct="1">
-              <a:defRPr>
-                <a:solidFill>
-                  <a:schemeClr val="tx2"/>
-                </a:solidFill>
-              </a:defRPr>
-            </a:lvl4pPr>
-            <a:lvl5pPr eaLnBrk="1" hangingPunct="1">
-              <a:defRPr>
-                <a:solidFill>
-                  <a:schemeClr val="tx2"/>
-                </a:solidFill>
-              </a:defRPr>
-            </a:lvl5pPr>
-            <a:lvl6pPr eaLnBrk="1" hangingPunct="1">
-              <a:defRPr>
-                <a:solidFill>
-                  <a:schemeClr val="tx2"/>
-                </a:solidFill>
-              </a:defRPr>
-            </a:lvl6pPr>
-            <a:lvl7pPr eaLnBrk="1" hangingPunct="1">
-              <a:defRPr>
-                <a:solidFill>
-                  <a:schemeClr val="tx2"/>
-                </a:solidFill>
-              </a:defRPr>
-            </a:lvl7pPr>
-            <a:lvl8pPr eaLnBrk="1" hangingPunct="1">
-              <a:defRPr>
-                <a:solidFill>
-                  <a:schemeClr val="tx2"/>
-                </a:solidFill>
-              </a:defRPr>
-            </a:lvl8pPr>
-            <a:lvl9pPr eaLnBrk="1" hangingPunct="1">
-              <a:defRPr>
-                <a:solidFill>
-                  <a:schemeClr val="tx2"/>
-                </a:solidFill>
-              </a:defRPr>
-            </a:lvl9pPr>
-          </a:lstStyle>
-          <a:p>
-            <a:pPr algn="ctr"/>
-            <a:r>
-              <a:rPr lang="en-US" sz="2000" cap="none" dirty="0">
-                <a:solidFill>
-                  <a:schemeClr val="accent4"/>
-                </a:solidFill>
-              </a:rPr>
-              <a:t>Introducing TSP | </a:t>
-            </a:r>
-            <a:r>
-              <a:rPr lang="en-US" sz="2000" cap="none" dirty="0">
-                <a:solidFill>
-                  <a:schemeClr val="accent1"/>
-                </a:solidFill>
-              </a:rPr>
-              <a:t>Brute force solution </a:t>
-            </a:r>
-            <a:r>
-              <a:rPr lang="en-US" sz="2000" cap="none" dirty="0">
-                <a:solidFill>
-                  <a:schemeClr val="accent4"/>
-                </a:solidFill>
-              </a:rPr>
-              <a:t>| Best first search | Nearest neighbor | Greedy heuristic | Time analysis</a:t>
-            </a:r>
-          </a:p>
-        </p:txBody>
-      </p:sp>
-      <p:sp>
-        <p:nvSpPr>
-          <p:cNvPr id="5" name="Rectangle: Single Corner Snipped 4">
-            <a:extLst>
-              <a:ext uri="{FF2B5EF4-FFF2-40B4-BE49-F238E27FC236}">
-                <a16:creationId xmlns:a16="http://schemas.microsoft.com/office/drawing/2014/main" id="{766AFB4F-3DC0-457D-8D0C-265EB4B430ED}"/>
-              </a:ext>
-            </a:extLst>
-          </p:cNvPr>
-          <p:cNvSpPr/>
-          <p:nvPr/>
-        </p:nvSpPr>
-        <p:spPr>
-          <a:xfrm flipH="1">
-            <a:off x="10634869" y="797036"/>
-            <a:ext cx="1123121" cy="1013800"/>
-          </a:xfrm>
-          <a:prstGeom prst="snip1Rect">
-            <a:avLst>
-              <a:gd name="adj" fmla="val 38041"/>
-            </a:avLst>
-          </a:prstGeom>
-          <a:solidFill>
-            <a:schemeClr val="bg1"/>
-          </a:solidFill>
-          <a:ln>
-            <a:noFill/>
-          </a:ln>
-        </p:spPr>
-        <p:style>
-          <a:lnRef idx="2">
-            <a:schemeClr val="accent1">
-              <a:shade val="50000"/>
-            </a:schemeClr>
-          </a:lnRef>
-          <a:fillRef idx="1">
-            <a:schemeClr val="accent1"/>
-          </a:fillRef>
-          <a:effectRef idx="0">
-            <a:schemeClr val="accent1"/>
-          </a:effectRef>
-          <a:fontRef idx="minor">
-            <a:schemeClr val="lt1"/>
-          </a:fontRef>
-        </p:style>
-        <p:txBody>
-          <a:bodyPr rtlCol="0" anchor="ctr"/>
-          <a:lstStyle/>
-          <a:p>
-            <a:pPr algn="ctr"/>
-            <a:r>
-              <a:rPr lang="en-US" sz="4400" dirty="0">
-                <a:solidFill>
-                  <a:schemeClr val="accent1"/>
-                </a:solidFill>
-                <a:latin typeface="Arial" panose="020B0604020202020204" pitchFamily="34" charset="0"/>
-                <a:cs typeface="Arial" panose="020B0604020202020204" pitchFamily="34" charset="0"/>
-              </a:rPr>
-              <a:t>4</a:t>
-            </a:r>
-          </a:p>
-        </p:txBody>
-      </p:sp>
-    </p:spTree>
-    <p:extLst>
-      <p:ext uri="{BB962C8B-B14F-4D97-AF65-F5344CB8AC3E}">
-        <p14:creationId xmlns:p14="http://schemas.microsoft.com/office/powerpoint/2010/main" val="3377192083"/>
-      </p:ext>
-    </p:extLst>
-  </p:cSld>
-  <p:clrMapOvr>
-    <a:masterClrMapping/>
-  </p:clrMapOvr>
-</p:sld>
-</file>
-
-<file path=ppt/slides/slide50.xml><?xml version="1.0" encoding="utf-8"?>
+<file path=ppt/slides/slide49.xml><?xml version="1.0" encoding="utf-8"?>
 <p:sld xmlns:a="http://schemas.openxmlformats.org/drawingml/2006/main" xmlns:r="http://schemas.openxmlformats.org/officeDocument/2006/relationships" xmlns:p="http://schemas.openxmlformats.org/presentationml/2006/main">
   <p:cSld>
     <p:spTree>
@@ -45725,8 +43032,8 @@
           </a:p>
         </p:txBody>
       </p:sp>
-      <mc:AlternateContent xmlns:mc="http://schemas.openxmlformats.org/markup-compatibility/2006">
-        <mc:Choice xmlns:a14="http://schemas.microsoft.com/office/drawing/2010/main" Requires="a14">
+      <mc:AlternateContent xmlns:mc="http://schemas.openxmlformats.org/markup-compatibility/2006" xmlns:a14="http://schemas.microsoft.com/office/drawing/2010/main">
+        <mc:Choice Requires="a14">
           <p:sp>
             <p:nvSpPr>
               <p:cNvPr id="3" name="Content Placeholder 2">
@@ -45806,7 +43113,9 @@
                     <m:f>
                       <m:fPr>
                         <m:ctrlPr>
-                          <a:rPr lang="en-US" sz="3200" i="1"/>
+                          <a:rPr lang="en-US" sz="3200" i="1">
+                            <a:latin typeface="Cambria Math" panose="02040503050406030204" pitchFamily="18" charset="0"/>
+                          </a:rPr>
                         </m:ctrlPr>
                       </m:fPr>
                       <m:num>
@@ -45815,22 +43124,30 @@
                             <m:chr m:val="∑"/>
                             <m:limLoc m:val="undOvr"/>
                             <m:ctrlPr>
-                              <a:rPr lang="en-US" sz="3200" i="1"/>
+                              <a:rPr lang="en-US" sz="3200" i="1">
+                                <a:latin typeface="Cambria Math" panose="02040503050406030204" pitchFamily="18" charset="0"/>
+                              </a:rPr>
                             </m:ctrlPr>
                           </m:naryPr>
                           <m:sub>
                             <m:r>
-                              <a:rPr lang="en-US" sz="3200" i="1"/>
+                              <a:rPr lang="en-US" sz="3200" i="1">
+                                <a:latin typeface="Cambria Math" panose="02040503050406030204" pitchFamily="18" charset="0"/>
+                              </a:rPr>
                               <m:t>𝑖</m:t>
                             </m:r>
                             <m:r>
-                              <a:rPr lang="en-US" sz="3200" i="1"/>
+                              <a:rPr lang="en-US" sz="3200" i="1">
+                                <a:latin typeface="Cambria Math" panose="02040503050406030204" pitchFamily="18" charset="0"/>
+                              </a:rPr>
                               <m:t>=1</m:t>
                             </m:r>
                           </m:sub>
                           <m:sup>
                             <m:r>
-                              <a:rPr lang="en-US" sz="3200" i="1"/>
+                              <a:rPr lang="en-US" sz="3200" i="1">
+                                <a:latin typeface="Cambria Math" panose="02040503050406030204" pitchFamily="18" charset="0"/>
+                              </a:rPr>
                               <m:t>5</m:t>
                             </m:r>
                           </m:sup>
@@ -45838,40 +43155,54 @@
                             <m:d>
                               <m:dPr>
                                 <m:ctrlPr>
-                                  <a:rPr lang="en-US" sz="3200" i="1"/>
+                                  <a:rPr lang="en-US" sz="3200" i="1">
+                                    <a:latin typeface="Cambria Math" panose="02040503050406030204" pitchFamily="18" charset="0"/>
+                                  </a:rPr>
                                 </m:ctrlPr>
                               </m:dPr>
                               <m:e>
                                 <m:f>
                                   <m:fPr>
                                     <m:ctrlPr>
-                                      <a:rPr lang="en-US" sz="3200" i="1"/>
+                                      <a:rPr lang="en-US" sz="3200" i="1">
+                                        <a:latin typeface="Cambria Math" panose="02040503050406030204" pitchFamily="18" charset="0"/>
+                                      </a:rPr>
                                     </m:ctrlPr>
                                   </m:fPr>
                                   <m:num>
                                     <m:sSub>
                                       <m:sSubPr>
                                         <m:ctrlPr>
-                                          <a:rPr lang="en-US" sz="3200" i="1"/>
+                                          <a:rPr lang="en-US" sz="3200" i="1">
+                                            <a:latin typeface="Cambria Math" panose="02040503050406030204" pitchFamily="18" charset="0"/>
+                                          </a:rPr>
                                         </m:ctrlPr>
                                       </m:sSubPr>
                                       <m:e>
                                         <m:r>
-                                          <a:rPr lang="en-US" sz="3200" i="1"/>
+                                          <a:rPr lang="en-US" sz="3200" i="1">
+                                            <a:latin typeface="Cambria Math" panose="02040503050406030204" pitchFamily="18" charset="0"/>
+                                          </a:rPr>
                                           <m:t>𝑐</m:t>
                                         </m:r>
                                       </m:e>
                                       <m:sub>
                                         <m:r>
-                                          <a:rPr lang="en-US" sz="3200" i="1"/>
+                                          <a:rPr lang="en-US" sz="3200" i="1">
+                                            <a:latin typeface="Cambria Math" panose="02040503050406030204" pitchFamily="18" charset="0"/>
+                                          </a:rPr>
                                           <m:t>𝑎𝑝𝑝𝑟𝑜𝑥</m:t>
                                         </m:r>
                                         <m:r>
-                                          <a:rPr lang="en-US" sz="3200" i="1"/>
+                                          <a:rPr lang="en-US" sz="3200" i="1">
+                                            <a:latin typeface="Cambria Math" panose="02040503050406030204" pitchFamily="18" charset="0"/>
+                                          </a:rPr>
                                           <m:t>, </m:t>
                                         </m:r>
                                         <m:r>
-                                          <a:rPr lang="en-US" sz="3200" i="1"/>
+                                          <a:rPr lang="en-US" sz="3200" i="1">
+                                            <a:latin typeface="Cambria Math" panose="02040503050406030204" pitchFamily="18" charset="0"/>
+                                          </a:rPr>
                                           <m:t>𝑖</m:t>
                                         </m:r>
                                       </m:sub>
@@ -45883,7 +43214,9 @@
                                       <m:t> </m:t>
                                     </m:r>
                                     <m:r>
-                                      <a:rPr lang="en-US" sz="3200" i="1"/>
+                                      <a:rPr lang="en-US" sz="3200" i="1">
+                                        <a:latin typeface="Cambria Math" panose="02040503050406030204" pitchFamily="18" charset="0"/>
+                                      </a:rPr>
                                       <m:t>−</m:t>
                                     </m:r>
                                     <m:r>
@@ -45895,26 +43228,36 @@
                                     <m:sSub>
                                       <m:sSubPr>
                                         <m:ctrlPr>
-                                          <a:rPr lang="en-US" sz="3200" i="1"/>
+                                          <a:rPr lang="en-US" sz="3200" i="1">
+                                            <a:latin typeface="Cambria Math" panose="02040503050406030204" pitchFamily="18" charset="0"/>
+                                          </a:rPr>
                                         </m:ctrlPr>
                                       </m:sSubPr>
                                       <m:e>
                                         <m:r>
-                                          <a:rPr lang="en-US" sz="3200" i="1"/>
+                                          <a:rPr lang="en-US" sz="3200" i="1">
+                                            <a:latin typeface="Cambria Math" panose="02040503050406030204" pitchFamily="18" charset="0"/>
+                                          </a:rPr>
                                           <m:t>𝑐</m:t>
                                         </m:r>
                                       </m:e>
                                       <m:sub>
                                         <m:r>
-                                          <a:rPr lang="en-US" sz="3200" i="1"/>
+                                          <a:rPr lang="en-US" sz="3200" i="1">
+                                            <a:latin typeface="Cambria Math" panose="02040503050406030204" pitchFamily="18" charset="0"/>
+                                          </a:rPr>
                                           <m:t>𝑒𝑥𝑎𝑐𝑡</m:t>
                                         </m:r>
                                         <m:r>
-                                          <a:rPr lang="en-US" sz="3200" i="1"/>
+                                          <a:rPr lang="en-US" sz="3200" i="1">
+                                            <a:latin typeface="Cambria Math" panose="02040503050406030204" pitchFamily="18" charset="0"/>
+                                          </a:rPr>
                                           <m:t>, </m:t>
                                         </m:r>
                                         <m:r>
-                                          <a:rPr lang="en-US" sz="3200" i="1"/>
+                                          <a:rPr lang="en-US" sz="3200" i="1">
+                                            <a:latin typeface="Cambria Math" panose="02040503050406030204" pitchFamily="18" charset="0"/>
+                                          </a:rPr>
                                           <m:t>𝑖</m:t>
                                         </m:r>
                                       </m:sub>
@@ -45924,26 +43267,36 @@
                                     <m:sSub>
                                       <m:sSubPr>
                                         <m:ctrlPr>
-                                          <a:rPr lang="en-US" sz="3200" i="1"/>
+                                          <a:rPr lang="en-US" sz="3200" i="1">
+                                            <a:latin typeface="Cambria Math" panose="02040503050406030204" pitchFamily="18" charset="0"/>
+                                          </a:rPr>
                                         </m:ctrlPr>
                                       </m:sSubPr>
                                       <m:e>
                                         <m:r>
-                                          <a:rPr lang="en-US" sz="3200" i="1"/>
+                                          <a:rPr lang="en-US" sz="3200" i="1">
+                                            <a:latin typeface="Cambria Math" panose="02040503050406030204" pitchFamily="18" charset="0"/>
+                                          </a:rPr>
                                           <m:t>𝑐</m:t>
                                         </m:r>
                                       </m:e>
                                       <m:sub>
                                         <m:r>
-                                          <a:rPr lang="en-US" sz="3200" i="1"/>
+                                          <a:rPr lang="en-US" sz="3200" i="1">
+                                            <a:latin typeface="Cambria Math" panose="02040503050406030204" pitchFamily="18" charset="0"/>
+                                          </a:rPr>
                                           <m:t>𝑒𝑥𝑎𝑐𝑡</m:t>
                                         </m:r>
                                         <m:r>
-                                          <a:rPr lang="en-US" sz="3200" i="1"/>
+                                          <a:rPr lang="en-US" sz="3200" i="1">
+                                            <a:latin typeface="Cambria Math" panose="02040503050406030204" pitchFamily="18" charset="0"/>
+                                          </a:rPr>
                                           <m:t>, </m:t>
                                         </m:r>
                                         <m:r>
-                                          <a:rPr lang="en-US" sz="3200" i="1"/>
+                                          <a:rPr lang="en-US" sz="3200" i="1">
+                                            <a:latin typeface="Cambria Math" panose="02040503050406030204" pitchFamily="18" charset="0"/>
+                                          </a:rPr>
                                           <m:t>𝑖</m:t>
                                         </m:r>
                                       </m:sub>
@@ -45957,7 +43310,9 @@
                       </m:num>
                       <m:den>
                         <m:r>
-                          <a:rPr lang="en-US" sz="3200" i="1"/>
+                          <a:rPr lang="en-US" sz="3200" i="1">
+                            <a:latin typeface="Cambria Math" panose="02040503050406030204" pitchFamily="18" charset="0"/>
+                          </a:rPr>
                           <m:t>5</m:t>
                         </m:r>
                       </m:den>
@@ -45999,7 +43354,7 @@
             </p:txBody>
           </p:sp>
         </mc:Choice>
-        <mc:Fallback>
+        <mc:Fallback xmlns="">
           <p:sp>
             <p:nvSpPr>
               <p:cNvPr id="3" name="Content Placeholder 2">
@@ -46255,7 +43610,325 @@
 </p:sld>
 </file>
 
-<file path=ppt/slides/slide51.xml><?xml version="1.0" encoding="utf-8"?>
+<file path=ppt/slides/slide5.xml><?xml version="1.0" encoding="utf-8"?>
+<p:sld xmlns:a="http://schemas.openxmlformats.org/drawingml/2006/main" xmlns:r="http://schemas.openxmlformats.org/officeDocument/2006/relationships" xmlns:p="http://schemas.openxmlformats.org/presentationml/2006/main">
+  <p:cSld>
+    <p:spTree>
+      <p:nvGrpSpPr>
+        <p:cNvPr id="1" name=""/>
+        <p:cNvGrpSpPr/>
+        <p:nvPr/>
+      </p:nvGrpSpPr>
+      <p:grpSpPr>
+        <a:xfrm>
+          <a:off x="0" y="0"/>
+          <a:ext cx="0" cy="0"/>
+          <a:chOff x="0" y="0"/>
+          <a:chExt cx="0" cy="0"/>
+        </a:xfrm>
+      </p:grpSpPr>
+      <p:sp>
+        <p:nvSpPr>
+          <p:cNvPr id="2" name="Title 1">
+            <a:extLst>
+              <a:ext uri="{FF2B5EF4-FFF2-40B4-BE49-F238E27FC236}">
+                <a16:creationId xmlns:a16="http://schemas.microsoft.com/office/drawing/2014/main" id="{0A9D0D09-583E-4CAE-A5AF-B4CF0B5B4A32}"/>
+              </a:ext>
+            </a:extLst>
+          </p:cNvPr>
+          <p:cNvSpPr>
+            <a:spLocks noGrp="1"/>
+          </p:cNvSpPr>
+          <p:nvPr>
+            <p:ph type="title"/>
+          </p:nvPr>
+        </p:nvSpPr>
+        <p:spPr/>
+        <p:txBody>
+          <a:bodyPr/>
+          <a:lstStyle/>
+          <a:p>
+            <a:r>
+              <a:rPr lang="en-US" dirty="0"/>
+              <a:t>Brute force solution</a:t>
+            </a:r>
+          </a:p>
+        </p:txBody>
+      </p:sp>
+      <p:sp>
+        <p:nvSpPr>
+          <p:cNvPr id="3" name="Content Placeholder 2">
+            <a:extLst>
+              <a:ext uri="{FF2B5EF4-FFF2-40B4-BE49-F238E27FC236}">
+                <a16:creationId xmlns:a16="http://schemas.microsoft.com/office/drawing/2014/main" id="{2F107E67-1CF9-4A9F-B9FC-C3DF9370D891}"/>
+              </a:ext>
+            </a:extLst>
+          </p:cNvPr>
+          <p:cNvSpPr>
+            <a:spLocks noGrp="1"/>
+          </p:cNvSpPr>
+          <p:nvPr>
+            <p:ph idx="1"/>
+          </p:nvPr>
+        </p:nvSpPr>
+        <p:spPr/>
+        <p:txBody>
+          <a:bodyPr>
+            <a:normAutofit/>
+          </a:bodyPr>
+          <a:lstStyle/>
+          <a:p>
+            <a:pPr>
+              <a:lnSpc>
+                <a:spcPct val="150000"/>
+              </a:lnSpc>
+            </a:pPr>
+            <a:r>
+              <a:rPr lang="en-US" sz="2800" dirty="0"/>
+              <a:t>Enumerate every single possible Hamiltonian cycle</a:t>
+            </a:r>
+          </a:p>
+          <a:p>
+            <a:pPr>
+              <a:lnSpc>
+                <a:spcPct val="150000"/>
+              </a:lnSpc>
+            </a:pPr>
+            <a:r>
+              <a:rPr lang="en-US" sz="2800" dirty="0"/>
+              <a:t>Pick the one with the shortest total cost</a:t>
+            </a:r>
+          </a:p>
+          <a:p>
+            <a:pPr>
+              <a:lnSpc>
+                <a:spcPct val="150000"/>
+              </a:lnSpc>
+            </a:pPr>
+            <a:r>
+              <a:rPr lang="en-US" sz="2800" dirty="0"/>
+              <a:t>O(n!) – Chose from </a:t>
+            </a:r>
+            <a:r>
+              <a:rPr lang="en-US" sz="2800" i="1" dirty="0" err="1"/>
+              <a:t>i</a:t>
+            </a:r>
+            <a:r>
+              <a:rPr lang="en-US" sz="2800" i="1" dirty="0"/>
+              <a:t> </a:t>
+            </a:r>
+            <a:r>
+              <a:rPr lang="en-US" sz="2800" dirty="0"/>
+              <a:t>– 1 edges for every choice (n ∙ n-1 ∙ n-2 ∙ … ∙ 1)</a:t>
+            </a:r>
+          </a:p>
+        </p:txBody>
+      </p:sp>
+      <p:sp>
+        <p:nvSpPr>
+          <p:cNvPr id="9" name="Title 1">
+            <a:extLst>
+              <a:ext uri="{FF2B5EF4-FFF2-40B4-BE49-F238E27FC236}">
+                <a16:creationId xmlns:a16="http://schemas.microsoft.com/office/drawing/2014/main" id="{6B0855FA-22EF-44EB-9A0F-50131232A039}"/>
+              </a:ext>
+            </a:extLst>
+          </p:cNvPr>
+          <p:cNvSpPr txBox="1">
+            <a:spLocks/>
+          </p:cNvSpPr>
+          <p:nvPr/>
+        </p:nvSpPr>
+        <p:spPr>
+          <a:xfrm rot="16200000">
+            <a:off x="5867398" y="-5580821"/>
+            <a:ext cx="457201" cy="11618844"/>
+          </a:xfrm>
+          <a:prstGeom prst="rect">
+            <a:avLst/>
+          </a:prstGeom>
+        </p:spPr>
+        <p:txBody>
+          <a:bodyPr vert="eaVert" lIns="91440" tIns="45720" rIns="91440" bIns="45720" rtlCol="0" anchor="b">
+            <a:noAutofit/>
+          </a:bodyPr>
+          <a:lstStyle>
+            <a:lvl1pPr algn="l" defTabSz="457200" rtl="0" eaLnBrk="1" latinLnBrk="0" hangingPunct="1">
+              <a:spcBef>
+                <a:spcPct val="0"/>
+              </a:spcBef>
+              <a:buNone/>
+              <a:defRPr sz="2800" b="0" kern="1200" cap="all">
+                <a:solidFill>
+                  <a:schemeClr val="bg1"/>
+                </a:solidFill>
+                <a:latin typeface="+mj-lt"/>
+                <a:ea typeface="+mj-ea"/>
+                <a:cs typeface="+mj-cs"/>
+              </a:defRPr>
+            </a:lvl1pPr>
+            <a:lvl2pPr eaLnBrk="1" hangingPunct="1">
+              <a:defRPr>
+                <a:solidFill>
+                  <a:schemeClr val="tx2"/>
+                </a:solidFill>
+              </a:defRPr>
+            </a:lvl2pPr>
+            <a:lvl3pPr eaLnBrk="1" hangingPunct="1">
+              <a:defRPr>
+                <a:solidFill>
+                  <a:schemeClr val="tx2"/>
+                </a:solidFill>
+              </a:defRPr>
+            </a:lvl3pPr>
+            <a:lvl4pPr eaLnBrk="1" hangingPunct="1">
+              <a:defRPr>
+                <a:solidFill>
+                  <a:schemeClr val="tx2"/>
+                </a:solidFill>
+              </a:defRPr>
+            </a:lvl4pPr>
+            <a:lvl5pPr eaLnBrk="1" hangingPunct="1">
+              <a:defRPr>
+                <a:solidFill>
+                  <a:schemeClr val="tx2"/>
+                </a:solidFill>
+              </a:defRPr>
+            </a:lvl5pPr>
+            <a:lvl6pPr eaLnBrk="1" hangingPunct="1">
+              <a:defRPr>
+                <a:solidFill>
+                  <a:schemeClr val="tx2"/>
+                </a:solidFill>
+              </a:defRPr>
+            </a:lvl6pPr>
+            <a:lvl7pPr eaLnBrk="1" hangingPunct="1">
+              <a:defRPr>
+                <a:solidFill>
+                  <a:schemeClr val="tx2"/>
+                </a:solidFill>
+              </a:defRPr>
+            </a:lvl7pPr>
+            <a:lvl8pPr eaLnBrk="1" hangingPunct="1">
+              <a:defRPr>
+                <a:solidFill>
+                  <a:schemeClr val="tx2"/>
+                </a:solidFill>
+              </a:defRPr>
+            </a:lvl8pPr>
+            <a:lvl9pPr eaLnBrk="1" hangingPunct="1">
+              <a:defRPr>
+                <a:solidFill>
+                  <a:schemeClr val="tx2"/>
+                </a:solidFill>
+              </a:defRPr>
+            </a:lvl9pPr>
+          </a:lstStyle>
+          <a:p>
+            <a:pPr algn="ctr"/>
+            <a:r>
+              <a:rPr lang="en-US" sz="2000" cap="none" dirty="0">
+                <a:solidFill>
+                  <a:schemeClr val="accent4"/>
+                </a:solidFill>
+              </a:rPr>
+              <a:t>Introducing TSP | </a:t>
+            </a:r>
+            <a:r>
+              <a:rPr lang="en-US" sz="2000" cap="none" dirty="0">
+                <a:solidFill>
+                  <a:schemeClr val="accent1"/>
+                </a:solidFill>
+              </a:rPr>
+              <a:t>Brute force solution </a:t>
+            </a:r>
+            <a:r>
+              <a:rPr lang="en-US" sz="2000" cap="none" dirty="0">
+                <a:solidFill>
+                  <a:schemeClr val="accent4"/>
+                </a:solidFill>
+              </a:rPr>
+              <a:t>| Best first search | Nearest neighbor | Greedy heuristic | Time analysis</a:t>
+            </a:r>
+          </a:p>
+        </p:txBody>
+      </p:sp>
+      <p:sp>
+        <p:nvSpPr>
+          <p:cNvPr id="5" name="Rectangle: Single Corner Snipped 4">
+            <a:extLst>
+              <a:ext uri="{FF2B5EF4-FFF2-40B4-BE49-F238E27FC236}">
+                <a16:creationId xmlns:a16="http://schemas.microsoft.com/office/drawing/2014/main" id="{766AFB4F-3DC0-457D-8D0C-265EB4B430ED}"/>
+              </a:ext>
+            </a:extLst>
+          </p:cNvPr>
+          <p:cNvSpPr/>
+          <p:nvPr/>
+        </p:nvSpPr>
+        <p:spPr>
+          <a:xfrm flipH="1">
+            <a:off x="10634869" y="797036"/>
+            <a:ext cx="1123121" cy="1013800"/>
+          </a:xfrm>
+          <a:prstGeom prst="snip1Rect">
+            <a:avLst>
+              <a:gd name="adj" fmla="val 38041"/>
+            </a:avLst>
+          </a:prstGeom>
+          <a:solidFill>
+            <a:schemeClr val="bg1"/>
+          </a:solidFill>
+          <a:ln>
+            <a:noFill/>
+          </a:ln>
+        </p:spPr>
+        <p:style>
+          <a:lnRef idx="2">
+            <a:schemeClr val="accent1">
+              <a:shade val="50000"/>
+            </a:schemeClr>
+          </a:lnRef>
+          <a:fillRef idx="1">
+            <a:schemeClr val="accent1"/>
+          </a:fillRef>
+          <a:effectRef idx="0">
+            <a:schemeClr val="accent1"/>
+          </a:effectRef>
+          <a:fontRef idx="minor">
+            <a:schemeClr val="lt1"/>
+          </a:fontRef>
+        </p:style>
+        <p:txBody>
+          <a:bodyPr rtlCol="0" anchor="ctr"/>
+          <a:lstStyle/>
+          <a:p>
+            <a:pPr algn="ctr"/>
+            <a:r>
+              <a:rPr lang="en-US" sz="4400" dirty="0">
+                <a:solidFill>
+                  <a:schemeClr val="accent1"/>
+                </a:solidFill>
+                <a:latin typeface="Arial" panose="020B0604020202020204" pitchFamily="34" charset="0"/>
+                <a:cs typeface="Arial" panose="020B0604020202020204" pitchFamily="34" charset="0"/>
+              </a:rPr>
+              <a:t>4</a:t>
+            </a:r>
+          </a:p>
+        </p:txBody>
+      </p:sp>
+    </p:spTree>
+    <p:extLst>
+      <p:ext uri="{BB962C8B-B14F-4D97-AF65-F5344CB8AC3E}">
+        <p14:creationId xmlns:p14="http://schemas.microsoft.com/office/powerpoint/2010/main" val="3377192083"/>
+      </p:ext>
+    </p:extLst>
+  </p:cSld>
+  <p:clrMapOvr>
+    <a:masterClrMapping/>
+  </p:clrMapOvr>
+</p:sld>
+</file>
+
+<file path=ppt/slides/slide50.xml><?xml version="1.0" encoding="utf-8"?>
 <p:sld xmlns:a="http://schemas.openxmlformats.org/drawingml/2006/main" xmlns:r="http://schemas.openxmlformats.org/officeDocument/2006/relationships" xmlns:p="http://schemas.openxmlformats.org/presentationml/2006/main">
   <p:cSld>
     <p:spTree>
@@ -47505,7 +45178,7 @@
 </p:sld>
 </file>
 
-<file path=ppt/slides/slide52.xml><?xml version="1.0" encoding="utf-8"?>
+<file path=ppt/slides/slide51.xml><?xml version="1.0" encoding="utf-8"?>
 <p:sld xmlns:a="http://schemas.openxmlformats.org/drawingml/2006/main" xmlns:r="http://schemas.openxmlformats.org/officeDocument/2006/relationships" xmlns:p="http://schemas.openxmlformats.org/presentationml/2006/main">
   <p:cSld>
     <p:spTree>
@@ -47838,7 +45511,7 @@
 </p:sld>
 </file>
 
-<file path=ppt/slides/slide53.xml><?xml version="1.0" encoding="utf-8"?>
+<file path=ppt/slides/slide52.xml><?xml version="1.0" encoding="utf-8"?>
 <p:sld xmlns:a="http://schemas.openxmlformats.org/drawingml/2006/main" xmlns:r="http://schemas.openxmlformats.org/officeDocument/2006/relationships" xmlns:p="http://schemas.openxmlformats.org/presentationml/2006/main">
   <p:cSld>
     <p:spTree>
@@ -47904,7 +45577,81 @@
           <a:bodyPr/>
           <a:lstStyle/>
           <a:p>
-            <a:endParaRPr lang="en-US"/>
+            <a:r>
+              <a:rPr lang="en-US" dirty="0"/>
+              <a:t>Limitations</a:t>
+            </a:r>
+          </a:p>
+          <a:p>
+            <a:pPr lvl="1"/>
+            <a:r>
+              <a:rPr lang="en-US" dirty="0"/>
+              <a:t>Used directed graph</a:t>
+            </a:r>
+          </a:p>
+          <a:p>
+            <a:pPr lvl="2"/>
+            <a:r>
+              <a:rPr lang="en-US" dirty="0" err="1"/>
+              <a:t>Christofides</a:t>
+            </a:r>
+            <a:r>
+              <a:rPr lang="en-US" dirty="0"/>
+              <a:t>’ heuristic requires perfect matchings</a:t>
+            </a:r>
+          </a:p>
+          <a:p>
+            <a:pPr lvl="1"/>
+            <a:r>
+              <a:rPr lang="en-US" dirty="0"/>
+              <a:t>Did not calculate runtime for exact algorithms for n &gt; 14</a:t>
+            </a:r>
+          </a:p>
+          <a:p>
+            <a:pPr lvl="1"/>
+            <a:r>
+              <a:rPr lang="en-US" dirty="0"/>
+              <a:t>Did not verify accuracies for heuristics for n &gt; 14</a:t>
+            </a:r>
+          </a:p>
+          <a:p>
+            <a:r>
+              <a:rPr lang="en-US" dirty="0"/>
+              <a:t>Future work</a:t>
+            </a:r>
+          </a:p>
+          <a:p>
+            <a:pPr lvl="1"/>
+            <a:r>
+              <a:rPr lang="en-US" dirty="0"/>
+              <a:t>Multithreaded processing on performance</a:t>
+            </a:r>
+          </a:p>
+          <a:p>
+            <a:pPr lvl="1"/>
+            <a:r>
+              <a:rPr lang="en-US" dirty="0"/>
+              <a:t>Other algorithms (</a:t>
+            </a:r>
+            <a:r>
+              <a:rPr lang="en-US" dirty="0" err="1"/>
+              <a:t>Christofides</a:t>
+            </a:r>
+            <a:r>
+              <a:rPr lang="en-US" dirty="0"/>
+              <a:t>’, genetic, MTS)</a:t>
+            </a:r>
+          </a:p>
+          <a:p>
+            <a:pPr lvl="1"/>
+            <a:r>
+              <a:rPr lang="en-US" dirty="0"/>
+              <a:t>Testing heuristics with metric TSP</a:t>
+            </a:r>
+          </a:p>
+          <a:p>
+            <a:pPr lvl="1"/>
+            <a:endParaRPr lang="en-US" dirty="0"/>
           </a:p>
         </p:txBody>
       </p:sp>
@@ -48104,7 +45851,7 @@
 </p:sld>
 </file>
 
-<file path=ppt/slides/slide54.xml><?xml version="1.0" encoding="utf-8"?>
+<file path=ppt/slides/slide53.xml><?xml version="1.0" encoding="utf-8"?>
 <p:sld xmlns:a="http://schemas.openxmlformats.org/drawingml/2006/main" xmlns:r="http://schemas.openxmlformats.org/officeDocument/2006/relationships" xmlns:p="http://schemas.openxmlformats.org/presentationml/2006/main">
   <p:cSld>
     <p:spTree>
